--- a/Documents/writeup/paper/images/imageslide.pptx
+++ b/Documents/writeup/paper/images/imageslide.pptx
@@ -3366,11 +3366,13 @@
             </p:nvSpPr>
             <p:spPr/>
             <p:txBody>
-              <a:bodyPr/>
+              <a:bodyPr>
+                <a:normAutofit/>
+              </a:bodyPr>
               <a:lstStyle/>
               <a:p>
                 <a:r>
-                  <a:rPr lang="en-US" b="1" i="0" dirty="0">
+                  <a:rPr lang="en-US" sz="2000" b="1" i="0" dirty="0">
                     <a:latin typeface="+mj-lt"/>
                   </a:rPr>
                   <a:t>Input</a:t>
@@ -3378,7 +3380,7 @@
                 <a14:m>
                   <m:oMath xmlns:m="http://schemas.openxmlformats.org/officeDocument/2006/math">
                     <m:r>
-                      <a:rPr lang="en-US" b="1" i="1" dirty="0" smtClean="0">
+                      <a:rPr lang="en-US" sz="2000" b="1" i="1" dirty="0" smtClean="0">
                         <a:latin typeface="Cambria Math" panose="02040503050406030204" pitchFamily="18" charset="0"/>
                       </a:rPr>
                       <m:t>:</m:t>
@@ -3386,14 +3388,14 @@
                     <m:sSub>
                       <m:sSubPr>
                         <m:ctrlPr>
-                          <a:rPr lang="en-US" b="0" i="1" dirty="0" smtClean="0">
+                          <a:rPr lang="en-US" sz="2000" b="0" i="1" dirty="0" smtClean="0">
                             <a:latin typeface="Cambria Math" panose="02040503050406030204" pitchFamily="18" charset="0"/>
                           </a:rPr>
                         </m:ctrlPr>
                       </m:sSubPr>
                       <m:e>
                         <m:r>
-                          <a:rPr lang="en-US" b="0" i="1" dirty="0" smtClean="0">
+                          <a:rPr lang="en-US" sz="2000" b="0" i="1" dirty="0" smtClean="0">
                             <a:latin typeface="Cambria Math" panose="02040503050406030204" pitchFamily="18" charset="0"/>
                           </a:rPr>
                           <m:t>𝐾</m:t>
@@ -3401,19 +3403,19 @@
                       </m:e>
                       <m:sub>
                         <m:r>
-                          <a:rPr lang="en-US" i="1" dirty="0">
+                          <a:rPr lang="en-US" sz="2000" i="1" dirty="0">
                             <a:latin typeface="Cambria Math" panose="02040503050406030204" pitchFamily="18" charset="0"/>
                           </a:rPr>
                           <m:t>𝑚</m:t>
                         </m:r>
                         <m:r>
-                          <a:rPr lang="en-US" i="1" dirty="0">
+                          <a:rPr lang="en-US" sz="2000" i="1" dirty="0">
                             <a:latin typeface="Cambria Math" panose="02040503050406030204" pitchFamily="18" charset="0"/>
                           </a:rPr>
                           <m:t> × </m:t>
                         </m:r>
                         <m:r>
-                          <a:rPr lang="en-US" i="1" dirty="0">
+                          <a:rPr lang="en-US" sz="2000" i="1" dirty="0">
                             <a:latin typeface="Cambria Math" panose="02040503050406030204" pitchFamily="18" charset="0"/>
                           </a:rPr>
                           <m:t>𝑛</m:t>
@@ -3422,15 +3424,15 @@
                     </m:sSub>
                   </m:oMath>
                 </a14:m>
-                <a:endParaRPr lang="en-US" b="0" dirty="0"/>
+                <a:endParaRPr lang="en-US" sz="2000" b="0" dirty="0"/>
               </a:p>
               <a:p>
                 <a:r>
-                  <a:rPr lang="en-US" b="1" dirty="0"/>
+                  <a:rPr lang="en-US" sz="2000" b="1" dirty="0"/>
                   <a:t>Output:</a:t>
                 </a:r>
                 <a:r>
-                  <a:rPr lang="en-US" dirty="0"/>
+                  <a:rPr lang="en-US" sz="2000" dirty="0"/>
                   <a:t> user 1: </a:t>
                 </a:r>
                 <a14:m>
@@ -3439,14 +3441,14 @@
                       <m:accPr>
                         <m:chr m:val="⃗"/>
                         <m:ctrlPr>
-                          <a:rPr lang="en-US" b="0" i="1" smtClean="0">
+                          <a:rPr lang="en-US" sz="2000" b="0" i="1" smtClean="0">
                             <a:latin typeface="Cambria Math" panose="02040503050406030204" pitchFamily="18" charset="0"/>
                           </a:rPr>
                         </m:ctrlPr>
                       </m:accPr>
                       <m:e>
                         <m:r>
-                          <a:rPr lang="en-US" i="1">
+                          <a:rPr lang="en-US" sz="2000" i="1">
                             <a:latin typeface="Cambria Math" panose="02040503050406030204" pitchFamily="18" charset="0"/>
                           </a:rPr>
                           <m:t>𝐾</m:t>
@@ -3454,7 +3456,7 @@
                       </m:e>
                     </m:acc>
                     <m:r>
-                      <a:rPr lang="en-US" b="0" i="1" smtClean="0">
+                      <a:rPr lang="en-US" sz="2000" b="0" i="1" smtClean="0">
                         <a:latin typeface="Cambria Math" panose="02040503050406030204" pitchFamily="18" charset="0"/>
                       </a:rPr>
                       <m:t> ×  </m:t>
@@ -3463,14 +3465,14 @@
                       <m:accPr>
                         <m:chr m:val="⃗"/>
                         <m:ctrlPr>
-                          <a:rPr lang="en-US" b="0" i="1" smtClean="0">
+                          <a:rPr lang="en-US" sz="2000" b="0" i="1" smtClean="0">
                             <a:latin typeface="Cambria Math" panose="02040503050406030204" pitchFamily="18" charset="0"/>
                           </a:rPr>
                         </m:ctrlPr>
                       </m:accPr>
                       <m:e>
                         <m:r>
-                          <a:rPr lang="en-US" i="1">
+                          <a:rPr lang="en-US" sz="2000" i="1">
                             <a:latin typeface="Cambria Math" panose="02040503050406030204" pitchFamily="18" charset="0"/>
                           </a:rPr>
                           <m:t>𝑥</m:t>
@@ -3478,7 +3480,7 @@
                       </m:e>
                     </m:acc>
                     <m:r>
-                      <a:rPr lang="en-US" b="0" i="1" smtClean="0">
+                      <a:rPr lang="en-US" sz="2000" b="0" i="1" smtClean="0">
                         <a:latin typeface="Cambria Math" panose="02040503050406030204" pitchFamily="18" charset="0"/>
                       </a:rPr>
                       <m:t>+</m:t>
@@ -3487,14 +3489,14 @@
                       <m:accPr>
                         <m:chr m:val="⃗"/>
                         <m:ctrlPr>
-                          <a:rPr lang="en-US" i="1">
+                          <a:rPr lang="en-US" sz="2000" i="1">
                             <a:latin typeface="Cambria Math" panose="02040503050406030204" pitchFamily="18" charset="0"/>
                           </a:rPr>
                         </m:ctrlPr>
                       </m:accPr>
                       <m:e>
                         <m:r>
-                          <a:rPr lang="en-US" b="0" i="1" smtClean="0">
+                          <a:rPr lang="en-US" sz="2000" b="0" i="1" smtClean="0">
                             <a:latin typeface="Cambria Math" panose="02040503050406030204" pitchFamily="18" charset="0"/>
                           </a:rPr>
                           <m:t>𝑟</m:t>
@@ -3503,7 +3505,7 @@
                     </m:acc>
                   </m:oMath>
                 </a14:m>
-                <a:endParaRPr lang="en-US" dirty="0"/>
+                <a:endParaRPr lang="en-US" sz="2000" dirty="0"/>
               </a:p>
             </p:txBody>
           </p:sp>
@@ -3529,7 +3531,7 @@
               <a:blipFill>
                 <a:blip r:embed="rId2"/>
                 <a:stretch>
-                  <a:fillRect l="-1086" t="-2326"/>
+                  <a:fillRect l="-603" t="-1453"/>
                 </a:stretch>
               </a:blipFill>
             </p:spPr>

--- a/Documents/writeup/paper/images/imageslide.pptx
+++ b/Documents/writeup/paper/images/imageslide.pptx
@@ -6,6 +6,8 @@
   </p:sldMasterIdLst>
   <p:sldIdLst>
     <p:sldId id="1068" r:id="rId2"/>
+    <p:sldId id="1069" r:id="rId3"/>
+    <p:sldId id="1070" r:id="rId4"/>
   </p:sldIdLst>
   <p:sldSz cx="12192000" cy="6858000"/>
   <p:notesSz cx="6858000" cy="9144000"/>
@@ -104,6 +106,11 @@
       </a:defRPr>
     </a:lvl9pPr>
   </p:defaultTextStyle>
+  <p:extLst>
+    <p:ext uri="{EFAFB233-063F-42B5-8137-9DF3F51BA10A}">
+      <p15:sldGuideLst xmlns:p15="http://schemas.microsoft.com/office/powerpoint/2012/main"/>
+    </p:ext>
+  </p:extLst>
 </p:presentation>
 </file>
 
@@ -254,7 +261,7 @@
           <a:p>
             <a:fld id="{1629838D-6EB1-DF43-9A9D-BEB2CF4D714C}" type="datetimeFigureOut">
               <a:rPr lang="en-US" smtClean="0"/>
-              <a:t>1/6/21</a:t>
+              <a:t>1/7/21</a:t>
             </a:fld>
             <a:endParaRPr lang="en-US"/>
           </a:p>
@@ -452,7 +459,7 @@
           <a:p>
             <a:fld id="{1629838D-6EB1-DF43-9A9D-BEB2CF4D714C}" type="datetimeFigureOut">
               <a:rPr lang="en-US" smtClean="0"/>
-              <a:t>1/6/21</a:t>
+              <a:t>1/7/21</a:t>
             </a:fld>
             <a:endParaRPr lang="en-US"/>
           </a:p>
@@ -660,7 +667,7 @@
           <a:p>
             <a:fld id="{1629838D-6EB1-DF43-9A9D-BEB2CF4D714C}" type="datetimeFigureOut">
               <a:rPr lang="en-US" smtClean="0"/>
-              <a:t>1/6/21</a:t>
+              <a:t>1/7/21</a:t>
             </a:fld>
             <a:endParaRPr lang="en-US"/>
           </a:p>
@@ -858,7 +865,7 @@
           <a:p>
             <a:fld id="{1629838D-6EB1-DF43-9A9D-BEB2CF4D714C}" type="datetimeFigureOut">
               <a:rPr lang="en-US" smtClean="0"/>
-              <a:t>1/6/21</a:t>
+              <a:t>1/7/21</a:t>
             </a:fld>
             <a:endParaRPr lang="en-US"/>
           </a:p>
@@ -1133,7 +1140,7 @@
           <a:p>
             <a:fld id="{1629838D-6EB1-DF43-9A9D-BEB2CF4D714C}" type="datetimeFigureOut">
               <a:rPr lang="en-US" smtClean="0"/>
-              <a:t>1/6/21</a:t>
+              <a:t>1/7/21</a:t>
             </a:fld>
             <a:endParaRPr lang="en-US"/>
           </a:p>
@@ -1398,7 +1405,7 @@
           <a:p>
             <a:fld id="{1629838D-6EB1-DF43-9A9D-BEB2CF4D714C}" type="datetimeFigureOut">
               <a:rPr lang="en-US" smtClean="0"/>
-              <a:t>1/6/21</a:t>
+              <a:t>1/7/21</a:t>
             </a:fld>
             <a:endParaRPr lang="en-US"/>
           </a:p>
@@ -1810,7 +1817,7 @@
           <a:p>
             <a:fld id="{1629838D-6EB1-DF43-9A9D-BEB2CF4D714C}" type="datetimeFigureOut">
               <a:rPr lang="en-US" smtClean="0"/>
-              <a:t>1/6/21</a:t>
+              <a:t>1/7/21</a:t>
             </a:fld>
             <a:endParaRPr lang="en-US"/>
           </a:p>
@@ -1951,7 +1958,7 @@
           <a:p>
             <a:fld id="{1629838D-6EB1-DF43-9A9D-BEB2CF4D714C}" type="datetimeFigureOut">
               <a:rPr lang="en-US" smtClean="0"/>
-              <a:t>1/6/21</a:t>
+              <a:t>1/7/21</a:t>
             </a:fld>
             <a:endParaRPr lang="en-US"/>
           </a:p>
@@ -2064,7 +2071,7 @@
           <a:p>
             <a:fld id="{1629838D-6EB1-DF43-9A9D-BEB2CF4D714C}" type="datetimeFigureOut">
               <a:rPr lang="en-US" smtClean="0"/>
-              <a:t>1/6/21</a:t>
+              <a:t>1/7/21</a:t>
             </a:fld>
             <a:endParaRPr lang="en-US"/>
           </a:p>
@@ -2375,7 +2382,7 @@
           <a:p>
             <a:fld id="{1629838D-6EB1-DF43-9A9D-BEB2CF4D714C}" type="datetimeFigureOut">
               <a:rPr lang="en-US" smtClean="0"/>
-              <a:t>1/6/21</a:t>
+              <a:t>1/7/21</a:t>
             </a:fld>
             <a:endParaRPr lang="en-US"/>
           </a:p>
@@ -2663,7 +2670,7 @@
           <a:p>
             <a:fld id="{1629838D-6EB1-DF43-9A9D-BEB2CF4D714C}" type="datetimeFigureOut">
               <a:rPr lang="en-US" smtClean="0"/>
-              <a:t>1/6/21</a:t>
+              <a:t>1/7/21</a:t>
             </a:fld>
             <a:endParaRPr lang="en-US"/>
           </a:p>
@@ -2904,7 +2911,7 @@
           <a:p>
             <a:fld id="{1629838D-6EB1-DF43-9A9D-BEB2CF4D714C}" type="datetimeFigureOut">
               <a:rPr lang="en-US" smtClean="0"/>
-              <a:t>1/6/21</a:t>
+              <a:t>1/7/21</a:t>
             </a:fld>
             <a:endParaRPr lang="en-US"/>
           </a:p>
@@ -3342,7 +3349,14 @@
           <a:bodyPr/>
           <a:lstStyle/>
           <a:p>
-            <a:endParaRPr lang="en-US"/>
+            <a:r>
+              <a:rPr lang="en-US" dirty="0" err="1"/>
+              <a:t>wPRF</a:t>
+            </a:r>
+            <a:r>
+              <a:rPr lang="en-US" dirty="0"/>
+              <a:t>(Old Protocol)</a:t>
+            </a:r>
           </a:p>
         </p:txBody>
       </p:sp>
@@ -3372,59 +3386,258 @@
               <a:lstStyle/>
               <a:p>
                 <a:r>
-                  <a:rPr lang="en-US" sz="2000" b="1" i="0" dirty="0">
-                    <a:latin typeface="+mj-lt"/>
-                  </a:rPr>
-                  <a:t>Input</a:t>
+                  <a:rPr lang="en-US" sz="2000" b="1" i="0" dirty="0"/>
+                  <a:t>Input: </a:t>
+                </a:r>
+              </a:p>
+              <a:p>
+                <a:pPr lvl="1"/>
+                <a:r>
+                  <a:rPr lang="en-US" sz="1600" i="0" dirty="0"/>
+                  <a:t>Private shares of </a:t>
+                </a:r>
+                <a:r>
+                  <a:rPr lang="en-US" sz="1600" dirty="0"/>
+                  <a:t>Key matrix</a:t>
+                </a:r>
+                <a:r>
+                  <a:rPr lang="en-US" sz="1600" b="1" dirty="0"/>
+                  <a:t> </a:t>
                 </a:r>
                 <a14:m>
                   <m:oMath xmlns:m="http://schemas.openxmlformats.org/officeDocument/2006/math">
                     <m:r>
-                      <a:rPr lang="en-US" sz="2000" b="1" i="1" dirty="0" smtClean="0">
+                      <a:rPr lang="en-US" sz="1600" b="1" i="1" smtClean="0">
                         <a:latin typeface="Cambria Math" panose="02040503050406030204" pitchFamily="18" charset="0"/>
                       </a:rPr>
-                      <m:t>:</m:t>
+                      <m:t>𝑲</m:t>
                     </m:r>
+                    <m:r>
+                      <a:rPr lang="en-US" sz="1600" b="1" i="1" smtClean="0">
+                        <a:latin typeface="Cambria Math" panose="02040503050406030204" pitchFamily="18" charset="0"/>
+                        <a:ea typeface="Cambria Math" panose="02040503050406030204" pitchFamily="18" charset="0"/>
+                      </a:rPr>
+                      <m:t>∈ </m:t>
+                    </m:r>
+                    <m:sSubSup>
+                      <m:sSubSupPr>
+                        <m:ctrlPr>
+                          <a:rPr lang="en-US" sz="1600" b="1" i="1" smtClean="0">
+                            <a:latin typeface="Cambria Math" panose="02040503050406030204" pitchFamily="18" charset="0"/>
+                            <a:ea typeface="Cambria Math" panose="02040503050406030204" pitchFamily="18" charset="0"/>
+                          </a:rPr>
+                        </m:ctrlPr>
+                      </m:sSubSupPr>
+                      <m:e>
+                        <m:r>
+                          <a:rPr lang="en-US" sz="1600" b="1" i="1" smtClean="0">
+                            <a:latin typeface="Cambria Math" panose="02040503050406030204" pitchFamily="18" charset="0"/>
+                            <a:ea typeface="Cambria Math" panose="02040503050406030204" pitchFamily="18" charset="0"/>
+                          </a:rPr>
+                          <m:t>ℤ</m:t>
+                        </m:r>
+                      </m:e>
+                      <m:sub>
+                        <m:r>
+                          <a:rPr lang="en-US" sz="1600" b="1" i="1" smtClean="0">
+                            <a:latin typeface="Cambria Math" panose="02040503050406030204" pitchFamily="18" charset="0"/>
+                            <a:ea typeface="Cambria Math" panose="02040503050406030204" pitchFamily="18" charset="0"/>
+                          </a:rPr>
+                          <m:t>𝟐</m:t>
+                        </m:r>
+                      </m:sub>
+                      <m:sup>
+                        <m:r>
+                          <a:rPr lang="en-US" sz="1600" b="1" i="1" smtClean="0">
+                            <a:latin typeface="Cambria Math" panose="02040503050406030204" pitchFamily="18" charset="0"/>
+                            <a:ea typeface="Cambria Math" panose="02040503050406030204" pitchFamily="18" charset="0"/>
+                          </a:rPr>
+                          <m:t>𝒎</m:t>
+                        </m:r>
+                        <m:r>
+                          <a:rPr lang="en-US" sz="1600" b="1" i="1" smtClean="0">
+                            <a:latin typeface="Cambria Math" panose="02040503050406030204" pitchFamily="18" charset="0"/>
+                            <a:ea typeface="Cambria Math" panose="02040503050406030204" pitchFamily="18" charset="0"/>
+                          </a:rPr>
+                          <m:t>×</m:t>
+                        </m:r>
+                        <m:r>
+                          <a:rPr lang="en-US" sz="1600" b="1" i="1" smtClean="0">
+                            <a:latin typeface="Cambria Math" panose="02040503050406030204" pitchFamily="18" charset="0"/>
+                            <a:ea typeface="Cambria Math" panose="02040503050406030204" pitchFamily="18" charset="0"/>
+                          </a:rPr>
+                          <m:t>𝒏</m:t>
+                        </m:r>
+                      </m:sup>
+                    </m:sSubSup>
+                  </m:oMath>
+                </a14:m>
+                <a:r>
+                  <a:rPr lang="en-US" sz="1600" b="1" dirty="0"/>
+                  <a:t> </a:t>
+                </a:r>
+                <a:r>
+                  <a:rPr lang="en-US" sz="1600" dirty="0"/>
+                  <a:t>and input vector </a:t>
+                </a:r>
+                <a14:m>
+                  <m:oMath xmlns:m="http://schemas.openxmlformats.org/officeDocument/2006/math">
+                    <m:r>
+                      <a:rPr lang="en-US" sz="1600" b="1" i="1" smtClean="0">
+                        <a:latin typeface="Cambria Math" panose="02040503050406030204" pitchFamily="18" charset="0"/>
+                      </a:rPr>
+                      <m:t>𝒙</m:t>
+                    </m:r>
+                    <m:r>
+                      <a:rPr lang="en-US" sz="1600" b="1" i="1" smtClean="0">
+                        <a:latin typeface="Cambria Math" panose="02040503050406030204" pitchFamily="18" charset="0"/>
+                      </a:rPr>
+                      <m:t> ∈ </m:t>
+                    </m:r>
+                    <m:sSubSup>
+                      <m:sSubSupPr>
+                        <m:ctrlPr>
+                          <a:rPr lang="en-US" sz="1600" b="1" i="1" smtClean="0">
+                            <a:latin typeface="Cambria Math" panose="02040503050406030204" pitchFamily="18" charset="0"/>
+                            <a:ea typeface="Cambria Math" panose="02040503050406030204" pitchFamily="18" charset="0"/>
+                          </a:rPr>
+                        </m:ctrlPr>
+                      </m:sSubSupPr>
+                      <m:e>
+                        <m:r>
+                          <a:rPr lang="en-US" sz="1600" b="1" i="1" smtClean="0">
+                            <a:latin typeface="Cambria Math" panose="02040503050406030204" pitchFamily="18" charset="0"/>
+                            <a:ea typeface="Cambria Math" panose="02040503050406030204" pitchFamily="18" charset="0"/>
+                          </a:rPr>
+                          <m:t>ℤ</m:t>
+                        </m:r>
+                      </m:e>
+                      <m:sub>
+                        <m:r>
+                          <a:rPr lang="en-US" sz="1600" b="1" i="1" smtClean="0">
+                            <a:latin typeface="Cambria Math" panose="02040503050406030204" pitchFamily="18" charset="0"/>
+                            <a:ea typeface="Cambria Math" panose="02040503050406030204" pitchFamily="18" charset="0"/>
+                          </a:rPr>
+                          <m:t>𝟐</m:t>
+                        </m:r>
+                      </m:sub>
+                      <m:sup>
+                        <m:r>
+                          <a:rPr lang="en-US" sz="1600" b="1" i="1" smtClean="0">
+                            <a:latin typeface="Cambria Math" panose="02040503050406030204" pitchFamily="18" charset="0"/>
+                            <a:ea typeface="Cambria Math" panose="02040503050406030204" pitchFamily="18" charset="0"/>
+                          </a:rPr>
+                          <m:t>𝒏</m:t>
+                        </m:r>
+                      </m:sup>
+                    </m:sSubSup>
+                  </m:oMath>
+                </a14:m>
+                <a:r>
+                  <a:rPr lang="en-US" sz="1600" b="1" dirty="0"/>
+                  <a:t> </a:t>
+                </a:r>
+              </a:p>
+              <a:p>
+                <a:pPr lvl="1"/>
+                <a:r>
+                  <a:rPr lang="en-US" sz="1600" dirty="0"/>
+                  <a:t>Public Randomization Matrix </a:t>
+                </a:r>
+                <a14:m>
+                  <m:oMath xmlns:m="http://schemas.openxmlformats.org/officeDocument/2006/math">
                     <m:sSub>
                       <m:sSubPr>
                         <m:ctrlPr>
-                          <a:rPr lang="en-US" sz="2000" b="0" i="1" dirty="0" smtClean="0">
+                          <a:rPr lang="en-US" sz="1600" b="1" i="1" smtClean="0">
                             <a:latin typeface="Cambria Math" panose="02040503050406030204" pitchFamily="18" charset="0"/>
                           </a:rPr>
                         </m:ctrlPr>
                       </m:sSubPr>
                       <m:e>
                         <m:r>
-                          <a:rPr lang="en-US" sz="2000" b="0" i="1" dirty="0" smtClean="0">
+                          <a:rPr lang="en-US" sz="1600" b="1" i="1" smtClean="0">
                             <a:latin typeface="Cambria Math" panose="02040503050406030204" pitchFamily="18" charset="0"/>
                           </a:rPr>
-                          <m:t>𝐾</m:t>
+                          <m:t>𝑹</m:t>
                         </m:r>
                       </m:e>
                       <m:sub>
                         <m:r>
-                          <a:rPr lang="en-US" sz="2000" i="1" dirty="0">
+                          <a:rPr lang="en-US" sz="1600" b="1" i="1" smtClean="0">
                             <a:latin typeface="Cambria Math" panose="02040503050406030204" pitchFamily="18" charset="0"/>
                           </a:rPr>
-                          <m:t>𝑚</m:t>
-                        </m:r>
-                        <m:r>
-                          <a:rPr lang="en-US" sz="2000" i="1" dirty="0">
-                            <a:latin typeface="Cambria Math" panose="02040503050406030204" pitchFamily="18" charset="0"/>
-                          </a:rPr>
-                          <m:t> × </m:t>
-                        </m:r>
-                        <m:r>
-                          <a:rPr lang="en-US" sz="2000" i="1" dirty="0">
-                            <a:latin typeface="Cambria Math" panose="02040503050406030204" pitchFamily="18" charset="0"/>
-                          </a:rPr>
-                          <m:t>𝑛</m:t>
+                          <m:t>𝒎𝒂𝒕</m:t>
                         </m:r>
                       </m:sub>
                     </m:sSub>
+                    <m:r>
+                      <a:rPr lang="en-US" sz="1600" b="1" i="1" smtClean="0">
+                        <a:latin typeface="Cambria Math" panose="02040503050406030204" pitchFamily="18" charset="0"/>
+                      </a:rPr>
+                      <m:t> </m:t>
+                    </m:r>
+                    <m:r>
+                      <a:rPr lang="en-US" sz="1600" b="1" i="1" smtClean="0">
+                        <a:latin typeface="Cambria Math" panose="02040503050406030204" pitchFamily="18" charset="0"/>
+                        <a:ea typeface="Cambria Math" panose="02040503050406030204" pitchFamily="18" charset="0"/>
+                      </a:rPr>
+                      <m:t>∈ </m:t>
+                    </m:r>
+                    <m:sSubSup>
+                      <m:sSubSupPr>
+                        <m:ctrlPr>
+                          <a:rPr lang="en-US" sz="1600" b="1" i="1" smtClean="0">
+                            <a:latin typeface="Cambria Math" panose="02040503050406030204" pitchFamily="18" charset="0"/>
+                            <a:ea typeface="Cambria Math" panose="02040503050406030204" pitchFamily="18" charset="0"/>
+                          </a:rPr>
+                        </m:ctrlPr>
+                      </m:sSubSupPr>
+                      <m:e>
+                        <m:r>
+                          <a:rPr lang="en-US" sz="1600" b="1" i="1" smtClean="0">
+                            <a:latin typeface="Cambria Math" panose="02040503050406030204" pitchFamily="18" charset="0"/>
+                            <a:ea typeface="Cambria Math" panose="02040503050406030204" pitchFamily="18" charset="0"/>
+                          </a:rPr>
+                          <m:t>ℤ</m:t>
+                        </m:r>
+                      </m:e>
+                      <m:sub>
+                        <m:r>
+                          <a:rPr lang="en-US" sz="1600" b="1" i="1" smtClean="0">
+                            <a:latin typeface="Cambria Math" panose="02040503050406030204" pitchFamily="18" charset="0"/>
+                            <a:ea typeface="Cambria Math" panose="02040503050406030204" pitchFamily="18" charset="0"/>
+                          </a:rPr>
+                          <m:t>𝟑</m:t>
+                        </m:r>
+                      </m:sub>
+                      <m:sup>
+                        <m:r>
+                          <a:rPr lang="en-US" sz="1600" b="1" i="1" smtClean="0">
+                            <a:latin typeface="Cambria Math" panose="02040503050406030204" pitchFamily="18" charset="0"/>
+                            <a:ea typeface="Cambria Math" panose="02040503050406030204" pitchFamily="18" charset="0"/>
+                          </a:rPr>
+                          <m:t>𝒕</m:t>
+                        </m:r>
+                        <m:r>
+                          <a:rPr lang="en-US" sz="1600" b="1" i="1" smtClean="0">
+                            <a:latin typeface="Cambria Math" panose="02040503050406030204" pitchFamily="18" charset="0"/>
+                            <a:ea typeface="Cambria Math" panose="02040503050406030204" pitchFamily="18" charset="0"/>
+                          </a:rPr>
+                          <m:t>×</m:t>
+                        </m:r>
+                        <m:r>
+                          <a:rPr lang="en-US" sz="1600" b="1" i="1" smtClean="0">
+                            <a:latin typeface="Cambria Math" panose="02040503050406030204" pitchFamily="18" charset="0"/>
+                            <a:ea typeface="Cambria Math" panose="02040503050406030204" pitchFamily="18" charset="0"/>
+                          </a:rPr>
+                          <m:t>𝒎</m:t>
+                        </m:r>
+                      </m:sup>
+                    </m:sSubSup>
                   </m:oMath>
                 </a14:m>
-                <a:endParaRPr lang="en-US" sz="2000" b="0" dirty="0"/>
+                <a:endParaRPr lang="en-US" sz="1600" b="1" dirty="0"/>
               </a:p>
               <a:p>
                 <a:r>
@@ -3432,80 +3645,439 @@
                   <a:t>Output:</a:t>
                 </a:r>
                 <a:r>
-                  <a:rPr lang="en-US" sz="2000" dirty="0"/>
-                  <a:t> user 1: </a:t>
+                  <a:rPr lang="en-US" sz="1600" b="1" dirty="0"/>
+                  <a:t> </a:t>
                 </a:r>
                 <a14:m>
                   <m:oMath xmlns:m="http://schemas.openxmlformats.org/officeDocument/2006/math">
-                    <m:acc>
-                      <m:accPr>
-                        <m:chr m:val="⃗"/>
+                    <m:d>
+                      <m:dPr>
                         <m:ctrlPr>
-                          <a:rPr lang="en-US" sz="2000" b="0" i="1" smtClean="0">
+                          <a:rPr lang="en-US" sz="1600" b="1" i="0" smtClean="0">
                             <a:latin typeface="Cambria Math" panose="02040503050406030204" pitchFamily="18" charset="0"/>
                           </a:rPr>
                         </m:ctrlPr>
-                      </m:accPr>
+                      </m:dPr>
+                      <m:e>
+                        <m:d>
+                          <m:dPr>
+                            <m:ctrlPr>
+                              <a:rPr lang="en-US" sz="1600" b="1" i="0" smtClean="0">
+                                <a:latin typeface="Cambria Math" panose="02040503050406030204" pitchFamily="18" charset="0"/>
+                              </a:rPr>
+                            </m:ctrlPr>
+                          </m:dPr>
+                          <m:e>
+                            <m:r>
+                              <a:rPr lang="en-US" sz="1600" b="1" i="1" smtClean="0">
+                                <a:latin typeface="Cambria Math" panose="02040503050406030204" pitchFamily="18" charset="0"/>
+                              </a:rPr>
+                              <m:t>𝑲</m:t>
+                            </m:r>
+                            <m:r>
+                              <a:rPr lang="en-US" sz="1600" b="1" i="1" smtClean="0">
+                                <a:latin typeface="Cambria Math" panose="02040503050406030204" pitchFamily="18" charset="0"/>
+                              </a:rPr>
+                              <m:t> × </m:t>
+                            </m:r>
+                            <m:r>
+                              <a:rPr lang="en-US" sz="1600" b="1" i="1" smtClean="0">
+                                <a:latin typeface="Cambria Math" panose="02040503050406030204" pitchFamily="18" charset="0"/>
+                              </a:rPr>
+                              <m:t>𝒙</m:t>
+                            </m:r>
+                          </m:e>
+                        </m:d>
+                        <m:r>
+                          <a:rPr lang="en-US" sz="1600" b="1" i="1" smtClean="0">
+                            <a:latin typeface="Cambria Math" panose="02040503050406030204" pitchFamily="18" charset="0"/>
+                            <a:ea typeface="Cambria Math" panose="02040503050406030204" pitchFamily="18" charset="0"/>
+                          </a:rPr>
+                          <m:t>× </m:t>
+                        </m:r>
+                        <m:sSub>
+                          <m:sSubPr>
+                            <m:ctrlPr>
+                              <a:rPr lang="en-US" sz="1600" b="1" i="1" smtClean="0">
+                                <a:latin typeface="Cambria Math" panose="02040503050406030204" pitchFamily="18" charset="0"/>
+                                <a:ea typeface="Cambria Math" panose="02040503050406030204" pitchFamily="18" charset="0"/>
+                              </a:rPr>
+                            </m:ctrlPr>
+                          </m:sSubPr>
+                          <m:e>
+                            <m:r>
+                              <a:rPr lang="en-US" sz="1600" b="1" i="1" smtClean="0">
+                                <a:latin typeface="Cambria Math" panose="02040503050406030204" pitchFamily="18" charset="0"/>
+                                <a:ea typeface="Cambria Math" panose="02040503050406030204" pitchFamily="18" charset="0"/>
+                              </a:rPr>
+                              <m:t>𝑹</m:t>
+                            </m:r>
+                          </m:e>
+                          <m:sub>
+                            <m:r>
+                              <a:rPr lang="en-US" sz="1600" b="1" i="1" smtClean="0">
+                                <a:latin typeface="Cambria Math" panose="02040503050406030204" pitchFamily="18" charset="0"/>
+                                <a:ea typeface="Cambria Math" panose="02040503050406030204" pitchFamily="18" charset="0"/>
+                              </a:rPr>
+                              <m:t>𝒎𝒂𝒕</m:t>
+                            </m:r>
+                          </m:sub>
+                        </m:sSub>
+                      </m:e>
+                    </m:d>
+                    <m:r>
+                      <a:rPr lang="en-US" sz="1600" b="1" i="1" smtClean="0">
+                        <a:latin typeface="Cambria Math" panose="02040503050406030204" pitchFamily="18" charset="0"/>
+                        <a:ea typeface="Cambria Math" panose="02040503050406030204" pitchFamily="18" charset="0"/>
+                      </a:rPr>
+                      <m:t> ∈ </m:t>
+                    </m:r>
+                    <m:sSubSup>
+                      <m:sSubSupPr>
+                        <m:ctrlPr>
+                          <a:rPr lang="en-US" sz="1600" b="1" i="1" smtClean="0">
+                            <a:latin typeface="Cambria Math" panose="02040503050406030204" pitchFamily="18" charset="0"/>
+                            <a:ea typeface="Cambria Math" panose="02040503050406030204" pitchFamily="18" charset="0"/>
+                          </a:rPr>
+                        </m:ctrlPr>
+                      </m:sSubSupPr>
                       <m:e>
                         <m:r>
-                          <a:rPr lang="en-US" sz="2000" i="1">
+                          <a:rPr lang="en-US" sz="1600" b="1" i="1" smtClean="0">
+                            <a:latin typeface="Cambria Math" panose="02040503050406030204" pitchFamily="18" charset="0"/>
+                            <a:ea typeface="Cambria Math" panose="02040503050406030204" pitchFamily="18" charset="0"/>
+                          </a:rPr>
+                          <m:t>ℤ</m:t>
+                        </m:r>
+                      </m:e>
+                      <m:sub>
+                        <m:r>
+                          <a:rPr lang="en-US" sz="1600" b="1" i="1" smtClean="0">
+                            <a:latin typeface="Cambria Math" panose="02040503050406030204" pitchFamily="18" charset="0"/>
+                            <a:ea typeface="Cambria Math" panose="02040503050406030204" pitchFamily="18" charset="0"/>
+                          </a:rPr>
+                          <m:t>𝟑</m:t>
+                        </m:r>
+                      </m:sub>
+                      <m:sup>
+                        <m:r>
+                          <a:rPr lang="en-US" sz="1600" b="1" i="1" smtClean="0">
+                            <a:latin typeface="Cambria Math" panose="02040503050406030204" pitchFamily="18" charset="0"/>
+                            <a:ea typeface="Cambria Math" panose="02040503050406030204" pitchFamily="18" charset="0"/>
+                          </a:rPr>
+                          <m:t>𝒕</m:t>
+                        </m:r>
+                      </m:sup>
+                    </m:sSubSup>
+                  </m:oMath>
+                </a14:m>
+                <a:endParaRPr lang="en-US" sz="1600" b="1" dirty="0"/>
+              </a:p>
+              <a:p>
+                <a:r>
+                  <a:rPr lang="en-US" sz="2000" b="1" dirty="0"/>
+                  <a:t>Phase 1: </a:t>
+                </a:r>
+                <a:r>
+                  <a:rPr lang="en-US" sz="2000" dirty="0"/>
+                  <a:t>Both the parties compute the product </a:t>
+                </a:r>
+                <a14:m>
+                  <m:oMath xmlns:m="http://schemas.openxmlformats.org/officeDocument/2006/math">
+                    <m:r>
+                      <a:rPr lang="en-US" sz="2000" b="1" i="1" smtClean="0">
+                        <a:latin typeface="Cambria Math" panose="02040503050406030204" pitchFamily="18" charset="0"/>
+                      </a:rPr>
+                      <m:t>𝑲</m:t>
+                    </m:r>
+                    <m:r>
+                      <a:rPr lang="en-US" sz="2000" b="1" i="1" smtClean="0">
+                        <a:latin typeface="Cambria Math" panose="02040503050406030204" pitchFamily="18" charset="0"/>
+                      </a:rPr>
+                      <m:t> × </m:t>
+                    </m:r>
+                    <m:r>
+                      <a:rPr lang="en-US" sz="2000" b="1" i="1" smtClean="0">
+                        <a:latin typeface="Cambria Math" panose="02040503050406030204" pitchFamily="18" charset="0"/>
+                        <a:ea typeface="Cambria Math" panose="02040503050406030204" pitchFamily="18" charset="0"/>
+                      </a:rPr>
+                      <m:t>𝒙</m:t>
+                    </m:r>
+                  </m:oMath>
+                </a14:m>
+                <a:r>
+                  <a:rPr lang="en-US" sz="2000" b="1" dirty="0"/>
+                  <a:t> </a:t>
+                </a:r>
+              </a:p>
+              <a:p>
+                <a:pPr lvl="1"/>
+                <a:r>
+                  <a:rPr lang="en-US" sz="1600" dirty="0"/>
+                  <a:t>Parties mask their inputs and key in order to compute the term </a:t>
+                </a:r>
+                <a14:m>
+                  <m:oMath xmlns:m="http://schemas.openxmlformats.org/officeDocument/2006/math">
+                    <m:sSub>
+                      <m:sSubPr>
+                        <m:ctrlPr>
+                          <a:rPr lang="en-US" sz="1600" i="1" smtClean="0">
+                            <a:latin typeface="Cambria Math" panose="02040503050406030204" pitchFamily="18" charset="0"/>
+                          </a:rPr>
+                        </m:ctrlPr>
+                      </m:sSubPr>
+                      <m:e>
+                        <m:r>
+                          <a:rPr lang="en-US" sz="1600" b="0" i="1" smtClean="0">
                             <a:latin typeface="Cambria Math" panose="02040503050406030204" pitchFamily="18" charset="0"/>
                           </a:rPr>
                           <m:t>𝐾</m:t>
                         </m:r>
                       </m:e>
-                    </m:acc>
-                    <m:r>
-                      <a:rPr lang="en-US" sz="2000" b="0" i="1" smtClean="0">
-                        <a:latin typeface="Cambria Math" panose="02040503050406030204" pitchFamily="18" charset="0"/>
-                      </a:rPr>
-                      <m:t> ×  </m:t>
-                    </m:r>
-                    <m:acc>
-                      <m:accPr>
-                        <m:chr m:val="⃗"/>
+                      <m:sub>
+                        <m:r>
+                          <a:rPr lang="en-US" sz="1600" b="0" i="1" smtClean="0">
+                            <a:latin typeface="Cambria Math" panose="02040503050406030204" pitchFamily="18" charset="0"/>
+                          </a:rPr>
+                          <m:t>1</m:t>
+                        </m:r>
+                      </m:sub>
+                    </m:sSub>
+                    <m:sSub>
+                      <m:sSubPr>
                         <m:ctrlPr>
-                          <a:rPr lang="en-US" sz="2000" b="0" i="1" smtClean="0">
+                          <a:rPr lang="en-US" sz="1600" i="1" smtClean="0">
                             <a:latin typeface="Cambria Math" panose="02040503050406030204" pitchFamily="18" charset="0"/>
                           </a:rPr>
                         </m:ctrlPr>
-                      </m:accPr>
+                      </m:sSubPr>
                       <m:e>
                         <m:r>
-                          <a:rPr lang="en-US" sz="2000" i="1">
+                          <a:rPr lang="en-US" sz="1600" b="0" i="1" smtClean="0">
                             <a:latin typeface="Cambria Math" panose="02040503050406030204" pitchFamily="18" charset="0"/>
                           </a:rPr>
                           <m:t>𝑥</m:t>
                         </m:r>
                       </m:e>
-                    </m:acc>
+                      <m:sub>
+                        <m:r>
+                          <a:rPr lang="en-US" sz="1600" b="0" i="1" smtClean="0">
+                            <a:latin typeface="Cambria Math" panose="02040503050406030204" pitchFamily="18" charset="0"/>
+                          </a:rPr>
+                          <m:t>2</m:t>
+                        </m:r>
+                      </m:sub>
+                    </m:sSub>
                     <m:r>
-                      <a:rPr lang="en-US" sz="2000" b="0" i="1" smtClean="0">
+                      <a:rPr lang="en-US" sz="1600" b="0" i="1" smtClean="0">
                         <a:latin typeface="Cambria Math" panose="02040503050406030204" pitchFamily="18" charset="0"/>
                       </a:rPr>
-                      <m:t>+</m:t>
+                      <m:t>+ </m:t>
                     </m:r>
-                    <m:acc>
-                      <m:accPr>
-                        <m:chr m:val="⃗"/>
+                    <m:sSub>
+                      <m:sSubPr>
                         <m:ctrlPr>
-                          <a:rPr lang="en-US" sz="2000" i="1">
+                          <a:rPr lang="en-US" sz="1600" b="0" i="1" smtClean="0">
                             <a:latin typeface="Cambria Math" panose="02040503050406030204" pitchFamily="18" charset="0"/>
                           </a:rPr>
                         </m:ctrlPr>
-                      </m:accPr>
+                      </m:sSubPr>
                       <m:e>
                         <m:r>
-                          <a:rPr lang="en-US" sz="2000" b="0" i="1" smtClean="0">
+                          <a:rPr lang="en-US" sz="1600" b="0" i="1" smtClean="0">
                             <a:latin typeface="Cambria Math" panose="02040503050406030204" pitchFamily="18" charset="0"/>
                           </a:rPr>
-                          <m:t>𝑟</m:t>
+                          <m:t>𝐾</m:t>
                         </m:r>
                       </m:e>
-                    </m:acc>
+                      <m:sub>
+                        <m:r>
+                          <a:rPr lang="en-US" sz="1600" b="0" i="1" smtClean="0">
+                            <a:latin typeface="Cambria Math" panose="02040503050406030204" pitchFamily="18" charset="0"/>
+                          </a:rPr>
+                          <m:t>2</m:t>
+                        </m:r>
+                      </m:sub>
+                    </m:sSub>
+                    <m:sSub>
+                      <m:sSubPr>
+                        <m:ctrlPr>
+                          <a:rPr lang="en-US" sz="1600" b="0" i="1" smtClean="0">
+                            <a:latin typeface="Cambria Math" panose="02040503050406030204" pitchFamily="18" charset="0"/>
+                          </a:rPr>
+                        </m:ctrlPr>
+                      </m:sSubPr>
+                      <m:e>
+                        <m:r>
+                          <a:rPr lang="en-US" sz="1600" b="0" i="1" smtClean="0">
+                            <a:latin typeface="Cambria Math" panose="02040503050406030204" pitchFamily="18" charset="0"/>
+                          </a:rPr>
+                          <m:t>𝑥</m:t>
+                        </m:r>
+                      </m:e>
+                      <m:sub>
+                        <m:r>
+                          <a:rPr lang="en-US" sz="1600" b="0" i="1" smtClean="0">
+                            <a:latin typeface="Cambria Math" panose="02040503050406030204" pitchFamily="18" charset="0"/>
+                          </a:rPr>
+                          <m:t>1</m:t>
+                        </m:r>
+                      </m:sub>
+                    </m:sSub>
                   </m:oMath>
                 </a14:m>
-                <a:endParaRPr lang="en-US" sz="2000" dirty="0"/>
+                <a:endParaRPr lang="en-US" sz="1600" b="0" dirty="0"/>
+              </a:p>
+              <a:p>
+                <a:pPr lvl="1"/>
+                <a:r>
+                  <a:rPr lang="en-US" sz="1600" dirty="0"/>
+                  <a:t>Parties can locally compute their shares of input and mask, </a:t>
+                </a:r>
+                <a14:m>
+                  <m:oMath xmlns:m="http://schemas.openxmlformats.org/officeDocument/2006/math">
+                    <m:sSub>
+                      <m:sSubPr>
+                        <m:ctrlPr>
+                          <a:rPr lang="en-US" sz="1600" i="1" smtClean="0">
+                            <a:latin typeface="Cambria Math" panose="02040503050406030204" pitchFamily="18" charset="0"/>
+                          </a:rPr>
+                        </m:ctrlPr>
+                      </m:sSubPr>
+                      <m:e>
+                        <m:r>
+                          <a:rPr lang="en-US" sz="1600" b="0" i="1" smtClean="0">
+                            <a:latin typeface="Cambria Math" panose="02040503050406030204" pitchFamily="18" charset="0"/>
+                          </a:rPr>
+                          <m:t>𝐾</m:t>
+                        </m:r>
+                      </m:e>
+                      <m:sub>
+                        <m:r>
+                          <a:rPr lang="en-US" sz="1600" b="0" i="1" smtClean="0">
+                            <a:latin typeface="Cambria Math" panose="02040503050406030204" pitchFamily="18" charset="0"/>
+                          </a:rPr>
+                          <m:t>𝑖</m:t>
+                        </m:r>
+                      </m:sub>
+                    </m:sSub>
+                    <m:sSub>
+                      <m:sSubPr>
+                        <m:ctrlPr>
+                          <a:rPr lang="en-US" sz="1600" i="1" smtClean="0">
+                            <a:latin typeface="Cambria Math" panose="02040503050406030204" pitchFamily="18" charset="0"/>
+                          </a:rPr>
+                        </m:ctrlPr>
+                      </m:sSubPr>
+                      <m:e>
+                        <m:r>
+                          <a:rPr lang="en-US" sz="1600" b="0" i="1" smtClean="0">
+                            <a:latin typeface="Cambria Math" panose="02040503050406030204" pitchFamily="18" charset="0"/>
+                          </a:rPr>
+                          <m:t>𝑥</m:t>
+                        </m:r>
+                      </m:e>
+                      <m:sub>
+                        <m:r>
+                          <a:rPr lang="en-US" sz="1600" b="0" i="1" smtClean="0">
+                            <a:latin typeface="Cambria Math" panose="02040503050406030204" pitchFamily="18" charset="0"/>
+                          </a:rPr>
+                          <m:t>𝑖</m:t>
+                        </m:r>
+                      </m:sub>
+                    </m:sSub>
+                  </m:oMath>
+                </a14:m>
+                <a:endParaRPr lang="en-US" sz="1600" dirty="0"/>
+              </a:p>
+              <a:p>
+                <a:r>
+                  <a:rPr lang="en-US" sz="2000" b="1" dirty="0"/>
+                  <a:t>Phase 2: Share Conversion</a:t>
+                </a:r>
+              </a:p>
+              <a:p>
+                <a:pPr lvl="1"/>
+                <a:r>
+                  <a:rPr lang="en-US" sz="1600" dirty="0"/>
+                  <a:t>Convert the shares computed by both parties to </a:t>
+                </a:r>
+                <a14:m>
+                  <m:oMath xmlns:m="http://schemas.openxmlformats.org/officeDocument/2006/math">
+                    <m:sSub>
+                      <m:sSubPr>
+                        <m:ctrlPr>
+                          <a:rPr lang="en-US" sz="1600" b="1" i="1" smtClean="0"/>
+                        </m:ctrlPr>
+                      </m:sSubPr>
+                      <m:e>
+                        <m:r>
+                          <a:rPr lang="en-US" sz="1600" b="1" i="1" smtClean="0">
+                            <a:ea typeface="Cambria Math" panose="02040503050406030204" pitchFamily="18" charset="0"/>
+                          </a:rPr>
+                          <m:t>ℤ</m:t>
+                        </m:r>
+                      </m:e>
+                      <m:sub>
+                        <m:r>
+                          <a:rPr lang="en-US" sz="1600" b="1" i="1" smtClean="0"/>
+                          <m:t>𝟑</m:t>
+                        </m:r>
+                      </m:sub>
+                    </m:sSub>
+                  </m:oMath>
+                </a14:m>
+                <a:endParaRPr lang="en-US" sz="1600" b="1" dirty="0"/>
+              </a:p>
+              <a:p>
+                <a:r>
+                  <a:rPr lang="en-US" sz="2000" b="1" dirty="0"/>
+                  <a:t>Phase 3: Randomization Matrix</a:t>
+                </a:r>
+              </a:p>
+              <a:p>
+                <a:pPr lvl="1"/>
+                <a:r>
+                  <a:rPr lang="en-US" sz="1600" dirty="0"/>
+                  <a:t>Multiply the output of both parties in Phase 2 with public randomization matrix </a:t>
+                </a:r>
+                <a14:m>
+                  <m:oMath xmlns:m="http://schemas.openxmlformats.org/officeDocument/2006/math">
+                    <m:sSub>
+                      <m:sSubPr>
+                        <m:ctrlPr>
+                          <a:rPr lang="en-US" sz="1600" b="1" i="1" smtClean="0">
+                            <a:latin typeface="Cambria Math" panose="02040503050406030204" pitchFamily="18" charset="0"/>
+                          </a:rPr>
+                        </m:ctrlPr>
+                      </m:sSubPr>
+                      <m:e>
+                        <m:r>
+                          <a:rPr lang="en-US" sz="1600" b="1" i="1" smtClean="0">
+                            <a:latin typeface="Cambria Math" panose="02040503050406030204" pitchFamily="18" charset="0"/>
+                          </a:rPr>
+                          <m:t>𝑹</m:t>
+                        </m:r>
+                      </m:e>
+                      <m:sub>
+                        <m:r>
+                          <a:rPr lang="en-US" sz="1600" b="1" i="1" smtClean="0">
+                            <a:latin typeface="Cambria Math" panose="02040503050406030204" pitchFamily="18" charset="0"/>
+                          </a:rPr>
+                          <m:t>𝒎𝒂𝒕</m:t>
+                        </m:r>
+                      </m:sub>
+                    </m:sSub>
+                  </m:oMath>
+                </a14:m>
+                <a:r>
+                  <a:rPr lang="en-US" sz="1600" b="1" dirty="0"/>
+                  <a:t> </a:t>
+                </a:r>
+              </a:p>
+              <a:p>
+                <a:pPr lvl="1"/>
+                <a:endParaRPr lang="en-US" sz="1600" b="1" dirty="0"/>
               </a:p>
             </p:txBody>
           </p:sp>
@@ -3554,6 +4126,173 @@
     <p:extLst>
       <p:ext uri="{BB962C8B-B14F-4D97-AF65-F5344CB8AC3E}">
         <p14:creationId xmlns:p14="http://schemas.microsoft.com/office/powerpoint/2010/main" val="296296628"/>
+      </p:ext>
+    </p:extLst>
+  </p:cSld>
+  <p:clrMapOvr>
+    <a:masterClrMapping/>
+  </p:clrMapOvr>
+</p:sld>
+</file>
+
+<file path=ppt/slides/slide2.xml><?xml version="1.0" encoding="utf-8"?>
+<p:sld xmlns:a="http://schemas.openxmlformats.org/drawingml/2006/main" xmlns:r="http://schemas.openxmlformats.org/officeDocument/2006/relationships" xmlns:p="http://schemas.openxmlformats.org/presentationml/2006/main">
+  <p:cSld>
+    <p:spTree>
+      <p:nvGrpSpPr>
+        <p:cNvPr id="1" name=""/>
+        <p:cNvGrpSpPr/>
+        <p:nvPr/>
+      </p:nvGrpSpPr>
+      <p:grpSpPr>
+        <a:xfrm>
+          <a:off x="0" y="0"/>
+          <a:ext cx="0" cy="0"/>
+          <a:chOff x="0" y="0"/>
+          <a:chExt cx="0" cy="0"/>
+        </a:xfrm>
+      </p:grpSpPr>
+      <p:sp>
+        <p:nvSpPr>
+          <p:cNvPr id="2" name="Title 1">
+            <a:extLst>
+              <a:ext uri="{FF2B5EF4-FFF2-40B4-BE49-F238E27FC236}">
+                <a16:creationId xmlns:a16="http://schemas.microsoft.com/office/drawing/2014/main" id="{0CAC9DCA-761C-C946-A01F-69F05E238A65}"/>
+              </a:ext>
+            </a:extLst>
+          </p:cNvPr>
+          <p:cNvSpPr>
+            <a:spLocks noGrp="1"/>
+          </p:cNvSpPr>
+          <p:nvPr>
+            <p:ph type="title"/>
+          </p:nvPr>
+        </p:nvSpPr>
+        <p:spPr/>
+        <p:txBody>
+          <a:bodyPr/>
+          <a:lstStyle/>
+          <a:p>
+            <a:r>
+              <a:rPr lang="en-US" dirty="0"/>
+              <a:t>Shared Input and Shared Key</a:t>
+            </a:r>
+          </a:p>
+        </p:txBody>
+      </p:sp>
+      <p:sp>
+        <p:nvSpPr>
+          <p:cNvPr id="3" name="Content Placeholder 2">
+            <a:extLst>
+              <a:ext uri="{FF2B5EF4-FFF2-40B4-BE49-F238E27FC236}">
+                <a16:creationId xmlns:a16="http://schemas.microsoft.com/office/drawing/2014/main" id="{EB122BEF-29C7-CB4A-B432-14E4BF382CAE}"/>
+              </a:ext>
+            </a:extLst>
+          </p:cNvPr>
+          <p:cNvSpPr>
+            <a:spLocks noGrp="1"/>
+          </p:cNvSpPr>
+          <p:nvPr>
+            <p:ph idx="1"/>
+          </p:nvPr>
+        </p:nvSpPr>
+        <p:spPr/>
+        <p:txBody>
+          <a:bodyPr/>
+          <a:lstStyle/>
+          <a:p>
+            <a:endParaRPr lang="en-US" dirty="0"/>
+          </a:p>
+        </p:txBody>
+      </p:sp>
+    </p:spTree>
+    <p:extLst>
+      <p:ext uri="{BB962C8B-B14F-4D97-AF65-F5344CB8AC3E}">
+        <p14:creationId xmlns:p14="http://schemas.microsoft.com/office/powerpoint/2010/main" val="4010176078"/>
+      </p:ext>
+    </p:extLst>
+  </p:cSld>
+  <p:clrMapOvr>
+    <a:masterClrMapping/>
+  </p:clrMapOvr>
+</p:sld>
+</file>
+
+<file path=ppt/slides/slide3.xml><?xml version="1.0" encoding="utf-8"?>
+<p:sld xmlns:a="http://schemas.openxmlformats.org/drawingml/2006/main" xmlns:r="http://schemas.openxmlformats.org/officeDocument/2006/relationships" xmlns:p="http://schemas.openxmlformats.org/presentationml/2006/main">
+  <p:cSld>
+    <p:spTree>
+      <p:nvGrpSpPr>
+        <p:cNvPr id="1" name=""/>
+        <p:cNvGrpSpPr/>
+        <p:nvPr/>
+      </p:nvGrpSpPr>
+      <p:grpSpPr>
+        <a:xfrm>
+          <a:off x="0" y="0"/>
+          <a:ext cx="0" cy="0"/>
+          <a:chOff x="0" y="0"/>
+          <a:chExt cx="0" cy="0"/>
+        </a:xfrm>
+      </p:grpSpPr>
+      <p:sp>
+        <p:nvSpPr>
+          <p:cNvPr id="2" name="Title 1">
+            <a:extLst>
+              <a:ext uri="{FF2B5EF4-FFF2-40B4-BE49-F238E27FC236}">
+                <a16:creationId xmlns:a16="http://schemas.microsoft.com/office/drawing/2014/main" id="{CBFE42F9-7344-4C42-97D0-389F7F59ACE8}"/>
+              </a:ext>
+            </a:extLst>
+          </p:cNvPr>
+          <p:cNvSpPr>
+            <a:spLocks noGrp="1"/>
+          </p:cNvSpPr>
+          <p:nvPr>
+            <p:ph type="title"/>
+          </p:nvPr>
+        </p:nvSpPr>
+        <p:spPr/>
+        <p:txBody>
+          <a:bodyPr/>
+          <a:lstStyle/>
+          <a:p>
+            <a:r>
+              <a:rPr lang="en-US" dirty="0" err="1"/>
+              <a:t>oPRF</a:t>
+            </a:r>
+            <a:endParaRPr lang="en-US" dirty="0"/>
+          </a:p>
+        </p:txBody>
+      </p:sp>
+      <p:sp>
+        <p:nvSpPr>
+          <p:cNvPr id="3" name="Content Placeholder 2">
+            <a:extLst>
+              <a:ext uri="{FF2B5EF4-FFF2-40B4-BE49-F238E27FC236}">
+                <a16:creationId xmlns:a16="http://schemas.microsoft.com/office/drawing/2014/main" id="{0008B78E-FCDE-AE4F-B09D-2A9B84BE5717}"/>
+              </a:ext>
+            </a:extLst>
+          </p:cNvPr>
+          <p:cNvSpPr>
+            <a:spLocks noGrp="1"/>
+          </p:cNvSpPr>
+          <p:nvPr>
+            <p:ph idx="1"/>
+          </p:nvPr>
+        </p:nvSpPr>
+        <p:spPr/>
+        <p:txBody>
+          <a:bodyPr/>
+          <a:lstStyle/>
+          <a:p>
+            <a:endParaRPr lang="en-US"/>
+          </a:p>
+        </p:txBody>
+      </p:sp>
+    </p:spTree>
+    <p:extLst>
+      <p:ext uri="{BB962C8B-B14F-4D97-AF65-F5344CB8AC3E}">
+        <p14:creationId xmlns:p14="http://schemas.microsoft.com/office/powerpoint/2010/main" val="2444997063"/>
       </p:ext>
     </p:extLst>
   </p:cSld>

--- a/Documents/writeup/paper/images/imageslide.pptx
+++ b/Documents/writeup/paper/images/imageslide.pptx
@@ -3350,12 +3350,8 @@
           <a:lstStyle/>
           <a:p>
             <a:r>
-              <a:rPr lang="en-US" dirty="0" err="1"/>
-              <a:t>wPRF</a:t>
-            </a:r>
-            <a:r>
               <a:rPr lang="en-US" dirty="0"/>
-              <a:t>(Old Protocol)</a:t>
+              <a:t>wPRF(TCC’18)</a:t>
             </a:r>
           </a:p>
         </p:txBody>
@@ -3653,7 +3649,7 @@
                     <m:d>
                       <m:dPr>
                         <m:ctrlPr>
-                          <a:rPr lang="en-US" sz="1600" b="1" i="0" smtClean="0">
+                          <a:rPr lang="en-US" sz="1600" b="1" i="1" smtClean="0">
                             <a:latin typeface="Cambria Math" panose="02040503050406030204" pitchFamily="18" charset="0"/>
                           </a:rPr>
                         </m:ctrlPr>
@@ -3662,7 +3658,7 @@
                         <m:d>
                           <m:dPr>
                             <m:ctrlPr>
-                              <a:rPr lang="en-US" sz="1600" b="1" i="0" smtClean="0">
+                              <a:rPr lang="en-US" sz="1600" b="1" i="1" smtClean="0">
                                 <a:latin typeface="Cambria Math" panose="02040503050406030204" pitchFamily="18" charset="0"/>
                               </a:rPr>
                             </m:ctrlPr>
@@ -3780,7 +3776,7 @@
                 </a:r>
                 <a:r>
                   <a:rPr lang="en-US" sz="2000" dirty="0"/>
-                  <a:t>Both the parties compute the product </a:t>
+                  <a:t>Parties compute the product </a:t>
                 </a:r>
                 <a14:m>
                   <m:oMath xmlns:m="http://schemas.openxmlformats.org/officeDocument/2006/math">
@@ -3932,7 +3928,7 @@
                 <a:pPr lvl="1"/>
                 <a:r>
                   <a:rPr lang="en-US" sz="1600" dirty="0"/>
-                  <a:t>Parties can locally compute their shares of input and mask, </a:t>
+                  <a:t>Parties locally compute their shares of input and key simultaneously, </a:t>
                 </a:r>
                 <a14:m>
                   <m:oMath xmlns:m="http://schemas.openxmlformats.org/officeDocument/2006/math">
@@ -4007,12 +4003,15 @@
                     <m:sSub>
                       <m:sSubPr>
                         <m:ctrlPr>
-                          <a:rPr lang="en-US" sz="1600" b="1" i="1" smtClean="0"/>
+                          <a:rPr lang="en-US" sz="1600" b="1" i="1" smtClean="0">
+                            <a:latin typeface="Cambria Math" panose="02040503050406030204" pitchFamily="18" charset="0"/>
+                          </a:rPr>
                         </m:ctrlPr>
                       </m:sSubPr>
                       <m:e>
                         <m:r>
                           <a:rPr lang="en-US" sz="1600" b="1" i="1" smtClean="0">
+                            <a:latin typeface="Cambria Math" panose="02040503050406030204" pitchFamily="18" charset="0"/>
                             <a:ea typeface="Cambria Math" panose="02040503050406030204" pitchFamily="18" charset="0"/>
                           </a:rPr>
                           <m:t>ℤ</m:t>
@@ -4020,7 +4019,9 @@
                       </m:e>
                       <m:sub>
                         <m:r>
-                          <a:rPr lang="en-US" sz="1600" b="1" i="1" smtClean="0"/>
+                          <a:rPr lang="en-US" sz="1600" b="1" i="1" smtClean="0">
+                            <a:latin typeface="Cambria Math" panose="02040503050406030204" pitchFamily="18" charset="0"/>
+                          </a:rPr>
                           <m:t>𝟑</m:t>
                         </m:r>
                       </m:sub>
@@ -4175,36 +4176,1317 @@
           <a:p>
             <a:r>
               <a:rPr lang="en-US" dirty="0"/>
-              <a:t>Shared Input and Shared Key</a:t>
+              <a:t>wPRF (Shared Input and Shared Key)</a:t>
             </a:r>
           </a:p>
         </p:txBody>
       </p:sp>
-      <p:sp>
-        <p:nvSpPr>
-          <p:cNvPr id="3" name="Content Placeholder 2">
-            <a:extLst>
-              <a:ext uri="{FF2B5EF4-FFF2-40B4-BE49-F238E27FC236}">
-                <a16:creationId xmlns:a16="http://schemas.microsoft.com/office/drawing/2014/main" id="{EB122BEF-29C7-CB4A-B432-14E4BF382CAE}"/>
-              </a:ext>
-            </a:extLst>
-          </p:cNvPr>
-          <p:cNvSpPr>
-            <a:spLocks noGrp="1"/>
-          </p:cNvSpPr>
-          <p:nvPr>
-            <p:ph idx="1"/>
-          </p:nvPr>
-        </p:nvSpPr>
-        <p:spPr/>
-        <p:txBody>
-          <a:bodyPr/>
-          <a:lstStyle/>
-          <a:p>
-            <a:endParaRPr lang="en-US" dirty="0"/>
-          </a:p>
-        </p:txBody>
-      </p:sp>
+      <mc:AlternateContent xmlns:mc="http://schemas.openxmlformats.org/markup-compatibility/2006">
+        <mc:Choice xmlns:a14="http://schemas.microsoft.com/office/drawing/2010/main" Requires="a14">
+          <p:sp>
+            <p:nvSpPr>
+              <p:cNvPr id="3" name="Content Placeholder 2">
+                <a:extLst>
+                  <a:ext uri="{FF2B5EF4-FFF2-40B4-BE49-F238E27FC236}">
+                    <a16:creationId xmlns:a16="http://schemas.microsoft.com/office/drawing/2014/main" id="{EB122BEF-29C7-CB4A-B432-14E4BF382CAE}"/>
+                  </a:ext>
+                </a:extLst>
+              </p:cNvPr>
+              <p:cNvSpPr>
+                <a:spLocks noGrp="1"/>
+              </p:cNvSpPr>
+              <p:nvPr>
+                <p:ph idx="1"/>
+              </p:nvPr>
+            </p:nvSpPr>
+            <p:spPr/>
+            <p:txBody>
+              <a:bodyPr/>
+              <a:lstStyle/>
+              <a:p>
+                <a:r>
+                  <a:rPr lang="en-US" sz="2000" b="1" dirty="0"/>
+                  <a:t>Input: </a:t>
+                </a:r>
+              </a:p>
+              <a:p>
+                <a:pPr lvl="1"/>
+                <a:r>
+                  <a:rPr lang="en-US" sz="1600" dirty="0"/>
+                  <a:t>Parties hold private shares of Key matrix</a:t>
+                </a:r>
+                <a:r>
+                  <a:rPr lang="en-US" sz="1600" b="1" dirty="0"/>
+                  <a:t> </a:t>
+                </a:r>
+                <a14:m>
+                  <m:oMath xmlns:m="http://schemas.openxmlformats.org/officeDocument/2006/math">
+                    <m:r>
+                      <a:rPr lang="en-US" sz="1600" b="1" i="1">
+                        <a:latin typeface="Cambria Math" panose="02040503050406030204" pitchFamily="18" charset="0"/>
+                      </a:rPr>
+                      <m:t>𝑲</m:t>
+                    </m:r>
+                    <m:r>
+                      <a:rPr lang="en-US" sz="1600" b="1" i="1">
+                        <a:latin typeface="Cambria Math" panose="02040503050406030204" pitchFamily="18" charset="0"/>
+                        <a:ea typeface="Cambria Math" panose="02040503050406030204" pitchFamily="18" charset="0"/>
+                      </a:rPr>
+                      <m:t>∈ </m:t>
+                    </m:r>
+                    <m:sSubSup>
+                      <m:sSubSupPr>
+                        <m:ctrlPr>
+                          <a:rPr lang="en-US" sz="1600" b="1" i="1">
+                            <a:latin typeface="Cambria Math" panose="02040503050406030204" pitchFamily="18" charset="0"/>
+                            <a:ea typeface="Cambria Math" panose="02040503050406030204" pitchFamily="18" charset="0"/>
+                          </a:rPr>
+                        </m:ctrlPr>
+                      </m:sSubSupPr>
+                      <m:e>
+                        <m:r>
+                          <a:rPr lang="en-US" sz="1600" b="1" i="1">
+                            <a:latin typeface="Cambria Math" panose="02040503050406030204" pitchFamily="18" charset="0"/>
+                            <a:ea typeface="Cambria Math" panose="02040503050406030204" pitchFamily="18" charset="0"/>
+                          </a:rPr>
+                          <m:t>ℤ</m:t>
+                        </m:r>
+                      </m:e>
+                      <m:sub>
+                        <m:r>
+                          <a:rPr lang="en-US" sz="1600" b="1" i="1">
+                            <a:latin typeface="Cambria Math" panose="02040503050406030204" pitchFamily="18" charset="0"/>
+                            <a:ea typeface="Cambria Math" panose="02040503050406030204" pitchFamily="18" charset="0"/>
+                          </a:rPr>
+                          <m:t>𝟐</m:t>
+                        </m:r>
+                      </m:sub>
+                      <m:sup>
+                        <m:r>
+                          <a:rPr lang="en-US" sz="1600" b="1" i="1">
+                            <a:latin typeface="Cambria Math" panose="02040503050406030204" pitchFamily="18" charset="0"/>
+                            <a:ea typeface="Cambria Math" panose="02040503050406030204" pitchFamily="18" charset="0"/>
+                          </a:rPr>
+                          <m:t>𝒎</m:t>
+                        </m:r>
+                        <m:r>
+                          <a:rPr lang="en-US" sz="1600" b="1" i="1">
+                            <a:latin typeface="Cambria Math" panose="02040503050406030204" pitchFamily="18" charset="0"/>
+                            <a:ea typeface="Cambria Math" panose="02040503050406030204" pitchFamily="18" charset="0"/>
+                          </a:rPr>
+                          <m:t>×</m:t>
+                        </m:r>
+                        <m:r>
+                          <a:rPr lang="en-US" sz="1600" b="1" i="1">
+                            <a:latin typeface="Cambria Math" panose="02040503050406030204" pitchFamily="18" charset="0"/>
+                            <a:ea typeface="Cambria Math" panose="02040503050406030204" pitchFamily="18" charset="0"/>
+                          </a:rPr>
+                          <m:t>𝒏</m:t>
+                        </m:r>
+                      </m:sup>
+                    </m:sSubSup>
+                  </m:oMath>
+                </a14:m>
+                <a:r>
+                  <a:rPr lang="en-US" sz="1600" b="1" dirty="0"/>
+                  <a:t> </a:t>
+                </a:r>
+                <a:r>
+                  <a:rPr lang="en-US" sz="1600" dirty="0"/>
+                  <a:t>and input vector </a:t>
+                </a:r>
+                <a14:m>
+                  <m:oMath xmlns:m="http://schemas.openxmlformats.org/officeDocument/2006/math">
+                    <m:r>
+                      <a:rPr lang="en-US" sz="1600" b="1" i="1">
+                        <a:latin typeface="Cambria Math" panose="02040503050406030204" pitchFamily="18" charset="0"/>
+                      </a:rPr>
+                      <m:t>𝒙</m:t>
+                    </m:r>
+                    <m:r>
+                      <a:rPr lang="en-US" sz="1600" b="1" i="1">
+                        <a:latin typeface="Cambria Math" panose="02040503050406030204" pitchFamily="18" charset="0"/>
+                      </a:rPr>
+                      <m:t> ∈ </m:t>
+                    </m:r>
+                    <m:sSubSup>
+                      <m:sSubSupPr>
+                        <m:ctrlPr>
+                          <a:rPr lang="en-US" sz="1600" b="1" i="1">
+                            <a:latin typeface="Cambria Math" panose="02040503050406030204" pitchFamily="18" charset="0"/>
+                            <a:ea typeface="Cambria Math" panose="02040503050406030204" pitchFamily="18" charset="0"/>
+                          </a:rPr>
+                        </m:ctrlPr>
+                      </m:sSubSupPr>
+                      <m:e>
+                        <m:r>
+                          <a:rPr lang="en-US" sz="1600" b="1" i="1">
+                            <a:latin typeface="Cambria Math" panose="02040503050406030204" pitchFamily="18" charset="0"/>
+                            <a:ea typeface="Cambria Math" panose="02040503050406030204" pitchFamily="18" charset="0"/>
+                          </a:rPr>
+                          <m:t>ℤ</m:t>
+                        </m:r>
+                      </m:e>
+                      <m:sub>
+                        <m:r>
+                          <a:rPr lang="en-US" sz="1600" b="1" i="1">
+                            <a:latin typeface="Cambria Math" panose="02040503050406030204" pitchFamily="18" charset="0"/>
+                            <a:ea typeface="Cambria Math" panose="02040503050406030204" pitchFamily="18" charset="0"/>
+                          </a:rPr>
+                          <m:t>𝟐</m:t>
+                        </m:r>
+                      </m:sub>
+                      <m:sup>
+                        <m:r>
+                          <a:rPr lang="en-US" sz="1600" b="1" i="1">
+                            <a:latin typeface="Cambria Math" panose="02040503050406030204" pitchFamily="18" charset="0"/>
+                            <a:ea typeface="Cambria Math" panose="02040503050406030204" pitchFamily="18" charset="0"/>
+                          </a:rPr>
+                          <m:t>𝒏</m:t>
+                        </m:r>
+                      </m:sup>
+                    </m:sSubSup>
+                  </m:oMath>
+                </a14:m>
+                <a:r>
+                  <a:rPr lang="en-US" sz="1600" b="1" dirty="0"/>
+                  <a:t> </a:t>
+                </a:r>
+              </a:p>
+              <a:p>
+                <a:pPr lvl="1"/>
+                <a:r>
+                  <a:rPr lang="en-US" sz="1600" dirty="0"/>
+                  <a:t>Public Randomization Matrix </a:t>
+                </a:r>
+                <a14:m>
+                  <m:oMath xmlns:m="http://schemas.openxmlformats.org/officeDocument/2006/math">
+                    <m:sSub>
+                      <m:sSubPr>
+                        <m:ctrlPr>
+                          <a:rPr lang="en-US" sz="1600" b="1" i="1">
+                            <a:latin typeface="Cambria Math" panose="02040503050406030204" pitchFamily="18" charset="0"/>
+                          </a:rPr>
+                        </m:ctrlPr>
+                      </m:sSubPr>
+                      <m:e>
+                        <m:r>
+                          <a:rPr lang="en-US" sz="1600" b="1" i="1">
+                            <a:latin typeface="Cambria Math" panose="02040503050406030204" pitchFamily="18" charset="0"/>
+                          </a:rPr>
+                          <m:t>𝑹</m:t>
+                        </m:r>
+                      </m:e>
+                      <m:sub>
+                        <m:r>
+                          <a:rPr lang="en-US" sz="1600" b="1" i="1">
+                            <a:latin typeface="Cambria Math" panose="02040503050406030204" pitchFamily="18" charset="0"/>
+                          </a:rPr>
+                          <m:t>𝒎𝒂𝒕</m:t>
+                        </m:r>
+                      </m:sub>
+                    </m:sSub>
+                    <m:r>
+                      <a:rPr lang="en-US" sz="1600" b="1" i="1">
+                        <a:latin typeface="Cambria Math" panose="02040503050406030204" pitchFamily="18" charset="0"/>
+                      </a:rPr>
+                      <m:t> </m:t>
+                    </m:r>
+                    <m:r>
+                      <a:rPr lang="en-US" sz="1600" b="1" i="1">
+                        <a:latin typeface="Cambria Math" panose="02040503050406030204" pitchFamily="18" charset="0"/>
+                        <a:ea typeface="Cambria Math" panose="02040503050406030204" pitchFamily="18" charset="0"/>
+                      </a:rPr>
+                      <m:t>∈ </m:t>
+                    </m:r>
+                    <m:sSubSup>
+                      <m:sSubSupPr>
+                        <m:ctrlPr>
+                          <a:rPr lang="en-US" sz="1600" b="1" i="1">
+                            <a:latin typeface="Cambria Math" panose="02040503050406030204" pitchFamily="18" charset="0"/>
+                            <a:ea typeface="Cambria Math" panose="02040503050406030204" pitchFamily="18" charset="0"/>
+                          </a:rPr>
+                        </m:ctrlPr>
+                      </m:sSubSupPr>
+                      <m:e>
+                        <m:r>
+                          <a:rPr lang="en-US" sz="1600" b="1" i="1">
+                            <a:latin typeface="Cambria Math" panose="02040503050406030204" pitchFamily="18" charset="0"/>
+                            <a:ea typeface="Cambria Math" panose="02040503050406030204" pitchFamily="18" charset="0"/>
+                          </a:rPr>
+                          <m:t>ℤ</m:t>
+                        </m:r>
+                      </m:e>
+                      <m:sub>
+                        <m:r>
+                          <a:rPr lang="en-US" sz="1600" b="1" i="1">
+                            <a:latin typeface="Cambria Math" panose="02040503050406030204" pitchFamily="18" charset="0"/>
+                            <a:ea typeface="Cambria Math" panose="02040503050406030204" pitchFamily="18" charset="0"/>
+                          </a:rPr>
+                          <m:t>𝟑</m:t>
+                        </m:r>
+                      </m:sub>
+                      <m:sup>
+                        <m:r>
+                          <a:rPr lang="en-US" sz="1600" b="1" i="1">
+                            <a:latin typeface="Cambria Math" panose="02040503050406030204" pitchFamily="18" charset="0"/>
+                            <a:ea typeface="Cambria Math" panose="02040503050406030204" pitchFamily="18" charset="0"/>
+                          </a:rPr>
+                          <m:t>𝒕</m:t>
+                        </m:r>
+                        <m:r>
+                          <a:rPr lang="en-US" sz="1600" b="1" i="1">
+                            <a:latin typeface="Cambria Math" panose="02040503050406030204" pitchFamily="18" charset="0"/>
+                            <a:ea typeface="Cambria Math" panose="02040503050406030204" pitchFamily="18" charset="0"/>
+                          </a:rPr>
+                          <m:t>×</m:t>
+                        </m:r>
+                        <m:r>
+                          <a:rPr lang="en-US" sz="1600" b="1" i="1">
+                            <a:latin typeface="Cambria Math" panose="02040503050406030204" pitchFamily="18" charset="0"/>
+                            <a:ea typeface="Cambria Math" panose="02040503050406030204" pitchFamily="18" charset="0"/>
+                          </a:rPr>
+                          <m:t>𝒎</m:t>
+                        </m:r>
+                      </m:sup>
+                    </m:sSubSup>
+                  </m:oMath>
+                </a14:m>
+                <a:endParaRPr lang="en-US" sz="1600" b="1" dirty="0"/>
+              </a:p>
+              <a:p>
+                <a:r>
+                  <a:rPr lang="en-US" sz="2000" b="1" dirty="0"/>
+                  <a:t>Output:</a:t>
+                </a:r>
+                <a:r>
+                  <a:rPr lang="en-US" sz="1600" b="1" dirty="0"/>
+                  <a:t> </a:t>
+                </a:r>
+                <a14:m>
+                  <m:oMath xmlns:m="http://schemas.openxmlformats.org/officeDocument/2006/math">
+                    <m:d>
+                      <m:dPr>
+                        <m:ctrlPr>
+                          <a:rPr lang="en-US" sz="1600" b="1" i="1">
+                            <a:latin typeface="Cambria Math" panose="02040503050406030204" pitchFamily="18" charset="0"/>
+                          </a:rPr>
+                        </m:ctrlPr>
+                      </m:dPr>
+                      <m:e>
+                        <m:d>
+                          <m:dPr>
+                            <m:ctrlPr>
+                              <a:rPr lang="en-US" sz="1600" b="1" i="1">
+                                <a:latin typeface="Cambria Math" panose="02040503050406030204" pitchFamily="18" charset="0"/>
+                              </a:rPr>
+                            </m:ctrlPr>
+                          </m:dPr>
+                          <m:e>
+                            <m:r>
+                              <a:rPr lang="en-US" sz="1600" b="1" i="1">
+                                <a:latin typeface="Cambria Math" panose="02040503050406030204" pitchFamily="18" charset="0"/>
+                              </a:rPr>
+                              <m:t>𝑲</m:t>
+                            </m:r>
+                            <m:r>
+                              <a:rPr lang="en-US" sz="1600" b="1" i="1">
+                                <a:latin typeface="Cambria Math" panose="02040503050406030204" pitchFamily="18" charset="0"/>
+                              </a:rPr>
+                              <m:t> × </m:t>
+                            </m:r>
+                            <m:r>
+                              <a:rPr lang="en-US" sz="1600" b="1" i="1">
+                                <a:latin typeface="Cambria Math" panose="02040503050406030204" pitchFamily="18" charset="0"/>
+                              </a:rPr>
+                              <m:t>𝒙</m:t>
+                            </m:r>
+                          </m:e>
+                        </m:d>
+                        <m:r>
+                          <a:rPr lang="en-US" sz="1600" b="1" i="1">
+                            <a:latin typeface="Cambria Math" panose="02040503050406030204" pitchFamily="18" charset="0"/>
+                            <a:ea typeface="Cambria Math" panose="02040503050406030204" pitchFamily="18" charset="0"/>
+                          </a:rPr>
+                          <m:t>× </m:t>
+                        </m:r>
+                        <m:sSub>
+                          <m:sSubPr>
+                            <m:ctrlPr>
+                              <a:rPr lang="en-US" sz="1600" b="1" i="1">
+                                <a:latin typeface="Cambria Math" panose="02040503050406030204" pitchFamily="18" charset="0"/>
+                                <a:ea typeface="Cambria Math" panose="02040503050406030204" pitchFamily="18" charset="0"/>
+                              </a:rPr>
+                            </m:ctrlPr>
+                          </m:sSubPr>
+                          <m:e>
+                            <m:r>
+                              <a:rPr lang="en-US" sz="1600" b="1" i="1">
+                                <a:latin typeface="Cambria Math" panose="02040503050406030204" pitchFamily="18" charset="0"/>
+                                <a:ea typeface="Cambria Math" panose="02040503050406030204" pitchFamily="18" charset="0"/>
+                              </a:rPr>
+                              <m:t>𝑹</m:t>
+                            </m:r>
+                          </m:e>
+                          <m:sub>
+                            <m:r>
+                              <a:rPr lang="en-US" sz="1600" b="1" i="1">
+                                <a:latin typeface="Cambria Math" panose="02040503050406030204" pitchFamily="18" charset="0"/>
+                                <a:ea typeface="Cambria Math" panose="02040503050406030204" pitchFamily="18" charset="0"/>
+                              </a:rPr>
+                              <m:t>𝒎𝒂𝒕</m:t>
+                            </m:r>
+                          </m:sub>
+                        </m:sSub>
+                      </m:e>
+                    </m:d>
+                    <m:r>
+                      <a:rPr lang="en-US" sz="1600" b="1" i="1">
+                        <a:latin typeface="Cambria Math" panose="02040503050406030204" pitchFamily="18" charset="0"/>
+                        <a:ea typeface="Cambria Math" panose="02040503050406030204" pitchFamily="18" charset="0"/>
+                      </a:rPr>
+                      <m:t> ∈ </m:t>
+                    </m:r>
+                    <m:sSubSup>
+                      <m:sSubSupPr>
+                        <m:ctrlPr>
+                          <a:rPr lang="en-US" sz="1600" b="1" i="1">
+                            <a:latin typeface="Cambria Math" panose="02040503050406030204" pitchFamily="18" charset="0"/>
+                            <a:ea typeface="Cambria Math" panose="02040503050406030204" pitchFamily="18" charset="0"/>
+                          </a:rPr>
+                        </m:ctrlPr>
+                      </m:sSubSupPr>
+                      <m:e>
+                        <m:r>
+                          <a:rPr lang="en-US" sz="1600" b="1" i="1">
+                            <a:latin typeface="Cambria Math" panose="02040503050406030204" pitchFamily="18" charset="0"/>
+                            <a:ea typeface="Cambria Math" panose="02040503050406030204" pitchFamily="18" charset="0"/>
+                          </a:rPr>
+                          <m:t>ℤ</m:t>
+                        </m:r>
+                      </m:e>
+                      <m:sub>
+                        <m:r>
+                          <a:rPr lang="en-US" sz="1600" b="1" i="1">
+                            <a:latin typeface="Cambria Math" panose="02040503050406030204" pitchFamily="18" charset="0"/>
+                            <a:ea typeface="Cambria Math" panose="02040503050406030204" pitchFamily="18" charset="0"/>
+                          </a:rPr>
+                          <m:t>𝟑</m:t>
+                        </m:r>
+                      </m:sub>
+                      <m:sup>
+                        <m:r>
+                          <a:rPr lang="en-US" sz="1600" b="1" i="1">
+                            <a:latin typeface="Cambria Math" panose="02040503050406030204" pitchFamily="18" charset="0"/>
+                            <a:ea typeface="Cambria Math" panose="02040503050406030204" pitchFamily="18" charset="0"/>
+                          </a:rPr>
+                          <m:t>𝒕</m:t>
+                        </m:r>
+                      </m:sup>
+                    </m:sSubSup>
+                  </m:oMath>
+                </a14:m>
+                <a:endParaRPr lang="en-US" sz="1600" b="1" dirty="0"/>
+              </a:p>
+              <a:p>
+                <a:r>
+                  <a:rPr lang="en-US" sz="2000" b="1" dirty="0"/>
+                  <a:t>Preprocessing: </a:t>
+                </a:r>
+                <a:r>
+                  <a:rPr lang="en-US" sz="1600" dirty="0"/>
+                  <a:t>Generating correlated randomness(</a:t>
+                </a:r>
+                <a14:m>
+                  <m:oMath xmlns:m="http://schemas.openxmlformats.org/officeDocument/2006/math">
+                    <m:sSub>
+                      <m:sSubPr>
+                        <m:ctrlPr>
+                          <a:rPr lang="en-US" sz="1600" b="0" i="1" smtClean="0">
+                            <a:latin typeface="Cambria Math" panose="02040503050406030204" pitchFamily="18" charset="0"/>
+                          </a:rPr>
+                        </m:ctrlPr>
+                      </m:sSubPr>
+                      <m:e>
+                        <m:sSub>
+                          <m:sSubPr>
+                            <m:ctrlPr>
+                              <a:rPr lang="en-US" sz="1600" b="0" i="1" smtClean="0">
+                                <a:latin typeface="Cambria Math" panose="02040503050406030204" pitchFamily="18" charset="0"/>
+                              </a:rPr>
+                            </m:ctrlPr>
+                          </m:sSubPr>
+                          <m:e>
+                            <m:r>
+                              <a:rPr lang="en-US" sz="1600" b="0" i="1" smtClean="0">
+                                <a:latin typeface="Cambria Math" panose="02040503050406030204" pitchFamily="18" charset="0"/>
+                              </a:rPr>
+                              <m:t>𝑟</m:t>
+                            </m:r>
+                          </m:e>
+                          <m:sub>
+                            <m:r>
+                              <a:rPr lang="en-US" sz="1600" b="0" i="1" smtClean="0">
+                                <a:latin typeface="Cambria Math" panose="02040503050406030204" pitchFamily="18" charset="0"/>
+                              </a:rPr>
+                              <m:t>𝑥</m:t>
+                            </m:r>
+                          </m:sub>
+                        </m:sSub>
+                        <m:r>
+                          <a:rPr lang="en-US" sz="1600" b="0" i="1" smtClean="0">
+                            <a:latin typeface="Cambria Math" panose="02040503050406030204" pitchFamily="18" charset="0"/>
+                          </a:rPr>
+                          <m:t>,  </m:t>
+                        </m:r>
+                        <m:r>
+                          <a:rPr lang="en-US" sz="1600" b="0" i="1" smtClean="0">
+                            <a:latin typeface="Cambria Math" panose="02040503050406030204" pitchFamily="18" charset="0"/>
+                          </a:rPr>
+                          <m:t>𝑠</m:t>
+                        </m:r>
+                      </m:e>
+                      <m:sub>
+                        <m:r>
+                          <a:rPr lang="en-US" sz="1600" b="0" i="1" smtClean="0">
+                            <a:latin typeface="Cambria Math" panose="02040503050406030204" pitchFamily="18" charset="0"/>
+                          </a:rPr>
+                          <m:t>𝑤</m:t>
+                        </m:r>
+                      </m:sub>
+                    </m:sSub>
+                    <m:r>
+                      <a:rPr lang="en-US" sz="1600" b="0" i="1" smtClean="0">
+                        <a:latin typeface="Cambria Math" panose="02040503050406030204" pitchFamily="18" charset="0"/>
+                      </a:rPr>
+                      <m:t> </m:t>
+                    </m:r>
+                    <m:r>
+                      <a:rPr lang="en-US" sz="1600" b="0" i="1" smtClean="0">
+                        <a:latin typeface="Cambria Math" panose="02040503050406030204" pitchFamily="18" charset="0"/>
+                        <a:ea typeface="Cambria Math" panose="02040503050406030204" pitchFamily="18" charset="0"/>
+                      </a:rPr>
+                      <m:t>∈</m:t>
+                    </m:r>
+                    <m:sSubSup>
+                      <m:sSubSupPr>
+                        <m:ctrlPr>
+                          <a:rPr lang="en-US" sz="1600" b="1" i="1">
+                            <a:latin typeface="Cambria Math" panose="02040503050406030204" pitchFamily="18" charset="0"/>
+                            <a:ea typeface="Cambria Math" panose="02040503050406030204" pitchFamily="18" charset="0"/>
+                          </a:rPr>
+                        </m:ctrlPr>
+                      </m:sSubSupPr>
+                      <m:e>
+                        <m:r>
+                          <a:rPr lang="en-US" sz="1600" b="1" i="1">
+                            <a:latin typeface="Cambria Math" panose="02040503050406030204" pitchFamily="18" charset="0"/>
+                            <a:ea typeface="Cambria Math" panose="02040503050406030204" pitchFamily="18" charset="0"/>
+                          </a:rPr>
+                          <m:t>ℤ</m:t>
+                        </m:r>
+                      </m:e>
+                      <m:sub>
+                        <m:r>
+                          <a:rPr lang="en-US" sz="1600" b="1" i="1">
+                            <a:latin typeface="Cambria Math" panose="02040503050406030204" pitchFamily="18" charset="0"/>
+                            <a:ea typeface="Cambria Math" panose="02040503050406030204" pitchFamily="18" charset="0"/>
+                          </a:rPr>
+                          <m:t>𝟐</m:t>
+                        </m:r>
+                      </m:sub>
+                      <m:sup>
+                        <m:r>
+                          <a:rPr lang="en-US" sz="1600" b="1" i="1">
+                            <a:latin typeface="Cambria Math" panose="02040503050406030204" pitchFamily="18" charset="0"/>
+                            <a:ea typeface="Cambria Math" panose="02040503050406030204" pitchFamily="18" charset="0"/>
+                          </a:rPr>
+                          <m:t>𝒏</m:t>
+                        </m:r>
+                      </m:sup>
+                    </m:sSubSup>
+                    <m:r>
+                      <a:rPr lang="en-US" sz="1600" b="1" i="1" smtClean="0">
+                        <a:latin typeface="Cambria Math" panose="02040503050406030204" pitchFamily="18" charset="0"/>
+                        <a:ea typeface="Cambria Math" panose="02040503050406030204" pitchFamily="18" charset="0"/>
+                      </a:rPr>
+                      <m:t> </m:t>
+                    </m:r>
+                    <m:r>
+                      <a:rPr lang="en-US" sz="1600" b="0" i="1" smtClean="0">
+                        <a:latin typeface="Cambria Math" panose="02040503050406030204" pitchFamily="18" charset="0"/>
+                        <a:ea typeface="Cambria Math" panose="02040503050406030204" pitchFamily="18" charset="0"/>
+                      </a:rPr>
+                      <m:t>𝑎𝑛𝑑</m:t>
+                    </m:r>
+                    <m:r>
+                      <a:rPr lang="en-US" sz="1600" b="0" i="1" smtClean="0">
+                        <a:latin typeface="Cambria Math" panose="02040503050406030204" pitchFamily="18" charset="0"/>
+                        <a:ea typeface="Cambria Math" panose="02040503050406030204" pitchFamily="18" charset="0"/>
+                      </a:rPr>
+                      <m:t> </m:t>
+                    </m:r>
+                    <m:sSub>
+                      <m:sSubPr>
+                        <m:ctrlPr>
+                          <a:rPr lang="en-US" sz="1600" b="0" i="1" smtClean="0">
+                            <a:latin typeface="Cambria Math" panose="02040503050406030204" pitchFamily="18" charset="0"/>
+                            <a:ea typeface="Cambria Math" panose="02040503050406030204" pitchFamily="18" charset="0"/>
+                          </a:rPr>
+                        </m:ctrlPr>
+                      </m:sSubPr>
+                      <m:e>
+                        <m:r>
+                          <a:rPr lang="en-US" sz="1600" b="0" i="1" smtClean="0">
+                            <a:latin typeface="Cambria Math" panose="02040503050406030204" pitchFamily="18" charset="0"/>
+                            <a:ea typeface="Cambria Math" panose="02040503050406030204" pitchFamily="18" charset="0"/>
+                          </a:rPr>
+                          <m:t>𝑟</m:t>
+                        </m:r>
+                      </m:e>
+                      <m:sub>
+                        <m:r>
+                          <a:rPr lang="en-US" sz="1600" b="0" i="1" smtClean="0">
+                            <a:latin typeface="Cambria Math" panose="02040503050406030204" pitchFamily="18" charset="0"/>
+                            <a:ea typeface="Cambria Math" panose="02040503050406030204" pitchFamily="18" charset="0"/>
+                          </a:rPr>
+                          <m:t>𝐾</m:t>
+                        </m:r>
+                      </m:sub>
+                    </m:sSub>
+                    <m:r>
+                      <a:rPr lang="en-US" sz="1600" b="1" i="1">
+                        <a:latin typeface="Cambria Math" panose="02040503050406030204" pitchFamily="18" charset="0"/>
+                        <a:ea typeface="Cambria Math" panose="02040503050406030204" pitchFamily="18" charset="0"/>
+                      </a:rPr>
+                      <m:t>∈ </m:t>
+                    </m:r>
+                    <m:sSubSup>
+                      <m:sSubSupPr>
+                        <m:ctrlPr>
+                          <a:rPr lang="en-US" sz="1600" b="1" i="1">
+                            <a:latin typeface="Cambria Math" panose="02040503050406030204" pitchFamily="18" charset="0"/>
+                            <a:ea typeface="Cambria Math" panose="02040503050406030204" pitchFamily="18" charset="0"/>
+                          </a:rPr>
+                        </m:ctrlPr>
+                      </m:sSubSupPr>
+                      <m:e>
+                        <m:r>
+                          <a:rPr lang="en-US" sz="1600" b="1" i="1">
+                            <a:latin typeface="Cambria Math" panose="02040503050406030204" pitchFamily="18" charset="0"/>
+                            <a:ea typeface="Cambria Math" panose="02040503050406030204" pitchFamily="18" charset="0"/>
+                          </a:rPr>
+                          <m:t>ℤ</m:t>
+                        </m:r>
+                      </m:e>
+                      <m:sub>
+                        <m:r>
+                          <a:rPr lang="en-US" sz="1600" b="1" i="1">
+                            <a:latin typeface="Cambria Math" panose="02040503050406030204" pitchFamily="18" charset="0"/>
+                            <a:ea typeface="Cambria Math" panose="02040503050406030204" pitchFamily="18" charset="0"/>
+                          </a:rPr>
+                          <m:t>𝟐</m:t>
+                        </m:r>
+                      </m:sub>
+                      <m:sup>
+                        <m:r>
+                          <a:rPr lang="en-US" sz="1600" b="1" i="1">
+                            <a:latin typeface="Cambria Math" panose="02040503050406030204" pitchFamily="18" charset="0"/>
+                            <a:ea typeface="Cambria Math" panose="02040503050406030204" pitchFamily="18" charset="0"/>
+                          </a:rPr>
+                          <m:t>𝒎</m:t>
+                        </m:r>
+                        <m:r>
+                          <a:rPr lang="en-US" sz="1600" b="1" i="1">
+                            <a:latin typeface="Cambria Math" panose="02040503050406030204" pitchFamily="18" charset="0"/>
+                            <a:ea typeface="Cambria Math" panose="02040503050406030204" pitchFamily="18" charset="0"/>
+                          </a:rPr>
+                          <m:t>×</m:t>
+                        </m:r>
+                        <m:r>
+                          <a:rPr lang="en-US" sz="1600" b="1" i="1">
+                            <a:latin typeface="Cambria Math" panose="02040503050406030204" pitchFamily="18" charset="0"/>
+                            <a:ea typeface="Cambria Math" panose="02040503050406030204" pitchFamily="18" charset="0"/>
+                          </a:rPr>
+                          <m:t>𝒏</m:t>
+                        </m:r>
+                      </m:sup>
+                    </m:sSubSup>
+                  </m:oMath>
+                </a14:m>
+                <a:r>
+                  <a:rPr lang="en-US" sz="1600" dirty="0"/>
+                  <a:t>) used in masking the inputs.</a:t>
+                </a:r>
+                <a:endParaRPr lang="en-US" sz="1200" dirty="0"/>
+              </a:p>
+              <a:p>
+                <a:r>
+                  <a:rPr lang="en-US" sz="2000" b="1" dirty="0"/>
+                  <a:t>Phase 1: </a:t>
+                </a:r>
+                <a:r>
+                  <a:rPr lang="en-US" sz="2000" dirty="0"/>
+                  <a:t>Parties masks their input and share it with each other</a:t>
+                </a:r>
+                <a:endParaRPr lang="en-US" sz="2000" b="1" dirty="0"/>
+              </a:p>
+              <a:p>
+                <a:pPr lvl="1"/>
+                <a:r>
+                  <a:rPr lang="en-US" sz="1600" dirty="0"/>
+                  <a:t>Parties mask their inputs and key such that </a:t>
+                </a:r>
+                <a14:m>
+                  <m:oMath xmlns:m="http://schemas.openxmlformats.org/officeDocument/2006/math">
+                    <m:sSup>
+                      <m:sSupPr>
+                        <m:ctrlPr>
+                          <a:rPr lang="en-US" sz="1600" i="1" smtClean="0">
+                            <a:latin typeface="Cambria Math" panose="02040503050406030204" pitchFamily="18" charset="0"/>
+                          </a:rPr>
+                        </m:ctrlPr>
+                      </m:sSupPr>
+                      <m:e>
+                        <m:r>
+                          <a:rPr lang="en-US" sz="1600" b="0" i="1" smtClean="0">
+                            <a:latin typeface="Cambria Math" panose="02040503050406030204" pitchFamily="18" charset="0"/>
+                          </a:rPr>
+                          <m:t>𝑥</m:t>
+                        </m:r>
+                      </m:e>
+                      <m:sup>
+                        <m:r>
+                          <a:rPr lang="en-US" sz="1600" b="0" i="1" smtClean="0">
+                            <a:latin typeface="Cambria Math" panose="02040503050406030204" pitchFamily="18" charset="0"/>
+                          </a:rPr>
+                          <m:t>′</m:t>
+                        </m:r>
+                      </m:sup>
+                    </m:sSup>
+                    <m:r>
+                      <a:rPr lang="en-US" sz="1600" b="0" i="1" smtClean="0">
+                        <a:latin typeface="Cambria Math" panose="02040503050406030204" pitchFamily="18" charset="0"/>
+                      </a:rPr>
+                      <m:t>=</m:t>
+                    </m:r>
+                    <m:r>
+                      <a:rPr lang="en-US" sz="1600" b="0" i="1" smtClean="0">
+                        <a:latin typeface="Cambria Math" panose="02040503050406030204" pitchFamily="18" charset="0"/>
+                      </a:rPr>
+                      <m:t>𝑥</m:t>
+                    </m:r>
+                    <m:r>
+                      <a:rPr lang="en-US" sz="1600" b="0" i="1" smtClean="0">
+                        <a:latin typeface="Cambria Math" panose="02040503050406030204" pitchFamily="18" charset="0"/>
+                      </a:rPr>
+                      <m:t>+</m:t>
+                    </m:r>
+                    <m:sSub>
+                      <m:sSubPr>
+                        <m:ctrlPr>
+                          <a:rPr lang="en-US" sz="1600" b="0" i="1" smtClean="0">
+                            <a:latin typeface="Cambria Math" panose="02040503050406030204" pitchFamily="18" charset="0"/>
+                          </a:rPr>
+                        </m:ctrlPr>
+                      </m:sSubPr>
+                      <m:e>
+                        <m:r>
+                          <a:rPr lang="en-US" sz="1600" b="0" i="1" smtClean="0">
+                            <a:latin typeface="Cambria Math" panose="02040503050406030204" pitchFamily="18" charset="0"/>
+                          </a:rPr>
+                          <m:t>𝑟</m:t>
+                        </m:r>
+                      </m:e>
+                      <m:sub>
+                        <m:r>
+                          <a:rPr lang="en-US" sz="1600" b="0" i="1" smtClean="0">
+                            <a:latin typeface="Cambria Math" panose="02040503050406030204" pitchFamily="18" charset="0"/>
+                          </a:rPr>
+                          <m:t>𝑥</m:t>
+                        </m:r>
+                      </m:sub>
+                    </m:sSub>
+                    <m:r>
+                      <a:rPr lang="en-US" sz="1600" b="0" i="1" smtClean="0">
+                        <a:latin typeface="Cambria Math" panose="02040503050406030204" pitchFamily="18" charset="0"/>
+                      </a:rPr>
+                      <m:t> </m:t>
+                    </m:r>
+                  </m:oMath>
+                </a14:m>
+                <a:r>
+                  <a:rPr lang="en-US" sz="1600" dirty="0"/>
+                  <a:t>and </a:t>
+                </a:r>
+                <a14:m>
+                  <m:oMath xmlns:m="http://schemas.openxmlformats.org/officeDocument/2006/math">
+                    <m:sSup>
+                      <m:sSupPr>
+                        <m:ctrlPr>
+                          <a:rPr lang="en-US" sz="1600" i="1" smtClean="0">
+                            <a:latin typeface="Cambria Math" panose="02040503050406030204" pitchFamily="18" charset="0"/>
+                          </a:rPr>
+                        </m:ctrlPr>
+                      </m:sSupPr>
+                      <m:e>
+                        <m:r>
+                          <a:rPr lang="en-US" sz="1600" b="0" i="1" smtClean="0">
+                            <a:latin typeface="Cambria Math" panose="02040503050406030204" pitchFamily="18" charset="0"/>
+                          </a:rPr>
+                          <m:t>𝐾</m:t>
+                        </m:r>
+                      </m:e>
+                      <m:sup>
+                        <m:r>
+                          <a:rPr lang="en-US" sz="1600" b="0" i="1" smtClean="0">
+                            <a:latin typeface="Cambria Math" panose="02040503050406030204" pitchFamily="18" charset="0"/>
+                          </a:rPr>
+                          <m:t>′</m:t>
+                        </m:r>
+                      </m:sup>
+                    </m:sSup>
+                    <m:r>
+                      <a:rPr lang="en-US" sz="1600" b="0" i="1" smtClean="0">
+                        <a:latin typeface="Cambria Math" panose="02040503050406030204" pitchFamily="18" charset="0"/>
+                      </a:rPr>
+                      <m:t>=</m:t>
+                    </m:r>
+                    <m:r>
+                      <a:rPr lang="en-US" sz="1600" b="0" i="1" smtClean="0">
+                        <a:latin typeface="Cambria Math" panose="02040503050406030204" pitchFamily="18" charset="0"/>
+                      </a:rPr>
+                      <m:t>𝐾</m:t>
+                    </m:r>
+                    <m:r>
+                      <a:rPr lang="en-US" sz="1600" b="0" i="1" smtClean="0">
+                        <a:latin typeface="Cambria Math" panose="02040503050406030204" pitchFamily="18" charset="0"/>
+                      </a:rPr>
+                      <m:t>+ </m:t>
+                    </m:r>
+                    <m:sSub>
+                      <m:sSubPr>
+                        <m:ctrlPr>
+                          <a:rPr lang="en-US" sz="1600" b="0" i="1" smtClean="0">
+                            <a:latin typeface="Cambria Math" panose="02040503050406030204" pitchFamily="18" charset="0"/>
+                          </a:rPr>
+                        </m:ctrlPr>
+                      </m:sSubPr>
+                      <m:e>
+                        <m:r>
+                          <a:rPr lang="en-US" sz="1600" b="0" i="1" smtClean="0">
+                            <a:latin typeface="Cambria Math" panose="02040503050406030204" pitchFamily="18" charset="0"/>
+                          </a:rPr>
+                          <m:t>𝑟</m:t>
+                        </m:r>
+                      </m:e>
+                      <m:sub>
+                        <m:r>
+                          <a:rPr lang="en-US" sz="1600" b="0" i="1" smtClean="0">
+                            <a:latin typeface="Cambria Math" panose="02040503050406030204" pitchFamily="18" charset="0"/>
+                          </a:rPr>
+                          <m:t>𝑘</m:t>
+                        </m:r>
+                      </m:sub>
+                    </m:sSub>
+                  </m:oMath>
+                </a14:m>
+                <a:endParaRPr lang="en-US" sz="1600" dirty="0"/>
+              </a:p>
+              <a:p>
+                <a:r>
+                  <a:rPr lang="en-US" sz="2000" b="1" dirty="0"/>
+                  <a:t>Phase 2: Compute </a:t>
+                </a:r>
+                <a14:m>
+                  <m:oMath xmlns:m="http://schemas.openxmlformats.org/officeDocument/2006/math">
+                    <m:sSup>
+                      <m:sSupPr>
+                        <m:ctrlPr>
+                          <a:rPr lang="en-US" sz="2000" b="1" i="1" smtClean="0">
+                            <a:latin typeface="Cambria Math" panose="02040503050406030204" pitchFamily="18" charset="0"/>
+                          </a:rPr>
+                        </m:ctrlPr>
+                      </m:sSupPr>
+                      <m:e>
+                        <m:r>
+                          <a:rPr lang="en-US" sz="2000" b="1" i="1" smtClean="0">
+                            <a:latin typeface="Cambria Math" panose="02040503050406030204" pitchFamily="18" charset="0"/>
+                          </a:rPr>
+                          <m:t>𝒘</m:t>
+                        </m:r>
+                      </m:e>
+                      <m:sup>
+                        <m:r>
+                          <a:rPr lang="en-US" sz="2000" b="1" i="1" smtClean="0">
+                            <a:latin typeface="Cambria Math" panose="02040503050406030204" pitchFamily="18" charset="0"/>
+                          </a:rPr>
+                          <m:t>′</m:t>
+                        </m:r>
+                      </m:sup>
+                    </m:sSup>
+                    <m:r>
+                      <a:rPr lang="en-US" sz="2000" b="1" i="1" smtClean="0">
+                        <a:latin typeface="Cambria Math" panose="02040503050406030204" pitchFamily="18" charset="0"/>
+                      </a:rPr>
+                      <m:t>=</m:t>
+                    </m:r>
+                    <m:r>
+                      <a:rPr lang="en-US" sz="2000" b="1" i="1" smtClean="0">
+                        <a:latin typeface="Cambria Math" panose="02040503050406030204" pitchFamily="18" charset="0"/>
+                      </a:rPr>
+                      <m:t>𝑲𝒙</m:t>
+                    </m:r>
+                    <m:r>
+                      <a:rPr lang="en-US" sz="2000" b="1" i="1" smtClean="0">
+                        <a:latin typeface="Cambria Math" panose="02040503050406030204" pitchFamily="18" charset="0"/>
+                      </a:rPr>
+                      <m:t>+</m:t>
+                    </m:r>
+                    <m:sSub>
+                      <m:sSubPr>
+                        <m:ctrlPr>
+                          <a:rPr lang="en-US" sz="2000" b="1" i="1" smtClean="0">
+                            <a:latin typeface="Cambria Math" panose="02040503050406030204" pitchFamily="18" charset="0"/>
+                          </a:rPr>
+                        </m:ctrlPr>
+                      </m:sSubPr>
+                      <m:e>
+                        <m:r>
+                          <a:rPr lang="en-US" sz="2000" b="1" i="1" smtClean="0">
+                            <a:latin typeface="Cambria Math" panose="02040503050406030204" pitchFamily="18" charset="0"/>
+                          </a:rPr>
+                          <m:t>𝒓</m:t>
+                        </m:r>
+                      </m:e>
+                      <m:sub>
+                        <m:r>
+                          <a:rPr lang="en-US" sz="2000" b="1" i="1" smtClean="0">
+                            <a:latin typeface="Cambria Math" panose="02040503050406030204" pitchFamily="18" charset="0"/>
+                          </a:rPr>
+                          <m:t>𝒘</m:t>
+                        </m:r>
+                      </m:sub>
+                    </m:sSub>
+                  </m:oMath>
+                </a14:m>
+                <a:endParaRPr lang="en-US" sz="2000" b="1" dirty="0"/>
+              </a:p>
+              <a:p>
+                <a:pPr lvl="1"/>
+                <a:r>
+                  <a:rPr lang="en-US" sz="1600" dirty="0"/>
+                  <a:t>Using the shares received in phase 1, each party </a:t>
+                </a:r>
+                <a:r>
+                  <a:rPr lang="en-US" sz="1600" dirty="0" err="1"/>
+                  <a:t>i</a:t>
+                </a:r>
+                <a:r>
+                  <a:rPr lang="en-US" sz="1600" dirty="0"/>
+                  <a:t> computes their share of </a:t>
+                </a:r>
+                <a14:m>
+                  <m:oMath xmlns:m="http://schemas.openxmlformats.org/officeDocument/2006/math">
+                    <m:sSub>
+                      <m:sSubPr>
+                        <m:ctrlPr>
+                          <a:rPr lang="en-US" sz="1600" i="1" smtClean="0">
+                            <a:latin typeface="Cambria Math" panose="02040503050406030204" pitchFamily="18" charset="0"/>
+                          </a:rPr>
+                        </m:ctrlPr>
+                      </m:sSubPr>
+                      <m:e>
+                        <m:r>
+                          <a:rPr lang="en-US" sz="1600" b="0" i="1" smtClean="0">
+                            <a:latin typeface="Cambria Math" panose="02040503050406030204" pitchFamily="18" charset="0"/>
+                          </a:rPr>
+                          <m:t>𝐾</m:t>
+                        </m:r>
+                      </m:e>
+                      <m:sub>
+                        <m:r>
+                          <a:rPr lang="en-US" sz="1600" b="0" i="1" smtClean="0">
+                            <a:latin typeface="Cambria Math" panose="02040503050406030204" pitchFamily="18" charset="0"/>
+                          </a:rPr>
+                          <m:t>𝑖</m:t>
+                        </m:r>
+                      </m:sub>
+                    </m:sSub>
+                    <m:sSub>
+                      <m:sSubPr>
+                        <m:ctrlPr>
+                          <a:rPr lang="en-US" sz="1600" i="1" smtClean="0">
+                            <a:latin typeface="Cambria Math" panose="02040503050406030204" pitchFamily="18" charset="0"/>
+                          </a:rPr>
+                        </m:ctrlPr>
+                      </m:sSubPr>
+                      <m:e>
+                        <m:r>
+                          <a:rPr lang="en-US" sz="1600" b="0" i="1" smtClean="0">
+                            <a:latin typeface="Cambria Math" panose="02040503050406030204" pitchFamily="18" charset="0"/>
+                          </a:rPr>
+                          <m:t>𝑥</m:t>
+                        </m:r>
+                      </m:e>
+                      <m:sub>
+                        <m:r>
+                          <a:rPr lang="en-US" sz="1600" b="0" i="1" smtClean="0">
+                            <a:latin typeface="Cambria Math" panose="02040503050406030204" pitchFamily="18" charset="0"/>
+                          </a:rPr>
+                          <m:t>𝑖</m:t>
+                        </m:r>
+                      </m:sub>
+                    </m:sSub>
+                    <m:r>
+                      <a:rPr lang="en-US" sz="1600" b="0" i="1" smtClean="0">
+                        <a:latin typeface="Cambria Math" panose="02040503050406030204" pitchFamily="18" charset="0"/>
+                      </a:rPr>
+                      <m:t>+ </m:t>
+                    </m:r>
+                    <m:sSub>
+                      <m:sSubPr>
+                        <m:ctrlPr>
+                          <a:rPr lang="en-US" sz="1600" b="0" i="1" smtClean="0">
+                            <a:latin typeface="Cambria Math" panose="02040503050406030204" pitchFamily="18" charset="0"/>
+                          </a:rPr>
+                        </m:ctrlPr>
+                      </m:sSubPr>
+                      <m:e>
+                        <m:r>
+                          <a:rPr lang="en-US" sz="1600" b="0" i="1" smtClean="0">
+                            <a:latin typeface="Cambria Math" panose="02040503050406030204" pitchFamily="18" charset="0"/>
+                          </a:rPr>
+                          <m:t>𝑟</m:t>
+                        </m:r>
+                      </m:e>
+                      <m:sub>
+                        <m:sSub>
+                          <m:sSubPr>
+                            <m:ctrlPr>
+                              <a:rPr lang="en-US" sz="1600" b="0" i="1" smtClean="0">
+                                <a:latin typeface="Cambria Math" panose="02040503050406030204" pitchFamily="18" charset="0"/>
+                              </a:rPr>
+                            </m:ctrlPr>
+                          </m:sSubPr>
+                          <m:e>
+                            <m:r>
+                              <a:rPr lang="en-US" sz="1600" b="0" i="1" smtClean="0">
+                                <a:latin typeface="Cambria Math" panose="02040503050406030204" pitchFamily="18" charset="0"/>
+                              </a:rPr>
+                              <m:t>𝑤</m:t>
+                            </m:r>
+                          </m:e>
+                          <m:sub>
+                            <m:r>
+                              <a:rPr lang="en-US" sz="1600" b="0" i="1" smtClean="0">
+                                <a:latin typeface="Cambria Math" panose="02040503050406030204" pitchFamily="18" charset="0"/>
+                              </a:rPr>
+                              <m:t>𝑖</m:t>
+                            </m:r>
+                          </m:sub>
+                        </m:sSub>
+                      </m:sub>
+                    </m:sSub>
+                  </m:oMath>
+                </a14:m>
+                <a:r>
+                  <a:rPr lang="en-US" sz="1600" dirty="0"/>
+                  <a:t> where </a:t>
+                </a:r>
+                <a14:m>
+                  <m:oMath xmlns:m="http://schemas.openxmlformats.org/officeDocument/2006/math">
+                    <m:sSub>
+                      <m:sSubPr>
+                        <m:ctrlPr>
+                          <a:rPr lang="en-US" sz="1600" i="1" smtClean="0">
+                            <a:latin typeface="Cambria Math" panose="02040503050406030204" pitchFamily="18" charset="0"/>
+                          </a:rPr>
+                        </m:ctrlPr>
+                      </m:sSubPr>
+                      <m:e>
+                        <m:r>
+                          <a:rPr lang="en-US" sz="1600" b="0" i="1" smtClean="0">
+                            <a:latin typeface="Cambria Math" panose="02040503050406030204" pitchFamily="18" charset="0"/>
+                          </a:rPr>
+                          <m:t>𝑟</m:t>
+                        </m:r>
+                      </m:e>
+                      <m:sub>
+                        <m:sSub>
+                          <m:sSubPr>
+                            <m:ctrlPr>
+                              <a:rPr lang="en-US" sz="1600" i="1" smtClean="0">
+                                <a:latin typeface="Cambria Math" panose="02040503050406030204" pitchFamily="18" charset="0"/>
+                              </a:rPr>
+                            </m:ctrlPr>
+                          </m:sSubPr>
+                          <m:e>
+                            <m:r>
+                              <a:rPr lang="en-US" sz="1600" b="0" i="1" smtClean="0">
+                                <a:latin typeface="Cambria Math" panose="02040503050406030204" pitchFamily="18" charset="0"/>
+                              </a:rPr>
+                              <m:t>𝑤</m:t>
+                            </m:r>
+                          </m:e>
+                          <m:sub>
+                            <m:r>
+                              <a:rPr lang="en-US" sz="1600" b="0" i="1" smtClean="0">
+                                <a:latin typeface="Cambria Math" panose="02040503050406030204" pitchFamily="18" charset="0"/>
+                              </a:rPr>
+                              <m:t>𝑖</m:t>
+                            </m:r>
+                          </m:sub>
+                        </m:sSub>
+                      </m:sub>
+                    </m:sSub>
+                    <m:r>
+                      <a:rPr lang="en-US" sz="1600" b="0" i="1" smtClean="0">
+                        <a:latin typeface="Cambria Math" panose="02040503050406030204" pitchFamily="18" charset="0"/>
+                      </a:rPr>
+                      <m:t>= </m:t>
+                    </m:r>
+                    <m:sSub>
+                      <m:sSubPr>
+                        <m:ctrlPr>
+                          <a:rPr lang="en-US" sz="1600" b="0" i="1" smtClean="0">
+                            <a:latin typeface="Cambria Math" panose="02040503050406030204" pitchFamily="18" charset="0"/>
+                          </a:rPr>
+                        </m:ctrlPr>
+                      </m:sSubPr>
+                      <m:e>
+                        <m:r>
+                          <a:rPr lang="en-US" sz="1600" b="0" i="1" smtClean="0">
+                            <a:latin typeface="Cambria Math" panose="02040503050406030204" pitchFamily="18" charset="0"/>
+                          </a:rPr>
+                          <m:t>𝑟</m:t>
+                        </m:r>
+                      </m:e>
+                      <m:sub>
+                        <m:sSub>
+                          <m:sSubPr>
+                            <m:ctrlPr>
+                              <a:rPr lang="en-US" sz="1600" b="0" i="1" smtClean="0">
+                                <a:latin typeface="Cambria Math" panose="02040503050406030204" pitchFamily="18" charset="0"/>
+                              </a:rPr>
+                            </m:ctrlPr>
+                          </m:sSubPr>
+                          <m:e>
+                            <m:r>
+                              <a:rPr lang="en-US" sz="1600" b="0" i="1" smtClean="0">
+                                <a:latin typeface="Cambria Math" panose="02040503050406030204" pitchFamily="18" charset="0"/>
+                              </a:rPr>
+                              <m:t>𝐾</m:t>
+                            </m:r>
+                          </m:e>
+                          <m:sub>
+                            <m:r>
+                              <a:rPr lang="en-US" sz="1600" b="0" i="1" smtClean="0">
+                                <a:latin typeface="Cambria Math" panose="02040503050406030204" pitchFamily="18" charset="0"/>
+                              </a:rPr>
+                              <m:t>𝑖</m:t>
+                            </m:r>
+                          </m:sub>
+                        </m:sSub>
+                      </m:sub>
+                    </m:sSub>
+                    <m:r>
+                      <a:rPr lang="en-US" sz="1600" b="0" i="1" smtClean="0">
+                        <a:latin typeface="Cambria Math" panose="02040503050406030204" pitchFamily="18" charset="0"/>
+                      </a:rPr>
+                      <m:t>∗ </m:t>
+                    </m:r>
+                    <m:sSub>
+                      <m:sSubPr>
+                        <m:ctrlPr>
+                          <a:rPr lang="en-US" sz="1600" b="0" i="1" smtClean="0">
+                            <a:latin typeface="Cambria Math" panose="02040503050406030204" pitchFamily="18" charset="0"/>
+                          </a:rPr>
+                        </m:ctrlPr>
+                      </m:sSubPr>
+                      <m:e>
+                        <m:r>
+                          <a:rPr lang="en-US" sz="1600" b="0" i="1" smtClean="0">
+                            <a:latin typeface="Cambria Math" panose="02040503050406030204" pitchFamily="18" charset="0"/>
+                          </a:rPr>
+                          <m:t>𝑟</m:t>
+                        </m:r>
+                      </m:e>
+                      <m:sub>
+                        <m:sSub>
+                          <m:sSubPr>
+                            <m:ctrlPr>
+                              <a:rPr lang="en-US" sz="1600" b="0" i="1" smtClean="0">
+                                <a:latin typeface="Cambria Math" panose="02040503050406030204" pitchFamily="18" charset="0"/>
+                              </a:rPr>
+                            </m:ctrlPr>
+                          </m:sSubPr>
+                          <m:e>
+                            <m:r>
+                              <a:rPr lang="en-US" sz="1600" b="0" i="1" smtClean="0">
+                                <a:latin typeface="Cambria Math" panose="02040503050406030204" pitchFamily="18" charset="0"/>
+                              </a:rPr>
+                              <m:t>𝑥</m:t>
+                            </m:r>
+                          </m:e>
+                          <m:sub>
+                            <m:r>
+                              <a:rPr lang="en-US" sz="1600" b="0" i="1" smtClean="0">
+                                <a:latin typeface="Cambria Math" panose="02040503050406030204" pitchFamily="18" charset="0"/>
+                              </a:rPr>
+                              <m:t>𝑖</m:t>
+                            </m:r>
+                          </m:sub>
+                        </m:sSub>
+                      </m:sub>
+                    </m:sSub>
+                    <m:r>
+                      <a:rPr lang="en-US" sz="1600" b="0" i="1" smtClean="0">
+                        <a:latin typeface="Cambria Math" panose="02040503050406030204" pitchFamily="18" charset="0"/>
+                      </a:rPr>
+                      <m:t>+ </m:t>
+                    </m:r>
+                    <m:sSub>
+                      <m:sSubPr>
+                        <m:ctrlPr>
+                          <a:rPr lang="en-US" sz="1600" b="0" i="1" smtClean="0">
+                            <a:latin typeface="Cambria Math" panose="02040503050406030204" pitchFamily="18" charset="0"/>
+                          </a:rPr>
+                        </m:ctrlPr>
+                      </m:sSubPr>
+                      <m:e>
+                        <m:r>
+                          <a:rPr lang="en-US" sz="1600" b="0" i="1" smtClean="0">
+                            <a:latin typeface="Cambria Math" panose="02040503050406030204" pitchFamily="18" charset="0"/>
+                          </a:rPr>
+                          <m:t>𝑠</m:t>
+                        </m:r>
+                      </m:e>
+                      <m:sub>
+                        <m:sSub>
+                          <m:sSubPr>
+                            <m:ctrlPr>
+                              <a:rPr lang="en-US" sz="1600" b="0" i="1" smtClean="0">
+                                <a:latin typeface="Cambria Math" panose="02040503050406030204" pitchFamily="18" charset="0"/>
+                              </a:rPr>
+                            </m:ctrlPr>
+                          </m:sSubPr>
+                          <m:e>
+                            <m:r>
+                              <a:rPr lang="en-US" sz="1600" b="0" i="1" smtClean="0">
+                                <a:latin typeface="Cambria Math" panose="02040503050406030204" pitchFamily="18" charset="0"/>
+                              </a:rPr>
+                              <m:t>𝑤</m:t>
+                            </m:r>
+                          </m:e>
+                          <m:sub>
+                            <m:r>
+                              <a:rPr lang="en-US" sz="1600" b="0" i="1" smtClean="0">
+                                <a:latin typeface="Cambria Math" panose="02040503050406030204" pitchFamily="18" charset="0"/>
+                              </a:rPr>
+                              <m:t>𝑖</m:t>
+                            </m:r>
+                          </m:sub>
+                        </m:sSub>
+                      </m:sub>
+                    </m:sSub>
+                  </m:oMath>
+                </a14:m>
+                <a:endParaRPr lang="en-US" sz="1600" dirty="0"/>
+              </a:p>
+              <a:p>
+                <a:r>
+                  <a:rPr lang="en-US" sz="2000" b="1" dirty="0"/>
+                  <a:t>Phase 3: Randomization Matrix</a:t>
+                </a:r>
+              </a:p>
+              <a:p>
+                <a:pPr lvl="1"/>
+                <a:r>
+                  <a:rPr lang="en-US" sz="1600" dirty="0"/>
+                  <a:t>Parties perform product of their shares and public randomization matrix </a:t>
+                </a:r>
+                <a14:m>
+                  <m:oMath xmlns:m="http://schemas.openxmlformats.org/officeDocument/2006/math">
+                    <m:sSub>
+                      <m:sSubPr>
+                        <m:ctrlPr>
+                          <a:rPr lang="en-US" sz="1600" b="1" i="1">
+                            <a:latin typeface="Cambria Math" panose="02040503050406030204" pitchFamily="18" charset="0"/>
+                          </a:rPr>
+                        </m:ctrlPr>
+                      </m:sSubPr>
+                      <m:e>
+                        <m:r>
+                          <a:rPr lang="en-US" sz="1600" b="1" i="1">
+                            <a:latin typeface="Cambria Math" panose="02040503050406030204" pitchFamily="18" charset="0"/>
+                          </a:rPr>
+                          <m:t>𝑹</m:t>
+                        </m:r>
+                      </m:e>
+                      <m:sub>
+                        <m:r>
+                          <a:rPr lang="en-US" sz="1600" b="1" i="1">
+                            <a:latin typeface="Cambria Math" panose="02040503050406030204" pitchFamily="18" charset="0"/>
+                          </a:rPr>
+                          <m:t>𝒎𝒂𝒕</m:t>
+                        </m:r>
+                      </m:sub>
+                    </m:sSub>
+                  </m:oMath>
+                </a14:m>
+                <a:endParaRPr lang="en-US" sz="1600" b="1" dirty="0"/>
+              </a:p>
+              <a:p>
+                <a:pPr lvl="1"/>
+                <a:r>
+                  <a:rPr lang="en-US" sz="1600" dirty="0"/>
+                  <a:t>These product are shared among the parties and final output is obtained by adding the shares</a:t>
+                </a:r>
+              </a:p>
+            </p:txBody>
+          </p:sp>
+        </mc:Choice>
+        <mc:Fallback>
+          <p:sp>
+            <p:nvSpPr>
+              <p:cNvPr id="3" name="Content Placeholder 2">
+                <a:extLst>
+                  <a:ext uri="{FF2B5EF4-FFF2-40B4-BE49-F238E27FC236}">
+                    <a16:creationId xmlns:a16="http://schemas.microsoft.com/office/drawing/2014/main" id="{EB122BEF-29C7-CB4A-B432-14E4BF382CAE}"/>
+                  </a:ext>
+                </a:extLst>
+              </p:cNvPr>
+              <p:cNvSpPr>
+                <a:spLocks noGrp="1" noRot="1" noChangeAspect="1" noMove="1" noResize="1" noEditPoints="1" noAdjustHandles="1" noChangeArrowheads="1" noChangeShapeType="1" noTextEdit="1"/>
+              </p:cNvSpPr>
+              <p:nvPr>
+                <p:ph idx="1"/>
+              </p:nvPr>
+            </p:nvSpPr>
+            <p:spPr>
+              <a:blipFill>
+                <a:blip r:embed="rId2"/>
+                <a:stretch>
+                  <a:fillRect l="-603" t="-1453"/>
+                </a:stretch>
+              </a:blipFill>
+            </p:spPr>
+            <p:txBody>
+              <a:bodyPr/>
+              <a:lstStyle/>
+              <a:p>
+                <a:r>
+                  <a:rPr lang="en-US">
+                    <a:noFill/>
+                  </a:rPr>
+                  <a:t> </a:t>
+                </a:r>
+              </a:p>
+            </p:txBody>
+          </p:sp>
+        </mc:Fallback>
+      </mc:AlternateContent>
     </p:spTree>
     <p:extLst>
       <p:ext uri="{BB962C8B-B14F-4D97-AF65-F5344CB8AC3E}">
@@ -4251,44 +5533,1140 @@
             <p:ph type="title"/>
           </p:nvPr>
         </p:nvSpPr>
-        <p:spPr/>
+        <p:spPr>
+          <a:xfrm>
+            <a:off x="838200" y="365125"/>
+            <a:ext cx="10515600" cy="1006475"/>
+          </a:xfrm>
+        </p:spPr>
         <p:txBody>
           <a:bodyPr/>
           <a:lstStyle/>
           <a:p>
             <a:r>
-              <a:rPr lang="en-US" dirty="0" err="1"/>
+              <a:rPr lang="en-US" dirty="0"/>
               <a:t>oPRF</a:t>
             </a:r>
-            <a:endParaRPr lang="en-US" dirty="0"/>
           </a:p>
         </p:txBody>
       </p:sp>
-      <p:sp>
-        <p:nvSpPr>
-          <p:cNvPr id="3" name="Content Placeholder 2">
-            <a:extLst>
-              <a:ext uri="{FF2B5EF4-FFF2-40B4-BE49-F238E27FC236}">
-                <a16:creationId xmlns:a16="http://schemas.microsoft.com/office/drawing/2014/main" id="{0008B78E-FCDE-AE4F-B09D-2A9B84BE5717}"/>
-              </a:ext>
-            </a:extLst>
-          </p:cNvPr>
-          <p:cNvSpPr>
-            <a:spLocks noGrp="1"/>
-          </p:cNvSpPr>
-          <p:nvPr>
-            <p:ph idx="1"/>
-          </p:nvPr>
-        </p:nvSpPr>
-        <p:spPr/>
-        <p:txBody>
-          <a:bodyPr/>
-          <a:lstStyle/>
-          <a:p>
-            <a:endParaRPr lang="en-US"/>
-          </a:p>
-        </p:txBody>
-      </p:sp>
+      <mc:AlternateContent xmlns:mc="http://schemas.openxmlformats.org/markup-compatibility/2006">
+        <mc:Choice xmlns:a14="http://schemas.microsoft.com/office/drawing/2010/main" Requires="a14">
+          <p:sp>
+            <p:nvSpPr>
+              <p:cNvPr id="3" name="Content Placeholder 2">
+                <a:extLst>
+                  <a:ext uri="{FF2B5EF4-FFF2-40B4-BE49-F238E27FC236}">
+                    <a16:creationId xmlns:a16="http://schemas.microsoft.com/office/drawing/2014/main" id="{0008B78E-FCDE-AE4F-B09D-2A9B84BE5717}"/>
+                  </a:ext>
+                </a:extLst>
+              </p:cNvPr>
+              <p:cNvSpPr>
+                <a:spLocks noGrp="1"/>
+              </p:cNvSpPr>
+              <p:nvPr>
+                <p:ph idx="1"/>
+              </p:nvPr>
+            </p:nvSpPr>
+            <p:spPr>
+              <a:xfrm>
+                <a:off x="838200" y="1457634"/>
+                <a:ext cx="10515600" cy="4351338"/>
+              </a:xfrm>
+            </p:spPr>
+            <p:txBody>
+              <a:bodyPr/>
+              <a:lstStyle/>
+              <a:p>
+                <a:r>
+                  <a:rPr lang="en-US" sz="2000" b="1" dirty="0"/>
+                  <a:t>Input: </a:t>
+                </a:r>
+              </a:p>
+              <a:p>
+                <a:pPr lvl="1"/>
+                <a:r>
+                  <a:rPr lang="en-US" sz="1600" dirty="0"/>
+                  <a:t>Server holds Key</a:t>
+                </a:r>
+                <a:r>
+                  <a:rPr lang="en-US" sz="1600" b="1" dirty="0"/>
+                  <a:t> </a:t>
+                </a:r>
+                <a14:m>
+                  <m:oMath xmlns:m="http://schemas.openxmlformats.org/officeDocument/2006/math">
+                    <m:r>
+                      <a:rPr lang="en-US" sz="1600" b="1" i="1">
+                        <a:latin typeface="Cambria Math" panose="02040503050406030204" pitchFamily="18" charset="0"/>
+                      </a:rPr>
+                      <m:t>𝑲</m:t>
+                    </m:r>
+                    <m:r>
+                      <a:rPr lang="en-US" sz="1600" b="1" i="1">
+                        <a:latin typeface="Cambria Math" panose="02040503050406030204" pitchFamily="18" charset="0"/>
+                        <a:ea typeface="Cambria Math" panose="02040503050406030204" pitchFamily="18" charset="0"/>
+                      </a:rPr>
+                      <m:t>∈ </m:t>
+                    </m:r>
+                    <m:sSubSup>
+                      <m:sSubSupPr>
+                        <m:ctrlPr>
+                          <a:rPr lang="en-US" sz="1600" b="1" i="1">
+                            <a:latin typeface="Cambria Math" panose="02040503050406030204" pitchFamily="18" charset="0"/>
+                            <a:ea typeface="Cambria Math" panose="02040503050406030204" pitchFamily="18" charset="0"/>
+                          </a:rPr>
+                        </m:ctrlPr>
+                      </m:sSubSupPr>
+                      <m:e>
+                        <m:r>
+                          <a:rPr lang="en-US" sz="1600" b="1" i="1">
+                            <a:latin typeface="Cambria Math" panose="02040503050406030204" pitchFamily="18" charset="0"/>
+                            <a:ea typeface="Cambria Math" panose="02040503050406030204" pitchFamily="18" charset="0"/>
+                          </a:rPr>
+                          <m:t>ℤ</m:t>
+                        </m:r>
+                      </m:e>
+                      <m:sub>
+                        <m:r>
+                          <a:rPr lang="en-US" sz="1600" b="1" i="1">
+                            <a:latin typeface="Cambria Math" panose="02040503050406030204" pitchFamily="18" charset="0"/>
+                            <a:ea typeface="Cambria Math" panose="02040503050406030204" pitchFamily="18" charset="0"/>
+                          </a:rPr>
+                          <m:t>𝟐</m:t>
+                        </m:r>
+                      </m:sub>
+                      <m:sup>
+                        <m:r>
+                          <a:rPr lang="en-US" sz="1600" b="1" i="1">
+                            <a:latin typeface="Cambria Math" panose="02040503050406030204" pitchFamily="18" charset="0"/>
+                            <a:ea typeface="Cambria Math" panose="02040503050406030204" pitchFamily="18" charset="0"/>
+                          </a:rPr>
+                          <m:t>𝒎</m:t>
+                        </m:r>
+                        <m:r>
+                          <a:rPr lang="en-US" sz="1600" b="1" i="1">
+                            <a:latin typeface="Cambria Math" panose="02040503050406030204" pitchFamily="18" charset="0"/>
+                            <a:ea typeface="Cambria Math" panose="02040503050406030204" pitchFamily="18" charset="0"/>
+                          </a:rPr>
+                          <m:t>×</m:t>
+                        </m:r>
+                        <m:r>
+                          <a:rPr lang="en-US" sz="1600" b="1" i="1">
+                            <a:latin typeface="Cambria Math" panose="02040503050406030204" pitchFamily="18" charset="0"/>
+                            <a:ea typeface="Cambria Math" panose="02040503050406030204" pitchFamily="18" charset="0"/>
+                          </a:rPr>
+                          <m:t>𝒏</m:t>
+                        </m:r>
+                      </m:sup>
+                    </m:sSubSup>
+                  </m:oMath>
+                </a14:m>
+                <a:r>
+                  <a:rPr lang="en-US" sz="1600" b="1" dirty="0"/>
+                  <a:t> </a:t>
+                </a:r>
+                <a:r>
+                  <a:rPr lang="en-US" sz="1600" dirty="0"/>
+                  <a:t>while client holds input </a:t>
+                </a:r>
+                <a14:m>
+                  <m:oMath xmlns:m="http://schemas.openxmlformats.org/officeDocument/2006/math">
+                    <m:r>
+                      <a:rPr lang="en-US" sz="1600" b="1" i="1">
+                        <a:latin typeface="Cambria Math" panose="02040503050406030204" pitchFamily="18" charset="0"/>
+                      </a:rPr>
+                      <m:t>𝒙</m:t>
+                    </m:r>
+                    <m:r>
+                      <a:rPr lang="en-US" sz="1600" b="1" i="1">
+                        <a:latin typeface="Cambria Math" panose="02040503050406030204" pitchFamily="18" charset="0"/>
+                      </a:rPr>
+                      <m:t> ∈ </m:t>
+                    </m:r>
+                    <m:sSubSup>
+                      <m:sSubSupPr>
+                        <m:ctrlPr>
+                          <a:rPr lang="en-US" sz="1600" b="1" i="1">
+                            <a:latin typeface="Cambria Math" panose="02040503050406030204" pitchFamily="18" charset="0"/>
+                            <a:ea typeface="Cambria Math" panose="02040503050406030204" pitchFamily="18" charset="0"/>
+                          </a:rPr>
+                        </m:ctrlPr>
+                      </m:sSubSupPr>
+                      <m:e>
+                        <m:r>
+                          <a:rPr lang="en-US" sz="1600" b="1" i="1">
+                            <a:latin typeface="Cambria Math" panose="02040503050406030204" pitchFamily="18" charset="0"/>
+                            <a:ea typeface="Cambria Math" panose="02040503050406030204" pitchFamily="18" charset="0"/>
+                          </a:rPr>
+                          <m:t>ℤ</m:t>
+                        </m:r>
+                      </m:e>
+                      <m:sub>
+                        <m:r>
+                          <a:rPr lang="en-US" sz="1600" b="1" i="1">
+                            <a:latin typeface="Cambria Math" panose="02040503050406030204" pitchFamily="18" charset="0"/>
+                            <a:ea typeface="Cambria Math" panose="02040503050406030204" pitchFamily="18" charset="0"/>
+                          </a:rPr>
+                          <m:t>𝟐</m:t>
+                        </m:r>
+                      </m:sub>
+                      <m:sup>
+                        <m:r>
+                          <a:rPr lang="en-US" sz="1600" b="1" i="1">
+                            <a:latin typeface="Cambria Math" panose="02040503050406030204" pitchFamily="18" charset="0"/>
+                            <a:ea typeface="Cambria Math" panose="02040503050406030204" pitchFamily="18" charset="0"/>
+                          </a:rPr>
+                          <m:t>𝒏</m:t>
+                        </m:r>
+                      </m:sup>
+                    </m:sSubSup>
+                  </m:oMath>
+                </a14:m>
+                <a:r>
+                  <a:rPr lang="en-US" sz="1600" b="1" dirty="0"/>
+                  <a:t> </a:t>
+                </a:r>
+              </a:p>
+              <a:p>
+                <a:pPr lvl="1"/>
+                <a:r>
+                  <a:rPr lang="en-US" sz="1600" dirty="0"/>
+                  <a:t>Public Randomization Matrix </a:t>
+                </a:r>
+                <a14:m>
+                  <m:oMath xmlns:m="http://schemas.openxmlformats.org/officeDocument/2006/math">
+                    <m:sSub>
+                      <m:sSubPr>
+                        <m:ctrlPr>
+                          <a:rPr lang="en-US" sz="1600" b="1" i="1">
+                            <a:latin typeface="Cambria Math" panose="02040503050406030204" pitchFamily="18" charset="0"/>
+                          </a:rPr>
+                        </m:ctrlPr>
+                      </m:sSubPr>
+                      <m:e>
+                        <m:r>
+                          <a:rPr lang="en-US" sz="1600" b="1" i="1">
+                            <a:latin typeface="Cambria Math" panose="02040503050406030204" pitchFamily="18" charset="0"/>
+                          </a:rPr>
+                          <m:t>𝑹</m:t>
+                        </m:r>
+                      </m:e>
+                      <m:sub>
+                        <m:r>
+                          <a:rPr lang="en-US" sz="1600" b="1" i="1">
+                            <a:latin typeface="Cambria Math" panose="02040503050406030204" pitchFamily="18" charset="0"/>
+                          </a:rPr>
+                          <m:t>𝒎𝒂𝒕</m:t>
+                        </m:r>
+                      </m:sub>
+                    </m:sSub>
+                    <m:r>
+                      <a:rPr lang="en-US" sz="1600" b="1" i="1">
+                        <a:latin typeface="Cambria Math" panose="02040503050406030204" pitchFamily="18" charset="0"/>
+                      </a:rPr>
+                      <m:t> </m:t>
+                    </m:r>
+                    <m:r>
+                      <a:rPr lang="en-US" sz="1600" b="1" i="1">
+                        <a:latin typeface="Cambria Math" panose="02040503050406030204" pitchFamily="18" charset="0"/>
+                        <a:ea typeface="Cambria Math" panose="02040503050406030204" pitchFamily="18" charset="0"/>
+                      </a:rPr>
+                      <m:t>∈ </m:t>
+                    </m:r>
+                    <m:sSubSup>
+                      <m:sSubSupPr>
+                        <m:ctrlPr>
+                          <a:rPr lang="en-US" sz="1600" b="1" i="1">
+                            <a:latin typeface="Cambria Math" panose="02040503050406030204" pitchFamily="18" charset="0"/>
+                            <a:ea typeface="Cambria Math" panose="02040503050406030204" pitchFamily="18" charset="0"/>
+                          </a:rPr>
+                        </m:ctrlPr>
+                      </m:sSubSupPr>
+                      <m:e>
+                        <m:r>
+                          <a:rPr lang="en-US" sz="1600" b="1" i="1">
+                            <a:latin typeface="Cambria Math" panose="02040503050406030204" pitchFamily="18" charset="0"/>
+                            <a:ea typeface="Cambria Math" panose="02040503050406030204" pitchFamily="18" charset="0"/>
+                          </a:rPr>
+                          <m:t>ℤ</m:t>
+                        </m:r>
+                      </m:e>
+                      <m:sub>
+                        <m:r>
+                          <a:rPr lang="en-US" sz="1600" b="1" i="1">
+                            <a:latin typeface="Cambria Math" panose="02040503050406030204" pitchFamily="18" charset="0"/>
+                            <a:ea typeface="Cambria Math" panose="02040503050406030204" pitchFamily="18" charset="0"/>
+                          </a:rPr>
+                          <m:t>𝟑</m:t>
+                        </m:r>
+                      </m:sub>
+                      <m:sup>
+                        <m:r>
+                          <a:rPr lang="en-US" sz="1600" b="1" i="1">
+                            <a:latin typeface="Cambria Math" panose="02040503050406030204" pitchFamily="18" charset="0"/>
+                            <a:ea typeface="Cambria Math" panose="02040503050406030204" pitchFamily="18" charset="0"/>
+                          </a:rPr>
+                          <m:t>𝒕</m:t>
+                        </m:r>
+                        <m:r>
+                          <a:rPr lang="en-US" sz="1600" b="1" i="1">
+                            <a:latin typeface="Cambria Math" panose="02040503050406030204" pitchFamily="18" charset="0"/>
+                            <a:ea typeface="Cambria Math" panose="02040503050406030204" pitchFamily="18" charset="0"/>
+                          </a:rPr>
+                          <m:t>×</m:t>
+                        </m:r>
+                        <m:r>
+                          <a:rPr lang="en-US" sz="1600" b="1" i="1">
+                            <a:latin typeface="Cambria Math" panose="02040503050406030204" pitchFamily="18" charset="0"/>
+                            <a:ea typeface="Cambria Math" panose="02040503050406030204" pitchFamily="18" charset="0"/>
+                          </a:rPr>
+                          <m:t>𝒎</m:t>
+                        </m:r>
+                      </m:sup>
+                    </m:sSubSup>
+                  </m:oMath>
+                </a14:m>
+                <a:endParaRPr lang="en-US" sz="1600" b="1" dirty="0"/>
+              </a:p>
+              <a:p>
+                <a:r>
+                  <a:rPr lang="en-US" sz="2000" b="1" dirty="0"/>
+                  <a:t>Output:</a:t>
+                </a:r>
+                <a:r>
+                  <a:rPr lang="en-US" sz="1600" b="1" dirty="0"/>
+                  <a:t> </a:t>
+                </a:r>
+                <a14:m>
+                  <m:oMath xmlns:m="http://schemas.openxmlformats.org/officeDocument/2006/math">
+                    <m:d>
+                      <m:dPr>
+                        <m:ctrlPr>
+                          <a:rPr lang="en-US" sz="1600" b="1" i="1">
+                            <a:latin typeface="Cambria Math" panose="02040503050406030204" pitchFamily="18" charset="0"/>
+                          </a:rPr>
+                        </m:ctrlPr>
+                      </m:dPr>
+                      <m:e>
+                        <m:d>
+                          <m:dPr>
+                            <m:ctrlPr>
+                              <a:rPr lang="en-US" sz="1600" b="1" i="1">
+                                <a:latin typeface="Cambria Math" panose="02040503050406030204" pitchFamily="18" charset="0"/>
+                              </a:rPr>
+                            </m:ctrlPr>
+                          </m:dPr>
+                          <m:e>
+                            <m:r>
+                              <a:rPr lang="en-US" sz="1600" b="1" i="1">
+                                <a:latin typeface="Cambria Math" panose="02040503050406030204" pitchFamily="18" charset="0"/>
+                              </a:rPr>
+                              <m:t>𝑲</m:t>
+                            </m:r>
+                            <m:r>
+                              <a:rPr lang="en-US" sz="1600" b="1" i="1">
+                                <a:latin typeface="Cambria Math" panose="02040503050406030204" pitchFamily="18" charset="0"/>
+                              </a:rPr>
+                              <m:t> × </m:t>
+                            </m:r>
+                            <m:r>
+                              <a:rPr lang="en-US" sz="1600" b="1" i="1">
+                                <a:latin typeface="Cambria Math" panose="02040503050406030204" pitchFamily="18" charset="0"/>
+                              </a:rPr>
+                              <m:t>𝒙</m:t>
+                            </m:r>
+                          </m:e>
+                        </m:d>
+                        <m:r>
+                          <a:rPr lang="en-US" sz="1600" b="1" i="1">
+                            <a:latin typeface="Cambria Math" panose="02040503050406030204" pitchFamily="18" charset="0"/>
+                            <a:ea typeface="Cambria Math" panose="02040503050406030204" pitchFamily="18" charset="0"/>
+                          </a:rPr>
+                          <m:t>× </m:t>
+                        </m:r>
+                        <m:sSub>
+                          <m:sSubPr>
+                            <m:ctrlPr>
+                              <a:rPr lang="en-US" sz="1600" b="1" i="1">
+                                <a:latin typeface="Cambria Math" panose="02040503050406030204" pitchFamily="18" charset="0"/>
+                                <a:ea typeface="Cambria Math" panose="02040503050406030204" pitchFamily="18" charset="0"/>
+                              </a:rPr>
+                            </m:ctrlPr>
+                          </m:sSubPr>
+                          <m:e>
+                            <m:r>
+                              <a:rPr lang="en-US" sz="1600" b="1" i="1">
+                                <a:latin typeface="Cambria Math" panose="02040503050406030204" pitchFamily="18" charset="0"/>
+                                <a:ea typeface="Cambria Math" panose="02040503050406030204" pitchFamily="18" charset="0"/>
+                              </a:rPr>
+                              <m:t>𝑹</m:t>
+                            </m:r>
+                          </m:e>
+                          <m:sub>
+                            <m:r>
+                              <a:rPr lang="en-US" sz="1600" b="1" i="1">
+                                <a:latin typeface="Cambria Math" panose="02040503050406030204" pitchFamily="18" charset="0"/>
+                                <a:ea typeface="Cambria Math" panose="02040503050406030204" pitchFamily="18" charset="0"/>
+                              </a:rPr>
+                              <m:t>𝒎𝒂𝒕</m:t>
+                            </m:r>
+                          </m:sub>
+                        </m:sSub>
+                      </m:e>
+                    </m:d>
+                    <m:r>
+                      <a:rPr lang="en-US" sz="1600" b="1" i="1">
+                        <a:latin typeface="Cambria Math" panose="02040503050406030204" pitchFamily="18" charset="0"/>
+                        <a:ea typeface="Cambria Math" panose="02040503050406030204" pitchFamily="18" charset="0"/>
+                      </a:rPr>
+                      <m:t> ∈ </m:t>
+                    </m:r>
+                    <m:sSubSup>
+                      <m:sSubSupPr>
+                        <m:ctrlPr>
+                          <a:rPr lang="en-US" sz="1600" b="1" i="1">
+                            <a:latin typeface="Cambria Math" panose="02040503050406030204" pitchFamily="18" charset="0"/>
+                            <a:ea typeface="Cambria Math" panose="02040503050406030204" pitchFamily="18" charset="0"/>
+                          </a:rPr>
+                        </m:ctrlPr>
+                      </m:sSubSupPr>
+                      <m:e>
+                        <m:r>
+                          <a:rPr lang="en-US" sz="1600" b="1" i="1">
+                            <a:latin typeface="Cambria Math" panose="02040503050406030204" pitchFamily="18" charset="0"/>
+                            <a:ea typeface="Cambria Math" panose="02040503050406030204" pitchFamily="18" charset="0"/>
+                          </a:rPr>
+                          <m:t>ℤ</m:t>
+                        </m:r>
+                      </m:e>
+                      <m:sub>
+                        <m:r>
+                          <a:rPr lang="en-US" sz="1600" b="1" i="1">
+                            <a:latin typeface="Cambria Math" panose="02040503050406030204" pitchFamily="18" charset="0"/>
+                            <a:ea typeface="Cambria Math" panose="02040503050406030204" pitchFamily="18" charset="0"/>
+                          </a:rPr>
+                          <m:t>𝟑</m:t>
+                        </m:r>
+                      </m:sub>
+                      <m:sup>
+                        <m:r>
+                          <a:rPr lang="en-US" sz="1600" b="1" i="1">
+                            <a:latin typeface="Cambria Math" panose="02040503050406030204" pitchFamily="18" charset="0"/>
+                            <a:ea typeface="Cambria Math" panose="02040503050406030204" pitchFamily="18" charset="0"/>
+                          </a:rPr>
+                          <m:t>𝒕</m:t>
+                        </m:r>
+                      </m:sup>
+                    </m:sSubSup>
+                  </m:oMath>
+                </a14:m>
+                <a:endParaRPr lang="en-US" sz="1600" b="1" dirty="0"/>
+              </a:p>
+              <a:p>
+                <a:r>
+                  <a:rPr lang="en-US" sz="2000" b="1" dirty="0"/>
+                  <a:t>Preprocessing: </a:t>
+                </a:r>
+              </a:p>
+              <a:p>
+                <a:pPr lvl="1"/>
+                <a:r>
+                  <a:rPr lang="en-US" sz="1600" dirty="0"/>
+                  <a:t>Generating correlated randomness(</a:t>
+                </a:r>
+                <a14:m>
+                  <m:oMath xmlns:m="http://schemas.openxmlformats.org/officeDocument/2006/math">
+                    <m:sSub>
+                      <m:sSubPr>
+                        <m:ctrlPr>
+                          <a:rPr lang="en-US" sz="1600" i="1" smtClean="0">
+                            <a:ea typeface="Cambria Math" panose="02040503050406030204" pitchFamily="18" charset="0"/>
+                          </a:rPr>
+                        </m:ctrlPr>
+                      </m:sSubPr>
+                      <m:e>
+                        <m:r>
+                          <a:rPr lang="en-US" sz="1600" b="0" i="1" smtClean="0">
+                            <a:ea typeface="Cambria Math" panose="02040503050406030204" pitchFamily="18" charset="0"/>
+                          </a:rPr>
+                          <m:t>𝑟</m:t>
+                        </m:r>
+                      </m:e>
+                      <m:sub>
+                        <m:r>
+                          <a:rPr lang="en-US" sz="1600" b="0" i="1" smtClean="0">
+                            <a:ea typeface="Cambria Math" panose="02040503050406030204" pitchFamily="18" charset="0"/>
+                          </a:rPr>
+                          <m:t>𝑞</m:t>
+                        </m:r>
+                      </m:sub>
+                    </m:sSub>
+                    <m:r>
+                      <a:rPr lang="en-US" sz="1600" b="0" i="1" smtClean="0">
+                        <a:latin typeface="Cambria Math" panose="02040503050406030204" pitchFamily="18" charset="0"/>
+                        <a:ea typeface="Cambria Math" panose="02040503050406030204" pitchFamily="18" charset="0"/>
+                      </a:rPr>
+                      <m:t>,  </m:t>
+                    </m:r>
+                    <m:sSub>
+                      <m:sSubPr>
+                        <m:ctrlPr>
+                          <a:rPr lang="en-US" sz="1600" b="0" i="1" smtClean="0">
+                            <a:latin typeface="Cambria Math" panose="02040503050406030204" pitchFamily="18" charset="0"/>
+                            <a:ea typeface="Cambria Math" panose="02040503050406030204" pitchFamily="18" charset="0"/>
+                          </a:rPr>
+                        </m:ctrlPr>
+                      </m:sSubPr>
+                      <m:e>
+                        <m:r>
+                          <a:rPr lang="en-US" sz="1600" b="0" i="1" smtClean="0">
+                            <a:latin typeface="Cambria Math" panose="02040503050406030204" pitchFamily="18" charset="0"/>
+                            <a:ea typeface="Cambria Math" panose="02040503050406030204" pitchFamily="18" charset="0"/>
+                          </a:rPr>
+                          <m:t>𝑟</m:t>
+                        </m:r>
+                      </m:e>
+                      <m:sub>
+                        <m:r>
+                          <a:rPr lang="en-US" sz="1600" b="0" i="1" smtClean="0">
+                            <a:latin typeface="Cambria Math" panose="02040503050406030204" pitchFamily="18" charset="0"/>
+                            <a:ea typeface="Cambria Math" panose="02040503050406030204" pitchFamily="18" charset="0"/>
+                          </a:rPr>
+                          <m:t>𝑤</m:t>
+                        </m:r>
+                      </m:sub>
+                    </m:sSub>
+                    <m:r>
+                      <a:rPr lang="en-US" sz="1600" i="1">
+                        <a:ea typeface="Cambria Math" panose="02040503050406030204" pitchFamily="18" charset="0"/>
+                      </a:rPr>
+                      <m:t>∈</m:t>
+                    </m:r>
+                    <m:sSubSup>
+                      <m:sSubSupPr>
+                        <m:ctrlPr>
+                          <a:rPr lang="en-US" sz="1600" b="1" i="1">
+                            <a:ea typeface="Cambria Math" panose="02040503050406030204" pitchFamily="18" charset="0"/>
+                          </a:rPr>
+                        </m:ctrlPr>
+                      </m:sSubSupPr>
+                      <m:e>
+                        <m:r>
+                          <a:rPr lang="en-US" sz="1600" b="1" i="1">
+                            <a:ea typeface="Cambria Math" panose="02040503050406030204" pitchFamily="18" charset="0"/>
+                          </a:rPr>
+                          <m:t>ℤ</m:t>
+                        </m:r>
+                      </m:e>
+                      <m:sub>
+                        <m:r>
+                          <a:rPr lang="en-US" sz="1600" b="1" i="1">
+                            <a:ea typeface="Cambria Math" panose="02040503050406030204" pitchFamily="18" charset="0"/>
+                          </a:rPr>
+                          <m:t>𝟐</m:t>
+                        </m:r>
+                      </m:sub>
+                      <m:sup>
+                        <m:r>
+                          <a:rPr lang="en-US" sz="1600" b="1" i="1">
+                            <a:ea typeface="Cambria Math" panose="02040503050406030204" pitchFamily="18" charset="0"/>
+                          </a:rPr>
+                          <m:t>𝒏</m:t>
+                        </m:r>
+                      </m:sup>
+                    </m:sSubSup>
+                    <m:r>
+                      <a:rPr lang="en-US" sz="1600" b="1" i="1">
+                        <a:ea typeface="Cambria Math" panose="02040503050406030204" pitchFamily="18" charset="0"/>
+                      </a:rPr>
+                      <m:t> </m:t>
+                    </m:r>
+                    <m:r>
+                      <a:rPr lang="en-US" sz="1600" i="1">
+                        <a:ea typeface="Cambria Math" panose="02040503050406030204" pitchFamily="18" charset="0"/>
+                      </a:rPr>
+                      <m:t>𝑎𝑛𝑑</m:t>
+                    </m:r>
+                    <m:r>
+                      <a:rPr lang="en-US" sz="1600" i="1">
+                        <a:ea typeface="Cambria Math" panose="02040503050406030204" pitchFamily="18" charset="0"/>
+                      </a:rPr>
+                      <m:t> </m:t>
+                    </m:r>
+                    <m:sSub>
+                      <m:sSubPr>
+                        <m:ctrlPr>
+                          <a:rPr lang="en-US" sz="1600" i="1">
+                            <a:ea typeface="Cambria Math" panose="02040503050406030204" pitchFamily="18" charset="0"/>
+                          </a:rPr>
+                        </m:ctrlPr>
+                      </m:sSubPr>
+                      <m:e>
+                        <m:r>
+                          <a:rPr lang="en-US" sz="1600" i="1">
+                            <a:ea typeface="Cambria Math" panose="02040503050406030204" pitchFamily="18" charset="0"/>
+                          </a:rPr>
+                          <m:t>𝑟</m:t>
+                        </m:r>
+                      </m:e>
+                      <m:sub>
+                        <m:r>
+                          <a:rPr lang="en-US" sz="1600" i="1">
+                            <a:ea typeface="Cambria Math" panose="02040503050406030204" pitchFamily="18" charset="0"/>
+                          </a:rPr>
+                          <m:t>𝐾</m:t>
+                        </m:r>
+                      </m:sub>
+                    </m:sSub>
+                    <m:r>
+                      <a:rPr lang="en-US" sz="1600" b="1" i="1">
+                        <a:ea typeface="Cambria Math" panose="02040503050406030204" pitchFamily="18" charset="0"/>
+                      </a:rPr>
+                      <m:t>∈ </m:t>
+                    </m:r>
+                    <m:sSubSup>
+                      <m:sSubSupPr>
+                        <m:ctrlPr>
+                          <a:rPr lang="en-US" sz="1600" b="1" i="1">
+                            <a:ea typeface="Cambria Math" panose="02040503050406030204" pitchFamily="18" charset="0"/>
+                          </a:rPr>
+                        </m:ctrlPr>
+                      </m:sSubSupPr>
+                      <m:e>
+                        <m:r>
+                          <a:rPr lang="en-US" sz="1600" b="1" i="1">
+                            <a:ea typeface="Cambria Math" panose="02040503050406030204" pitchFamily="18" charset="0"/>
+                          </a:rPr>
+                          <m:t>ℤ</m:t>
+                        </m:r>
+                      </m:e>
+                      <m:sub>
+                        <m:r>
+                          <a:rPr lang="en-US" sz="1600" b="1" i="1">
+                            <a:ea typeface="Cambria Math" panose="02040503050406030204" pitchFamily="18" charset="0"/>
+                          </a:rPr>
+                          <m:t>𝟐</m:t>
+                        </m:r>
+                      </m:sub>
+                      <m:sup>
+                        <m:r>
+                          <a:rPr lang="en-US" sz="1600" b="1" i="1">
+                            <a:ea typeface="Cambria Math" panose="02040503050406030204" pitchFamily="18" charset="0"/>
+                          </a:rPr>
+                          <m:t>𝒎</m:t>
+                        </m:r>
+                        <m:r>
+                          <a:rPr lang="en-US" sz="1600" b="1" i="1">
+                            <a:ea typeface="Cambria Math" panose="02040503050406030204" pitchFamily="18" charset="0"/>
+                          </a:rPr>
+                          <m:t>×</m:t>
+                        </m:r>
+                        <m:r>
+                          <a:rPr lang="en-US" sz="1600" b="1" i="1">
+                            <a:ea typeface="Cambria Math" panose="02040503050406030204" pitchFamily="18" charset="0"/>
+                          </a:rPr>
+                          <m:t>𝒏</m:t>
+                        </m:r>
+                      </m:sup>
+                    </m:sSubSup>
+                  </m:oMath>
+                </a14:m>
+                <a:r>
+                  <a:rPr lang="en-US" sz="1600" dirty="0"/>
+                  <a:t>and used in masking the inputs.</a:t>
+                </a:r>
+              </a:p>
+              <a:p>
+                <a:pPr lvl="1"/>
+                <a:r>
+                  <a:rPr lang="en-US" sz="1600" dirty="0"/>
+                  <a:t>Convert </a:t>
+                </a:r>
+                <a14:m>
+                  <m:oMath xmlns:m="http://schemas.openxmlformats.org/officeDocument/2006/math">
+                    <m:sSub>
+                      <m:sSubPr>
+                        <m:ctrlPr>
+                          <a:rPr lang="en-US" sz="1600" i="1" smtClean="0">
+                            <a:latin typeface="Cambria Math" panose="02040503050406030204" pitchFamily="18" charset="0"/>
+                          </a:rPr>
+                        </m:ctrlPr>
+                      </m:sSubPr>
+                      <m:e>
+                        <m:r>
+                          <a:rPr lang="en-US" sz="1600" b="0" i="1" smtClean="0">
+                            <a:latin typeface="Cambria Math" panose="02040503050406030204" pitchFamily="18" charset="0"/>
+                          </a:rPr>
+                          <m:t>𝑟</m:t>
+                        </m:r>
+                      </m:e>
+                      <m:sub>
+                        <m:r>
+                          <a:rPr lang="en-US" sz="1600" b="0" i="1" smtClean="0">
+                            <a:latin typeface="Cambria Math" panose="02040503050406030204" pitchFamily="18" charset="0"/>
+                          </a:rPr>
+                          <m:t>𝑤</m:t>
+                        </m:r>
+                      </m:sub>
+                    </m:sSub>
+                  </m:oMath>
+                </a14:m>
+                <a:r>
+                  <a:rPr lang="en-US" sz="1600" dirty="0"/>
+                  <a:t> to 0/1 value in </a:t>
+                </a:r>
+                <a14:m>
+                  <m:oMath xmlns:m="http://schemas.openxmlformats.org/officeDocument/2006/math">
+                    <m:sSubSup>
+                      <m:sSubSupPr>
+                        <m:ctrlPr>
+                          <a:rPr lang="en-US" sz="1600" i="1" smtClean="0">
+                            <a:latin typeface="Cambria Math" panose="02040503050406030204" pitchFamily="18" charset="0"/>
+                          </a:rPr>
+                        </m:ctrlPr>
+                      </m:sSubSupPr>
+                      <m:e>
+                        <m:r>
+                          <a:rPr lang="en-US" sz="1600" i="1" smtClean="0">
+                            <a:latin typeface="Cambria Math" panose="02040503050406030204" pitchFamily="18" charset="0"/>
+                            <a:ea typeface="Cambria Math" panose="02040503050406030204" pitchFamily="18" charset="0"/>
+                          </a:rPr>
+                          <m:t>ℤ</m:t>
+                        </m:r>
+                      </m:e>
+                      <m:sub>
+                        <m:r>
+                          <a:rPr lang="en-US" sz="1600" b="0" i="1" smtClean="0">
+                            <a:latin typeface="Cambria Math" panose="02040503050406030204" pitchFamily="18" charset="0"/>
+                          </a:rPr>
+                          <m:t>3</m:t>
+                        </m:r>
+                      </m:sub>
+                      <m:sup>
+                        <m:r>
+                          <a:rPr lang="en-US" sz="1600" b="0" i="1" smtClean="0">
+                            <a:latin typeface="Cambria Math" panose="02040503050406030204" pitchFamily="18" charset="0"/>
+                          </a:rPr>
+                          <m:t>𝑛</m:t>
+                        </m:r>
+                      </m:sup>
+                    </m:sSubSup>
+                  </m:oMath>
+                </a14:m>
+                <a:endParaRPr lang="en-US" sz="1600" dirty="0"/>
+              </a:p>
+              <a:p>
+                <a:r>
+                  <a:rPr lang="en-US" sz="2000" b="1" dirty="0"/>
+                  <a:t>Phase 1: </a:t>
+                </a:r>
+                <a:r>
+                  <a:rPr lang="en-US" sz="2000" dirty="0"/>
+                  <a:t>Masking the inputs</a:t>
+                </a:r>
+              </a:p>
+              <a:p>
+                <a:pPr lvl="1"/>
+                <a:r>
+                  <a:rPr lang="en-US" sz="1600" dirty="0"/>
+                  <a:t>Server mask the key and share it with client </a:t>
+                </a:r>
+                <a14:m>
+                  <m:oMath xmlns:m="http://schemas.openxmlformats.org/officeDocument/2006/math">
+                    <m:sSup>
+                      <m:sSupPr>
+                        <m:ctrlPr>
+                          <a:rPr lang="en-US" sz="1600" i="1">
+                            <a:latin typeface="Cambria Math" panose="02040503050406030204" pitchFamily="18" charset="0"/>
+                          </a:rPr>
+                        </m:ctrlPr>
+                      </m:sSupPr>
+                      <m:e>
+                        <m:r>
+                          <a:rPr lang="en-US" sz="1600" i="1">
+                            <a:latin typeface="Cambria Math" panose="02040503050406030204" pitchFamily="18" charset="0"/>
+                          </a:rPr>
+                          <m:t>𝐾</m:t>
+                        </m:r>
+                      </m:e>
+                      <m:sup>
+                        <m:r>
+                          <a:rPr lang="en-US" sz="1600" i="1">
+                            <a:latin typeface="Cambria Math" panose="02040503050406030204" pitchFamily="18" charset="0"/>
+                          </a:rPr>
+                          <m:t>′</m:t>
+                        </m:r>
+                      </m:sup>
+                    </m:sSup>
+                    <m:r>
+                      <a:rPr lang="en-US" sz="1600" i="1">
+                        <a:latin typeface="Cambria Math" panose="02040503050406030204" pitchFamily="18" charset="0"/>
+                      </a:rPr>
+                      <m:t>=</m:t>
+                    </m:r>
+                    <m:r>
+                      <a:rPr lang="en-US" sz="1600" i="1">
+                        <a:latin typeface="Cambria Math" panose="02040503050406030204" pitchFamily="18" charset="0"/>
+                      </a:rPr>
+                      <m:t>𝐾</m:t>
+                    </m:r>
+                    <m:r>
+                      <a:rPr lang="en-US" sz="1600" i="1">
+                        <a:latin typeface="Cambria Math" panose="02040503050406030204" pitchFamily="18" charset="0"/>
+                      </a:rPr>
+                      <m:t>+ </m:t>
+                    </m:r>
+                    <m:sSub>
+                      <m:sSubPr>
+                        <m:ctrlPr>
+                          <a:rPr lang="en-US" sz="1600" i="1">
+                            <a:latin typeface="Cambria Math" panose="02040503050406030204" pitchFamily="18" charset="0"/>
+                          </a:rPr>
+                        </m:ctrlPr>
+                      </m:sSubPr>
+                      <m:e>
+                        <m:r>
+                          <a:rPr lang="en-US" sz="1600" i="1">
+                            <a:latin typeface="Cambria Math" panose="02040503050406030204" pitchFamily="18" charset="0"/>
+                          </a:rPr>
+                          <m:t>𝑟</m:t>
+                        </m:r>
+                      </m:e>
+                      <m:sub>
+                        <m:r>
+                          <a:rPr lang="en-US" sz="1600" i="1">
+                            <a:latin typeface="Cambria Math" panose="02040503050406030204" pitchFamily="18" charset="0"/>
+                          </a:rPr>
+                          <m:t>𝑘</m:t>
+                        </m:r>
+                      </m:sub>
+                    </m:sSub>
+                  </m:oMath>
+                </a14:m>
+                <a:endParaRPr lang="en-US" sz="1600" dirty="0"/>
+              </a:p>
+              <a:p>
+                <a:pPr lvl="1"/>
+                <a:r>
+                  <a:rPr lang="en-US" sz="1600" dirty="0"/>
+                  <a:t>Meanwhile, client mask the input and share it with server </a:t>
+                </a:r>
+                <a14:m>
+                  <m:oMath xmlns:m="http://schemas.openxmlformats.org/officeDocument/2006/math">
+                    <m:sSup>
+                      <m:sSupPr>
+                        <m:ctrlPr>
+                          <a:rPr lang="en-US" sz="1600" i="1">
+                            <a:latin typeface="Cambria Math" panose="02040503050406030204" pitchFamily="18" charset="0"/>
+                          </a:rPr>
+                        </m:ctrlPr>
+                      </m:sSupPr>
+                      <m:e>
+                        <m:r>
+                          <a:rPr lang="en-US" sz="1600" i="1">
+                            <a:latin typeface="Cambria Math" panose="02040503050406030204" pitchFamily="18" charset="0"/>
+                          </a:rPr>
+                          <m:t>𝑥</m:t>
+                        </m:r>
+                      </m:e>
+                      <m:sup>
+                        <m:r>
+                          <a:rPr lang="en-US" sz="1600" i="1">
+                            <a:latin typeface="Cambria Math" panose="02040503050406030204" pitchFamily="18" charset="0"/>
+                          </a:rPr>
+                          <m:t>′</m:t>
+                        </m:r>
+                      </m:sup>
+                    </m:sSup>
+                    <m:r>
+                      <a:rPr lang="en-US" sz="1600" i="1">
+                        <a:latin typeface="Cambria Math" panose="02040503050406030204" pitchFamily="18" charset="0"/>
+                      </a:rPr>
+                      <m:t>=</m:t>
+                    </m:r>
+                    <m:r>
+                      <a:rPr lang="en-US" sz="1600" i="1">
+                        <a:latin typeface="Cambria Math" panose="02040503050406030204" pitchFamily="18" charset="0"/>
+                      </a:rPr>
+                      <m:t>𝑥</m:t>
+                    </m:r>
+                    <m:r>
+                      <a:rPr lang="en-US" sz="1600" i="1">
+                        <a:latin typeface="Cambria Math" panose="02040503050406030204" pitchFamily="18" charset="0"/>
+                      </a:rPr>
+                      <m:t>+</m:t>
+                    </m:r>
+                    <m:sSub>
+                      <m:sSubPr>
+                        <m:ctrlPr>
+                          <a:rPr lang="en-US" sz="1600" i="1">
+                            <a:latin typeface="Cambria Math" panose="02040503050406030204" pitchFamily="18" charset="0"/>
+                          </a:rPr>
+                        </m:ctrlPr>
+                      </m:sSubPr>
+                      <m:e>
+                        <m:r>
+                          <a:rPr lang="en-US" sz="1600" i="1">
+                            <a:latin typeface="Cambria Math" panose="02040503050406030204" pitchFamily="18" charset="0"/>
+                          </a:rPr>
+                          <m:t>𝑟</m:t>
+                        </m:r>
+                      </m:e>
+                      <m:sub>
+                        <m:r>
+                          <a:rPr lang="en-US" sz="1600" i="1">
+                            <a:latin typeface="Cambria Math" panose="02040503050406030204" pitchFamily="18" charset="0"/>
+                          </a:rPr>
+                          <m:t>𝑥</m:t>
+                        </m:r>
+                      </m:sub>
+                    </m:sSub>
+                  </m:oMath>
+                </a14:m>
+                <a:endParaRPr lang="en-US" sz="1600" dirty="0"/>
+              </a:p>
+              <a:p>
+                <a:r>
+                  <a:rPr lang="en-US" sz="2000" b="1" dirty="0"/>
+                  <a:t>Phase 2: </a:t>
+                </a:r>
+                <a:r>
+                  <a:rPr lang="en-US" sz="2000" dirty="0"/>
+                  <a:t>Compute </a:t>
+                </a:r>
+                <a14:m>
+                  <m:oMath xmlns:m="http://schemas.openxmlformats.org/officeDocument/2006/math">
+                    <m:sSup>
+                      <m:sSupPr>
+                        <m:ctrlPr>
+                          <a:rPr lang="en-US" sz="2000" i="1">
+                            <a:latin typeface="Cambria Math" panose="02040503050406030204" pitchFamily="18" charset="0"/>
+                          </a:rPr>
+                        </m:ctrlPr>
+                      </m:sSupPr>
+                      <m:e>
+                        <m:r>
+                          <a:rPr lang="en-US" sz="2000" i="1">
+                            <a:latin typeface="Cambria Math" panose="02040503050406030204" pitchFamily="18" charset="0"/>
+                          </a:rPr>
+                          <m:t>𝑤</m:t>
+                        </m:r>
+                      </m:e>
+                      <m:sup>
+                        <m:r>
+                          <a:rPr lang="en-US" sz="2000" i="1">
+                            <a:latin typeface="Cambria Math" panose="02040503050406030204" pitchFamily="18" charset="0"/>
+                          </a:rPr>
+                          <m:t>′</m:t>
+                        </m:r>
+                      </m:sup>
+                    </m:sSup>
+                    <m:r>
+                      <a:rPr lang="en-US" sz="2000" i="1">
+                        <a:latin typeface="Cambria Math" panose="02040503050406030204" pitchFamily="18" charset="0"/>
+                      </a:rPr>
+                      <m:t>=</m:t>
+                    </m:r>
+                    <m:r>
+                      <a:rPr lang="en-US" sz="2000" i="1">
+                        <a:latin typeface="Cambria Math" panose="02040503050406030204" pitchFamily="18" charset="0"/>
+                      </a:rPr>
+                      <m:t>𝐾𝑥</m:t>
+                    </m:r>
+                    <m:r>
+                      <a:rPr lang="en-US" sz="2000" i="1">
+                        <a:latin typeface="Cambria Math" panose="02040503050406030204" pitchFamily="18" charset="0"/>
+                      </a:rPr>
+                      <m:t>+</m:t>
+                    </m:r>
+                    <m:sSub>
+                      <m:sSubPr>
+                        <m:ctrlPr>
+                          <a:rPr lang="en-US" sz="2000" i="1">
+                            <a:latin typeface="Cambria Math" panose="02040503050406030204" pitchFamily="18" charset="0"/>
+                          </a:rPr>
+                        </m:ctrlPr>
+                      </m:sSubPr>
+                      <m:e>
+                        <m:r>
+                          <a:rPr lang="en-US" sz="2000" i="1">
+                            <a:latin typeface="Cambria Math" panose="02040503050406030204" pitchFamily="18" charset="0"/>
+                          </a:rPr>
+                          <m:t>𝑟</m:t>
+                        </m:r>
+                      </m:e>
+                      <m:sub>
+                        <m:r>
+                          <a:rPr lang="en-US" sz="2000" i="1">
+                            <a:latin typeface="Cambria Math" panose="02040503050406030204" pitchFamily="18" charset="0"/>
+                          </a:rPr>
+                          <m:t>𝑤</m:t>
+                        </m:r>
+                      </m:sub>
+                    </m:sSub>
+                  </m:oMath>
+                </a14:m>
+                <a:endParaRPr lang="en-US" sz="2000" dirty="0"/>
+              </a:p>
+              <a:p>
+                <a:pPr lvl="1"/>
+                <a:r>
+                  <a:rPr lang="en-US" sz="1600" dirty="0"/>
+                  <a:t>Both Server and client computes shares of w’ which is later shared and combined by both.</a:t>
+                </a:r>
+              </a:p>
+              <a:p>
+                <a:r>
+                  <a:rPr lang="en-US" sz="2000" b="1" dirty="0"/>
+                  <a:t>Phase 3: </a:t>
+                </a:r>
+                <a:r>
+                  <a:rPr lang="en-US" sz="2000" dirty="0"/>
+                  <a:t>Client computes the output </a:t>
+                </a:r>
+                <a14:m>
+                  <m:oMath xmlns:m="http://schemas.openxmlformats.org/officeDocument/2006/math">
+                    <m:sSub>
+                      <m:sSubPr>
+                        <m:ctrlPr>
+                          <a:rPr lang="en-US" sz="2000" i="1" smtClean="0">
+                            <a:latin typeface="Cambria Math" panose="02040503050406030204" pitchFamily="18" charset="0"/>
+                          </a:rPr>
+                        </m:ctrlPr>
+                      </m:sSubPr>
+                      <m:e>
+                        <m:r>
+                          <a:rPr lang="en-US" sz="2000" b="0" i="1" smtClean="0">
+                            <a:latin typeface="Cambria Math" panose="02040503050406030204" pitchFamily="18" charset="0"/>
+                          </a:rPr>
+                          <m:t>𝐹</m:t>
+                        </m:r>
+                      </m:e>
+                      <m:sub>
+                        <m:r>
+                          <a:rPr lang="en-US" sz="2000" b="0" i="1" smtClean="0">
+                            <a:latin typeface="Cambria Math" panose="02040503050406030204" pitchFamily="18" charset="0"/>
+                          </a:rPr>
+                          <m:t>𝐾</m:t>
+                        </m:r>
+                      </m:sub>
+                    </m:sSub>
+                    <m:r>
+                      <a:rPr lang="en-US" sz="2000" b="0" i="1" smtClean="0">
+                        <a:latin typeface="Cambria Math" panose="02040503050406030204" pitchFamily="18" charset="0"/>
+                      </a:rPr>
+                      <m:t>(</m:t>
+                    </m:r>
+                    <m:r>
+                      <a:rPr lang="en-US" sz="2000" b="0" i="1" smtClean="0">
+                        <a:latin typeface="Cambria Math" panose="02040503050406030204" pitchFamily="18" charset="0"/>
+                      </a:rPr>
+                      <m:t>𝑥</m:t>
+                    </m:r>
+                    <m:r>
+                      <a:rPr lang="en-US" sz="2000" b="0" i="1" smtClean="0">
+                        <a:latin typeface="Cambria Math" panose="02040503050406030204" pitchFamily="18" charset="0"/>
+                      </a:rPr>
+                      <m:t>)</m:t>
+                    </m:r>
+                  </m:oMath>
+                </a14:m>
+                <a:endParaRPr lang="en-US" sz="2000" dirty="0"/>
+              </a:p>
+              <a:p>
+                <a:pPr lvl="1"/>
+                <a:r>
+                  <a:rPr lang="en-US" sz="1600" dirty="0"/>
+                  <a:t>Both server and client computes product of their shares and public randomization matrix </a:t>
+                </a:r>
+                <a14:m>
+                  <m:oMath xmlns:m="http://schemas.openxmlformats.org/officeDocument/2006/math">
+                    <m:sSub>
+                      <m:sSubPr>
+                        <m:ctrlPr>
+                          <a:rPr lang="en-US" sz="1600" b="1" i="1">
+                            <a:latin typeface="Cambria Math" panose="02040503050406030204" pitchFamily="18" charset="0"/>
+                          </a:rPr>
+                        </m:ctrlPr>
+                      </m:sSubPr>
+                      <m:e>
+                        <m:r>
+                          <a:rPr lang="en-US" sz="1600" b="1" i="1">
+                            <a:latin typeface="Cambria Math" panose="02040503050406030204" pitchFamily="18" charset="0"/>
+                          </a:rPr>
+                          <m:t>𝑹</m:t>
+                        </m:r>
+                      </m:e>
+                      <m:sub>
+                        <m:r>
+                          <a:rPr lang="en-US" sz="1600" b="1" i="1">
+                            <a:latin typeface="Cambria Math" panose="02040503050406030204" pitchFamily="18" charset="0"/>
+                          </a:rPr>
+                          <m:t>𝒎𝒂𝒕</m:t>
+                        </m:r>
+                      </m:sub>
+                    </m:sSub>
+                  </m:oMath>
+                </a14:m>
+                <a:endParaRPr lang="en-US" sz="1600" b="1" dirty="0"/>
+              </a:p>
+              <a:p>
+                <a:pPr lvl="1"/>
+                <a:r>
+                  <a:rPr lang="en-US" sz="1600" dirty="0"/>
+                  <a:t>Server sends its share to client and client computes the output </a:t>
+                </a:r>
+              </a:p>
+              <a:p>
+                <a:endParaRPr lang="en-US" dirty="0"/>
+              </a:p>
+            </p:txBody>
+          </p:sp>
+        </mc:Choice>
+        <mc:Fallback>
+          <p:sp>
+            <p:nvSpPr>
+              <p:cNvPr id="3" name="Content Placeholder 2">
+                <a:extLst>
+                  <a:ext uri="{FF2B5EF4-FFF2-40B4-BE49-F238E27FC236}">
+                    <a16:creationId xmlns:a16="http://schemas.microsoft.com/office/drawing/2014/main" id="{0008B78E-FCDE-AE4F-B09D-2A9B84BE5717}"/>
+                  </a:ext>
+                </a:extLst>
+              </p:cNvPr>
+              <p:cNvSpPr>
+                <a:spLocks noGrp="1" noRot="1" noChangeAspect="1" noMove="1" noResize="1" noEditPoints="1" noAdjustHandles="1" noChangeArrowheads="1" noChangeShapeType="1" noTextEdit="1"/>
+              </p:cNvSpPr>
+              <p:nvPr>
+                <p:ph idx="1"/>
+              </p:nvPr>
+            </p:nvSpPr>
+            <p:spPr>
+              <a:xfrm>
+                <a:off x="838200" y="1457634"/>
+                <a:ext cx="10515600" cy="4351338"/>
+              </a:xfrm>
+              <a:blipFill>
+                <a:blip r:embed="rId2"/>
+                <a:stretch>
+                  <a:fillRect l="-603" t="-1744" b="-15407"/>
+                </a:stretch>
+              </a:blipFill>
+            </p:spPr>
+            <p:txBody>
+              <a:bodyPr/>
+              <a:lstStyle/>
+              <a:p>
+                <a:r>
+                  <a:rPr lang="en-US">
+                    <a:noFill/>
+                  </a:rPr>
+                  <a:t> </a:t>
+                </a:r>
+              </a:p>
+            </p:txBody>
+          </p:sp>
+        </mc:Fallback>
+      </mc:AlternateContent>
     </p:spTree>
     <p:extLst>
       <p:ext uri="{BB962C8B-B14F-4D97-AF65-F5344CB8AC3E}">

--- a/Documents/writeup/paper/images/imageslide.pptx
+++ b/Documents/writeup/paper/images/imageslide.pptx
@@ -261,7 +261,7 @@
           <a:p>
             <a:fld id="{1629838D-6EB1-DF43-9A9D-BEB2CF4D714C}" type="datetimeFigureOut">
               <a:rPr lang="en-US" smtClean="0"/>
-              <a:t>1/7/21</a:t>
+              <a:t>1/8/21</a:t>
             </a:fld>
             <a:endParaRPr lang="en-US"/>
           </a:p>
@@ -459,7 +459,7 @@
           <a:p>
             <a:fld id="{1629838D-6EB1-DF43-9A9D-BEB2CF4D714C}" type="datetimeFigureOut">
               <a:rPr lang="en-US" smtClean="0"/>
-              <a:t>1/7/21</a:t>
+              <a:t>1/8/21</a:t>
             </a:fld>
             <a:endParaRPr lang="en-US"/>
           </a:p>
@@ -667,7 +667,7 @@
           <a:p>
             <a:fld id="{1629838D-6EB1-DF43-9A9D-BEB2CF4D714C}" type="datetimeFigureOut">
               <a:rPr lang="en-US" smtClean="0"/>
-              <a:t>1/7/21</a:t>
+              <a:t>1/8/21</a:t>
             </a:fld>
             <a:endParaRPr lang="en-US"/>
           </a:p>
@@ -865,7 +865,7 @@
           <a:p>
             <a:fld id="{1629838D-6EB1-DF43-9A9D-BEB2CF4D714C}" type="datetimeFigureOut">
               <a:rPr lang="en-US" smtClean="0"/>
-              <a:t>1/7/21</a:t>
+              <a:t>1/8/21</a:t>
             </a:fld>
             <a:endParaRPr lang="en-US"/>
           </a:p>
@@ -1140,7 +1140,7 @@
           <a:p>
             <a:fld id="{1629838D-6EB1-DF43-9A9D-BEB2CF4D714C}" type="datetimeFigureOut">
               <a:rPr lang="en-US" smtClean="0"/>
-              <a:t>1/7/21</a:t>
+              <a:t>1/8/21</a:t>
             </a:fld>
             <a:endParaRPr lang="en-US"/>
           </a:p>
@@ -1405,7 +1405,7 @@
           <a:p>
             <a:fld id="{1629838D-6EB1-DF43-9A9D-BEB2CF4D714C}" type="datetimeFigureOut">
               <a:rPr lang="en-US" smtClean="0"/>
-              <a:t>1/7/21</a:t>
+              <a:t>1/8/21</a:t>
             </a:fld>
             <a:endParaRPr lang="en-US"/>
           </a:p>
@@ -1817,7 +1817,7 @@
           <a:p>
             <a:fld id="{1629838D-6EB1-DF43-9A9D-BEB2CF4D714C}" type="datetimeFigureOut">
               <a:rPr lang="en-US" smtClean="0"/>
-              <a:t>1/7/21</a:t>
+              <a:t>1/8/21</a:t>
             </a:fld>
             <a:endParaRPr lang="en-US"/>
           </a:p>
@@ -1958,7 +1958,7 @@
           <a:p>
             <a:fld id="{1629838D-6EB1-DF43-9A9D-BEB2CF4D714C}" type="datetimeFigureOut">
               <a:rPr lang="en-US" smtClean="0"/>
-              <a:t>1/7/21</a:t>
+              <a:t>1/8/21</a:t>
             </a:fld>
             <a:endParaRPr lang="en-US"/>
           </a:p>
@@ -2071,7 +2071,7 @@
           <a:p>
             <a:fld id="{1629838D-6EB1-DF43-9A9D-BEB2CF4D714C}" type="datetimeFigureOut">
               <a:rPr lang="en-US" smtClean="0"/>
-              <a:t>1/7/21</a:t>
+              <a:t>1/8/21</a:t>
             </a:fld>
             <a:endParaRPr lang="en-US"/>
           </a:p>
@@ -2382,7 +2382,7 @@
           <a:p>
             <a:fld id="{1629838D-6EB1-DF43-9A9D-BEB2CF4D714C}" type="datetimeFigureOut">
               <a:rPr lang="en-US" smtClean="0"/>
-              <a:t>1/7/21</a:t>
+              <a:t>1/8/21</a:t>
             </a:fld>
             <a:endParaRPr lang="en-US"/>
           </a:p>
@@ -2670,7 +2670,7 @@
           <a:p>
             <a:fld id="{1629838D-6EB1-DF43-9A9D-BEB2CF4D714C}" type="datetimeFigureOut">
               <a:rPr lang="en-US" smtClean="0"/>
-              <a:t>1/7/21</a:t>
+              <a:t>1/8/21</a:t>
             </a:fld>
             <a:endParaRPr lang="en-US"/>
           </a:p>
@@ -2911,7 +2911,7 @@
           <a:p>
             <a:fld id="{1629838D-6EB1-DF43-9A9D-BEB2CF4D714C}" type="datetimeFigureOut">
               <a:rPr lang="en-US" smtClean="0"/>
-              <a:t>1/7/21</a:t>
+              <a:t>1/8/21</a:t>
             </a:fld>
             <a:endParaRPr lang="en-US"/>
           </a:p>
@@ -3455,7 +3455,7 @@
                             <a:latin typeface="Cambria Math" panose="02040503050406030204" pitchFamily="18" charset="0"/>
                             <a:ea typeface="Cambria Math" panose="02040503050406030204" pitchFamily="18" charset="0"/>
                           </a:rPr>
-                          <m:t>×</m:t>
+                          <m:t> × </m:t>
                         </m:r>
                         <m:r>
                           <a:rPr lang="en-US" sz="1600" b="1" i="1" smtClean="0">
@@ -3620,7 +3620,7 @@
                             <a:latin typeface="Cambria Math" panose="02040503050406030204" pitchFamily="18" charset="0"/>
                             <a:ea typeface="Cambria Math" panose="02040503050406030204" pitchFamily="18" charset="0"/>
                           </a:rPr>
-                          <m:t>×</m:t>
+                          <m:t> × </m:t>
                         </m:r>
                         <m:r>
                           <a:rPr lang="en-US" sz="1600" b="1" i="1" smtClean="0">
@@ -3664,32 +3664,79 @@
                             </m:ctrlPr>
                           </m:dPr>
                           <m:e>
+                            <m:d>
+                              <m:dPr>
+                                <m:ctrlPr>
+                                  <a:rPr lang="en-US" sz="1600" b="1" i="1" smtClean="0">
+                                    <a:latin typeface="Cambria Math" panose="02040503050406030204" pitchFamily="18" charset="0"/>
+                                  </a:rPr>
+                                </m:ctrlPr>
+                              </m:dPr>
+                              <m:e>
+                                <m:r>
+                                  <a:rPr lang="en-US" sz="1600" b="1" i="1" smtClean="0">
+                                    <a:latin typeface="Cambria Math" panose="02040503050406030204" pitchFamily="18" charset="0"/>
+                                  </a:rPr>
+                                  <m:t>𝑲</m:t>
+                                </m:r>
+                                <m:r>
+                                  <a:rPr lang="en-US" sz="1600" b="1" i="1" smtClean="0">
+                                    <a:latin typeface="Cambria Math" panose="02040503050406030204" pitchFamily="18" charset="0"/>
+                                  </a:rPr>
+                                  <m:t>⋅</m:t>
+                                </m:r>
+                                <m:r>
+                                  <a:rPr lang="en-US" sz="1600" b="1" i="1" smtClean="0">
+                                    <a:latin typeface="Cambria Math" panose="02040503050406030204" pitchFamily="18" charset="0"/>
+                                  </a:rPr>
+                                  <m:t> </m:t>
+                                </m:r>
+                                <m:r>
+                                  <a:rPr lang="en-US" sz="1600" b="1" i="1" smtClean="0">
+                                    <a:latin typeface="Cambria Math" panose="02040503050406030204" pitchFamily="18" charset="0"/>
+                                  </a:rPr>
+                                  <m:t>𝒙</m:t>
+                                </m:r>
+                              </m:e>
+                            </m:d>
                             <m:r>
                               <a:rPr lang="en-US" sz="1600" b="1" i="1" smtClean="0">
                                 <a:latin typeface="Cambria Math" panose="02040503050406030204" pitchFamily="18" charset="0"/>
                               </a:rPr>
-                              <m:t>𝑲</m:t>
+                              <m:t> </m:t>
                             </m:r>
                             <m:r>
                               <a:rPr lang="en-US" sz="1600" b="1" i="1" smtClean="0">
                                 <a:latin typeface="Cambria Math" panose="02040503050406030204" pitchFamily="18" charset="0"/>
                               </a:rPr>
-                              <m:t> × </m:t>
+                              <m:t>𝒎𝒐𝒅</m:t>
                             </m:r>
                             <m:r>
                               <a:rPr lang="en-US" sz="1600" b="1" i="1" smtClean="0">
                                 <a:latin typeface="Cambria Math" panose="02040503050406030204" pitchFamily="18" charset="0"/>
                               </a:rPr>
-                              <m:t>𝒙</m:t>
+                              <m:t> </m:t>
+                            </m:r>
+                            <m:r>
+                              <a:rPr lang="en-US" sz="1600" b="1" i="1" smtClean="0">
+                                <a:latin typeface="Cambria Math" panose="02040503050406030204" pitchFamily="18" charset="0"/>
+                              </a:rPr>
+                              <m:t>𝟐</m:t>
                             </m:r>
                           </m:e>
                         </m:d>
                         <m:r>
                           <a:rPr lang="en-US" sz="1600" b="1" i="1" smtClean="0">
                             <a:latin typeface="Cambria Math" panose="02040503050406030204" pitchFamily="18" charset="0"/>
-                            <a:ea typeface="Cambria Math" panose="02040503050406030204" pitchFamily="18" charset="0"/>
-                          </a:rPr>
-                          <m:t>× </m:t>
+                          </a:rPr>
+                          <m:t>⋅</m:t>
+                        </m:r>
+                        <m:r>
+                          <a:rPr lang="en-US" sz="1600" b="1" i="1" smtClean="0">
+                            <a:latin typeface="Cambria Math" panose="02040503050406030204" pitchFamily="18" charset="0"/>
+                            <a:ea typeface="Cambria Math" panose="02040503050406030204" pitchFamily="18" charset="0"/>
+                          </a:rPr>
+                          <m:t> </m:t>
                         </m:r>
                         <m:sSub>
                           <m:sSubPr>
@@ -3790,7 +3837,13 @@
                       <a:rPr lang="en-US" sz="2000" b="1" i="1" smtClean="0">
                         <a:latin typeface="Cambria Math" panose="02040503050406030204" pitchFamily="18" charset="0"/>
                       </a:rPr>
-                      <m:t> × </m:t>
+                      <m:t>⋅</m:t>
+                    </m:r>
+                    <m:r>
+                      <a:rPr lang="en-US" sz="2000" b="1" i="1" smtClean="0">
+                        <a:latin typeface="Cambria Math" panose="02040503050406030204" pitchFamily="18" charset="0"/>
+                      </a:rPr>
+                      <m:t> </m:t>
                     </m:r>
                     <m:r>
                       <a:rPr lang="en-US" sz="2000" b="1" i="1" smtClean="0">
@@ -3848,6 +3901,12 @@
                         </m:ctrlPr>
                       </m:sSubPr>
                       <m:e>
+                        <m:r>
+                          <a:rPr lang="en-US" sz="1600" b="0" i="1" smtClean="0">
+                            <a:latin typeface="Cambria Math" panose="02040503050406030204" pitchFamily="18" charset="0"/>
+                          </a:rPr>
+                          <m:t>⋅</m:t>
+                        </m:r>
                         <m:r>
                           <a:rPr lang="en-US" sz="1600" b="0" i="1" smtClean="0">
                             <a:latin typeface="Cambria Math" panose="02040503050406030204" pitchFamily="18" charset="0"/>
@@ -3895,6 +3954,12 @@
                         </m:r>
                       </m:sub>
                     </m:sSub>
+                    <m:r>
+                      <a:rPr lang="en-US" sz="1600" b="0" i="1" smtClean="0">
+                        <a:latin typeface="Cambria Math" panose="02040503050406030204" pitchFamily="18" charset="0"/>
+                      </a:rPr>
+                      <m:t>⋅</m:t>
+                    </m:r>
                     <m:sSub>
                       <m:sSubPr>
                         <m:ctrlPr>
@@ -3966,6 +4031,12 @@
                         </m:ctrlPr>
                       </m:sSubPr>
                       <m:e>
+                        <m:r>
+                          <a:rPr lang="en-US" sz="1600" b="0" i="1" smtClean="0">
+                            <a:latin typeface="Cambria Math" panose="02040503050406030204" pitchFamily="18" charset="0"/>
+                          </a:rPr>
+                          <m:t>⋅</m:t>
+                        </m:r>
                         <m:r>
                           <a:rPr lang="en-US" sz="1600" b="0" i="1" smtClean="0">
                             <a:latin typeface="Cambria Math" panose="02040503050406030204" pitchFamily="18" charset="0"/>
@@ -4181,8 +4252,8 @@
           </a:p>
         </p:txBody>
       </p:sp>
-      <mc:AlternateContent xmlns:mc="http://schemas.openxmlformats.org/markup-compatibility/2006">
-        <mc:Choice xmlns:a14="http://schemas.microsoft.com/office/drawing/2010/main" Requires="a14">
+      <mc:AlternateContent xmlns:mc="http://schemas.openxmlformats.org/markup-compatibility/2006" xmlns:a14="http://schemas.microsoft.com/office/drawing/2010/main">
+        <mc:Choice Requires="a14">
           <p:sp>
             <p:nvSpPr>
               <p:cNvPr id="3" name="Content Placeholder 2">
@@ -5447,7 +5518,7 @@
             </p:txBody>
           </p:sp>
         </mc:Choice>
-        <mc:Fallback>
+        <mc:Fallback xmlns="">
           <p:sp>
             <p:nvSpPr>
               <p:cNvPr id="3" name="Content Placeholder 2">
@@ -5575,7 +5646,9 @@
               </a:xfrm>
             </p:spPr>
             <p:txBody>
-              <a:bodyPr/>
+              <a:bodyPr>
+                <a:normAutofit fontScale="92500" lnSpcReduction="20000"/>
+              </a:bodyPr>
               <a:lstStyle/>
               <a:p>
                 <a:r>
@@ -5980,6 +6053,7 @@
                       <m:sSubPr>
                         <m:ctrlPr>
                           <a:rPr lang="en-US" sz="1600" i="1" smtClean="0">
+                            <a:latin typeface="Cambria Math" panose="02040503050406030204" pitchFamily="18" charset="0"/>
                             <a:ea typeface="Cambria Math" panose="02040503050406030204" pitchFamily="18" charset="0"/>
                           </a:rPr>
                         </m:ctrlPr>
@@ -5987,6 +6061,7 @@
                       <m:e>
                         <m:r>
                           <a:rPr lang="en-US" sz="1600" b="0" i="1" smtClean="0">
+                            <a:latin typeface="Cambria Math" panose="02040503050406030204" pitchFamily="18" charset="0"/>
                             <a:ea typeface="Cambria Math" panose="02040503050406030204" pitchFamily="18" charset="0"/>
                           </a:rPr>
                           <m:t>𝑟</m:t>
@@ -5995,6 +6070,7 @@
                       <m:sub>
                         <m:r>
                           <a:rPr lang="en-US" sz="1600" b="0" i="1" smtClean="0">
+                            <a:latin typeface="Cambria Math" panose="02040503050406030204" pitchFamily="18" charset="0"/>
                             <a:ea typeface="Cambria Math" panose="02040503050406030204" pitchFamily="18" charset="0"/>
                           </a:rPr>
                           <m:t>𝑞</m:t>
@@ -6038,6 +6114,7 @@
                     </m:sSub>
                     <m:r>
                       <a:rPr lang="en-US" sz="1600" i="1">
+                        <a:latin typeface="Cambria Math" panose="02040503050406030204" pitchFamily="18" charset="0"/>
                         <a:ea typeface="Cambria Math" panose="02040503050406030204" pitchFamily="18" charset="0"/>
                       </a:rPr>
                       <m:t>∈</m:t>
@@ -6046,6 +6123,7 @@
                       <m:sSubSupPr>
                         <m:ctrlPr>
                           <a:rPr lang="en-US" sz="1600" b="1" i="1">
+                            <a:latin typeface="Cambria Math" panose="02040503050406030204" pitchFamily="18" charset="0"/>
                             <a:ea typeface="Cambria Math" panose="02040503050406030204" pitchFamily="18" charset="0"/>
                           </a:rPr>
                         </m:ctrlPr>
@@ -6053,6 +6131,7 @@
                       <m:e>
                         <m:r>
                           <a:rPr lang="en-US" sz="1600" b="1" i="1">
+                            <a:latin typeface="Cambria Math" panose="02040503050406030204" pitchFamily="18" charset="0"/>
                             <a:ea typeface="Cambria Math" panose="02040503050406030204" pitchFamily="18" charset="0"/>
                           </a:rPr>
                           <m:t>ℤ</m:t>
@@ -6061,6 +6140,7 @@
                       <m:sub>
                         <m:r>
                           <a:rPr lang="en-US" sz="1600" b="1" i="1">
+                            <a:latin typeface="Cambria Math" panose="02040503050406030204" pitchFamily="18" charset="0"/>
                             <a:ea typeface="Cambria Math" panose="02040503050406030204" pitchFamily="18" charset="0"/>
                           </a:rPr>
                           <m:t>𝟐</m:t>
@@ -6069,6 +6149,7 @@
                       <m:sup>
                         <m:r>
                           <a:rPr lang="en-US" sz="1600" b="1" i="1">
+                            <a:latin typeface="Cambria Math" panose="02040503050406030204" pitchFamily="18" charset="0"/>
                             <a:ea typeface="Cambria Math" panose="02040503050406030204" pitchFamily="18" charset="0"/>
                           </a:rPr>
                           <m:t>𝒏</m:t>
@@ -6077,18 +6158,21 @@
                     </m:sSubSup>
                     <m:r>
                       <a:rPr lang="en-US" sz="1600" b="1" i="1">
+                        <a:latin typeface="Cambria Math" panose="02040503050406030204" pitchFamily="18" charset="0"/>
                         <a:ea typeface="Cambria Math" panose="02040503050406030204" pitchFamily="18" charset="0"/>
                       </a:rPr>
                       <m:t> </m:t>
                     </m:r>
                     <m:r>
                       <a:rPr lang="en-US" sz="1600" i="1">
+                        <a:latin typeface="Cambria Math" panose="02040503050406030204" pitchFamily="18" charset="0"/>
                         <a:ea typeface="Cambria Math" panose="02040503050406030204" pitchFamily="18" charset="0"/>
                       </a:rPr>
                       <m:t>𝑎𝑛𝑑</m:t>
                     </m:r>
                     <m:r>
                       <a:rPr lang="en-US" sz="1600" i="1">
+                        <a:latin typeface="Cambria Math" panose="02040503050406030204" pitchFamily="18" charset="0"/>
                         <a:ea typeface="Cambria Math" panose="02040503050406030204" pitchFamily="18" charset="0"/>
                       </a:rPr>
                       <m:t> </m:t>
@@ -6097,6 +6181,7 @@
                       <m:sSubPr>
                         <m:ctrlPr>
                           <a:rPr lang="en-US" sz="1600" i="1">
+                            <a:latin typeface="Cambria Math" panose="02040503050406030204" pitchFamily="18" charset="0"/>
                             <a:ea typeface="Cambria Math" panose="02040503050406030204" pitchFamily="18" charset="0"/>
                           </a:rPr>
                         </m:ctrlPr>
@@ -6104,6 +6189,7 @@
                       <m:e>
                         <m:r>
                           <a:rPr lang="en-US" sz="1600" i="1">
+                            <a:latin typeface="Cambria Math" panose="02040503050406030204" pitchFamily="18" charset="0"/>
                             <a:ea typeface="Cambria Math" panose="02040503050406030204" pitchFamily="18" charset="0"/>
                           </a:rPr>
                           <m:t>𝑟</m:t>
@@ -6112,6 +6198,7 @@
                       <m:sub>
                         <m:r>
                           <a:rPr lang="en-US" sz="1600" i="1">
+                            <a:latin typeface="Cambria Math" panose="02040503050406030204" pitchFamily="18" charset="0"/>
                             <a:ea typeface="Cambria Math" panose="02040503050406030204" pitchFamily="18" charset="0"/>
                           </a:rPr>
                           <m:t>𝐾</m:t>
@@ -6120,6 +6207,7 @@
                     </m:sSub>
                     <m:r>
                       <a:rPr lang="en-US" sz="1600" b="1" i="1">
+                        <a:latin typeface="Cambria Math" panose="02040503050406030204" pitchFamily="18" charset="0"/>
                         <a:ea typeface="Cambria Math" panose="02040503050406030204" pitchFamily="18" charset="0"/>
                       </a:rPr>
                       <m:t>∈ </m:t>
@@ -6128,6 +6216,7 @@
                       <m:sSubSupPr>
                         <m:ctrlPr>
                           <a:rPr lang="en-US" sz="1600" b="1" i="1">
+                            <a:latin typeface="Cambria Math" panose="02040503050406030204" pitchFamily="18" charset="0"/>
                             <a:ea typeface="Cambria Math" panose="02040503050406030204" pitchFamily="18" charset="0"/>
                           </a:rPr>
                         </m:ctrlPr>
@@ -6135,6 +6224,7 @@
                       <m:e>
                         <m:r>
                           <a:rPr lang="en-US" sz="1600" b="1" i="1">
+                            <a:latin typeface="Cambria Math" panose="02040503050406030204" pitchFamily="18" charset="0"/>
                             <a:ea typeface="Cambria Math" panose="02040503050406030204" pitchFamily="18" charset="0"/>
                           </a:rPr>
                           <m:t>ℤ</m:t>
@@ -6143,6 +6233,7 @@
                       <m:sub>
                         <m:r>
                           <a:rPr lang="en-US" sz="1600" b="1" i="1">
+                            <a:latin typeface="Cambria Math" panose="02040503050406030204" pitchFamily="18" charset="0"/>
                             <a:ea typeface="Cambria Math" panose="02040503050406030204" pitchFamily="18" charset="0"/>
                           </a:rPr>
                           <m:t>𝟐</m:t>
@@ -6151,18 +6242,21 @@
                       <m:sup>
                         <m:r>
                           <a:rPr lang="en-US" sz="1600" b="1" i="1">
+                            <a:latin typeface="Cambria Math" panose="02040503050406030204" pitchFamily="18" charset="0"/>
                             <a:ea typeface="Cambria Math" panose="02040503050406030204" pitchFamily="18" charset="0"/>
                           </a:rPr>
                           <m:t>𝒎</m:t>
                         </m:r>
                         <m:r>
                           <a:rPr lang="en-US" sz="1600" b="1" i="1">
+                            <a:latin typeface="Cambria Math" panose="02040503050406030204" pitchFamily="18" charset="0"/>
                             <a:ea typeface="Cambria Math" panose="02040503050406030204" pitchFamily="18" charset="0"/>
                           </a:rPr>
                           <m:t>×</m:t>
                         </m:r>
                         <m:r>
                           <a:rPr lang="en-US" sz="1600" b="1" i="1">
+                            <a:latin typeface="Cambria Math" panose="02040503050406030204" pitchFamily="18" charset="0"/>
                             <a:ea typeface="Cambria Math" panose="02040503050406030204" pitchFamily="18" charset="0"/>
                           </a:rPr>
                           <m:t>𝒏</m:t>
@@ -6648,7 +6742,7 @@
               <a:blipFill>
                 <a:blip r:embed="rId2"/>
                 <a:stretch>
-                  <a:fillRect l="-603" t="-1744" b="-15407"/>
+                  <a:fillRect l="-483" t="-2326"/>
                 </a:stretch>
               </a:blipFill>
             </p:spPr>

--- a/Documents/writeup/paper/images/imageslide.pptx
+++ b/Documents/writeup/paper/images/imageslide.pptx
@@ -8,6 +8,7 @@
     <p:sldId id="1068" r:id="rId2"/>
     <p:sldId id="1069" r:id="rId3"/>
     <p:sldId id="1070" r:id="rId4"/>
+    <p:sldId id="1071" r:id="rId5"/>
   </p:sldIdLst>
   <p:sldSz cx="12192000" cy="6858000"/>
   <p:notesSz cx="6858000" cy="9144000"/>
@@ -4252,8 +4253,8 @@
           </a:p>
         </p:txBody>
       </p:sp>
-      <mc:AlternateContent xmlns:mc="http://schemas.openxmlformats.org/markup-compatibility/2006" xmlns:a14="http://schemas.microsoft.com/office/drawing/2010/main">
-        <mc:Choice Requires="a14">
+      <mc:AlternateContent xmlns:mc="http://schemas.openxmlformats.org/markup-compatibility/2006">
+        <mc:Choice xmlns:a14="http://schemas.microsoft.com/office/drawing/2010/main" Requires="a14">
           <p:sp>
             <p:nvSpPr>
               <p:cNvPr id="3" name="Content Placeholder 2">
@@ -4561,10 +4562,16 @@
                               <m:t>𝑲</m:t>
                             </m:r>
                             <m:r>
+                              <a:rPr lang="en-US" sz="1600" b="1" i="1" smtClean="0">
+                                <a:latin typeface="Cambria Math" panose="02040503050406030204" pitchFamily="18" charset="0"/>
+                              </a:rPr>
+                              <m:t>⋅</m:t>
+                            </m:r>
+                            <m:r>
                               <a:rPr lang="en-US" sz="1600" b="1" i="1">
                                 <a:latin typeface="Cambria Math" panose="02040503050406030204" pitchFamily="18" charset="0"/>
                               </a:rPr>
-                              <m:t> × </m:t>
+                              <m:t> </m:t>
                             </m:r>
                             <m:r>
                               <a:rPr lang="en-US" sz="1600" b="1" i="1">
@@ -4575,11 +4582,17 @@
                           </m:e>
                         </m:d>
                         <m:r>
-                          <a:rPr lang="en-US" sz="1600" b="1" i="1">
-                            <a:latin typeface="Cambria Math" panose="02040503050406030204" pitchFamily="18" charset="0"/>
-                            <a:ea typeface="Cambria Math" panose="02040503050406030204" pitchFamily="18" charset="0"/>
-                          </a:rPr>
-                          <m:t>× </m:t>
+                          <a:rPr lang="en-US" sz="1600" b="1" i="1" smtClean="0">
+                            <a:latin typeface="Cambria Math" panose="02040503050406030204" pitchFamily="18" charset="0"/>
+                          </a:rPr>
+                          <m:t>⋅</m:t>
+                        </m:r>
+                        <m:r>
+                          <a:rPr lang="en-US" sz="1600" b="1" i="1">
+                            <a:latin typeface="Cambria Math" panose="02040503050406030204" pitchFamily="18" charset="0"/>
+                            <a:ea typeface="Cambria Math" panose="02040503050406030204" pitchFamily="18" charset="0"/>
+                          </a:rPr>
+                          <m:t> </m:t>
                         </m:r>
                         <m:sSub>
                           <m:sSubPr>
@@ -5106,7 +5119,19 @@
                       <a:rPr lang="en-US" sz="2000" b="1" i="1" smtClean="0">
                         <a:latin typeface="Cambria Math" panose="02040503050406030204" pitchFamily="18" charset="0"/>
                       </a:rPr>
-                      <m:t>𝑲𝒙</m:t>
+                      <m:t>𝑲</m:t>
+                    </m:r>
+                    <m:r>
+                      <a:rPr lang="en-US" sz="2000" b="1" i="1" smtClean="0">
+                        <a:latin typeface="Cambria Math" panose="02040503050406030204" pitchFamily="18" charset="0"/>
+                      </a:rPr>
+                      <m:t>⋅</m:t>
+                    </m:r>
+                    <m:r>
+                      <a:rPr lang="en-US" sz="2000" b="1" i="1" smtClean="0">
+                        <a:latin typeface="Cambria Math" panose="02040503050406030204" pitchFamily="18" charset="0"/>
+                      </a:rPr>
+                      <m:t>𝒙</m:t>
                     </m:r>
                     <m:r>
                       <a:rPr lang="en-US" sz="2000" b="1" i="1" smtClean="0">
@@ -5193,6 +5218,12 @@
                         </m:ctrlPr>
                       </m:sSubPr>
                       <m:e>
+                        <m:r>
+                          <a:rPr lang="en-US" sz="1600" b="0" i="1" smtClean="0">
+                            <a:latin typeface="Cambria Math" panose="02040503050406030204" pitchFamily="18" charset="0"/>
+                          </a:rPr>
+                          <m:t>⋅</m:t>
+                        </m:r>
                         <m:r>
                           <a:rPr lang="en-US" sz="1600" b="0" i="1" smtClean="0">
                             <a:latin typeface="Cambria Math" panose="02040503050406030204" pitchFamily="18" charset="0"/>
@@ -5365,7 +5396,13 @@
                       <a:rPr lang="en-US" sz="1600" b="0" i="1" smtClean="0">
                         <a:latin typeface="Cambria Math" panose="02040503050406030204" pitchFamily="18" charset="0"/>
                       </a:rPr>
-                      <m:t>∗ </m:t>
+                      <m:t>⋅</m:t>
+                    </m:r>
+                    <m:r>
+                      <a:rPr lang="en-US" sz="1600" b="0" i="1" smtClean="0">
+                        <a:latin typeface="Cambria Math" panose="02040503050406030204" pitchFamily="18" charset="0"/>
+                      </a:rPr>
+                      <m:t> </m:t>
                     </m:r>
                     <m:sSub>
                       <m:sSubPr>
@@ -5512,13 +5549,13 @@
                 <a:pPr lvl="1"/>
                 <a:r>
                   <a:rPr lang="en-US" sz="1600" dirty="0"/>
-                  <a:t>These product are shared among the parties and final output is obtained by adding the shares</a:t>
+                  <a:t>These products are shared among the parties and final output is obtained by adding the shares</a:t>
                 </a:r>
               </a:p>
             </p:txBody>
           </p:sp>
         </mc:Choice>
-        <mc:Fallback xmlns="">
+        <mc:Fallback>
           <p:sp>
             <p:nvSpPr>
               <p:cNvPr id="3" name="Content Placeholder 2">
@@ -6765,6 +6802,147 @@
     <p:extLst>
       <p:ext uri="{BB962C8B-B14F-4D97-AF65-F5344CB8AC3E}">
         <p14:creationId xmlns:p14="http://schemas.microsoft.com/office/powerpoint/2010/main" val="2444997063"/>
+      </p:ext>
+    </p:extLst>
+  </p:cSld>
+  <p:clrMapOvr>
+    <a:masterClrMapping/>
+  </p:clrMapOvr>
+</p:sld>
+</file>
+
+<file path=ppt/slides/slide4.xml><?xml version="1.0" encoding="utf-8"?>
+<p:sld xmlns:a="http://schemas.openxmlformats.org/drawingml/2006/main" xmlns:r="http://schemas.openxmlformats.org/officeDocument/2006/relationships" xmlns:p="http://schemas.openxmlformats.org/presentationml/2006/main">
+  <p:cSld>
+    <p:spTree>
+      <p:nvGrpSpPr>
+        <p:cNvPr id="1" name=""/>
+        <p:cNvGrpSpPr/>
+        <p:nvPr/>
+      </p:nvGrpSpPr>
+      <p:grpSpPr>
+        <a:xfrm>
+          <a:off x="0" y="0"/>
+          <a:ext cx="0" cy="0"/>
+          <a:chOff x="0" y="0"/>
+          <a:chExt cx="0" cy="0"/>
+        </a:xfrm>
+      </p:grpSpPr>
+      <p:sp>
+        <p:nvSpPr>
+          <p:cNvPr id="2" name="Title 1">
+            <a:extLst>
+              <a:ext uri="{FF2B5EF4-FFF2-40B4-BE49-F238E27FC236}">
+                <a16:creationId xmlns:a16="http://schemas.microsoft.com/office/drawing/2014/main" id="{7E12346D-FAE7-BA4F-83FF-36293B1A2F09}"/>
+              </a:ext>
+            </a:extLst>
+          </p:cNvPr>
+          <p:cNvSpPr>
+            <a:spLocks noGrp="1"/>
+          </p:cNvSpPr>
+          <p:nvPr>
+            <p:ph type="title"/>
+          </p:nvPr>
+        </p:nvSpPr>
+        <p:spPr/>
+        <p:txBody>
+          <a:bodyPr/>
+          <a:lstStyle/>
+          <a:p>
+            <a:endParaRPr lang="en-US"/>
+          </a:p>
+        </p:txBody>
+      </p:sp>
+      <mc:AlternateContent xmlns:mc="http://schemas.openxmlformats.org/markup-compatibility/2006">
+        <mc:Choice xmlns:a14="http://schemas.microsoft.com/office/drawing/2010/main" Requires="a14">
+          <p:sp>
+            <p:nvSpPr>
+              <p:cNvPr id="3" name="Content Placeholder 2">
+                <a:extLst>
+                  <a:ext uri="{FF2B5EF4-FFF2-40B4-BE49-F238E27FC236}">
+                    <a16:creationId xmlns:a16="http://schemas.microsoft.com/office/drawing/2014/main" id="{84182350-9DA4-B643-ACBA-4BBA677BF5F7}"/>
+                  </a:ext>
+                </a:extLst>
+              </p:cNvPr>
+              <p:cNvSpPr>
+                <a:spLocks noGrp="1"/>
+              </p:cNvSpPr>
+              <p:nvPr>
+                <p:ph idx="1"/>
+              </p:nvPr>
+            </p:nvSpPr>
+            <p:spPr/>
+            <p:txBody>
+              <a:bodyPr/>
+              <a:lstStyle/>
+              <a:p>
+                <a14:m>
+                  <m:oMath xmlns:m="http://schemas.openxmlformats.org/officeDocument/2006/math">
+                    <m:r>
+                      <a:rPr lang="en-US" i="1" smtClean="0">
+                        <a:latin typeface="Cambria Math" panose="02040503050406030204" pitchFamily="18" charset="0"/>
+                        <a:ea typeface="Cambria Math" panose="02040503050406030204" pitchFamily="18" charset="0"/>
+                      </a:rPr>
+                      <m:t> ~</m:t>
+                    </m:r>
+                    <m:r>
+                      <a:rPr lang="en-US" b="0" i="1" smtClean="0">
+                        <a:latin typeface="Cambria Math" panose="02040503050406030204" pitchFamily="18" charset="0"/>
+                        <a:ea typeface="Cambria Math" panose="02040503050406030204" pitchFamily="18" charset="0"/>
+                      </a:rPr>
+                      <m:t>𝐴</m:t>
+                    </m:r>
+                  </m:oMath>
+                </a14:m>
+                <a:endParaRPr lang="en-US" dirty="0"/>
+              </a:p>
+            </p:txBody>
+          </p:sp>
+        </mc:Choice>
+        <mc:Fallback>
+          <p:sp>
+            <p:nvSpPr>
+              <p:cNvPr id="3" name="Content Placeholder 2">
+                <a:extLst>
+                  <a:ext uri="{FF2B5EF4-FFF2-40B4-BE49-F238E27FC236}">
+                    <a16:creationId xmlns:a16="http://schemas.microsoft.com/office/drawing/2014/main" id="{84182350-9DA4-B643-ACBA-4BBA677BF5F7}"/>
+                  </a:ext>
+                </a:extLst>
+              </p:cNvPr>
+              <p:cNvSpPr>
+                <a:spLocks noGrp="1" noRot="1" noChangeAspect="1" noMove="1" noResize="1" noEditPoints="1" noAdjustHandles="1" noChangeArrowheads="1" noChangeShapeType="1" noTextEdit="1"/>
+              </p:cNvSpPr>
+              <p:nvPr>
+                <p:ph idx="1"/>
+              </p:nvPr>
+            </p:nvSpPr>
+            <p:spPr>
+              <a:blipFill>
+                <a:blip r:embed="rId2"/>
+                <a:stretch>
+                  <a:fillRect l="-1086" t="-1453"/>
+                </a:stretch>
+              </a:blipFill>
+            </p:spPr>
+            <p:txBody>
+              <a:bodyPr/>
+              <a:lstStyle/>
+              <a:p>
+                <a:r>
+                  <a:rPr lang="en-US">
+                    <a:noFill/>
+                  </a:rPr>
+                  <a:t> </a:t>
+                </a:r>
+              </a:p>
+            </p:txBody>
+          </p:sp>
+        </mc:Fallback>
+      </mc:AlternateContent>
+    </p:spTree>
+    <p:extLst>
+      <p:ext uri="{BB962C8B-B14F-4D97-AF65-F5344CB8AC3E}">
+        <p14:creationId xmlns:p14="http://schemas.microsoft.com/office/powerpoint/2010/main" val="2146455078"/>
       </p:ext>
     </p:extLst>
   </p:cSld>

--- a/Documents/writeup/paper/images/imageslide.pptx
+++ b/Documents/writeup/paper/images/imageslide.pptx
@@ -9,6 +9,7 @@
     <p:sldId id="1069" r:id="rId3"/>
     <p:sldId id="1070" r:id="rId4"/>
     <p:sldId id="1071" r:id="rId5"/>
+    <p:sldId id="1072" r:id="rId6"/>
   </p:sldIdLst>
   <p:sldSz cx="12192000" cy="6858000"/>
   <p:notesSz cx="6858000" cy="9144000"/>
@@ -3347,11 +3348,13 @@
         </p:nvSpPr>
         <p:spPr/>
         <p:txBody>
-          <a:bodyPr/>
+          <a:bodyPr>
+            <a:normAutofit/>
+          </a:bodyPr>
           <a:lstStyle/>
           <a:p>
             <a:r>
-              <a:rPr lang="en-US" dirty="0"/>
+              <a:rPr lang="en-US" sz="4000" dirty="0"/>
               <a:t>wPRF(TCC’18)</a:t>
             </a:r>
           </a:p>
@@ -3383,34 +3386,34 @@
               <a:lstStyle/>
               <a:p>
                 <a:r>
-                  <a:rPr lang="en-US" sz="2000" b="1" i="0" dirty="0"/>
+                  <a:rPr lang="en-US" sz="2400" b="1" i="0" dirty="0"/>
                   <a:t>Input: </a:t>
                 </a:r>
               </a:p>
               <a:p>
                 <a:pPr lvl="1"/>
                 <a:r>
-                  <a:rPr lang="en-US" sz="1600" i="0" dirty="0"/>
+                  <a:rPr lang="en-US" sz="1800" i="0" dirty="0"/>
                   <a:t>Private shares of </a:t>
                 </a:r>
                 <a:r>
-                  <a:rPr lang="en-US" sz="1600" dirty="0"/>
+                  <a:rPr lang="en-US" sz="1800" dirty="0"/>
                   <a:t>Key matrix</a:t>
                 </a:r>
                 <a:r>
-                  <a:rPr lang="en-US" sz="1600" b="1" dirty="0"/>
+                  <a:rPr lang="en-US" sz="1800" b="1" dirty="0"/>
                   <a:t> </a:t>
                 </a:r>
                 <a14:m>
                   <m:oMath xmlns:m="http://schemas.openxmlformats.org/officeDocument/2006/math">
                     <m:r>
-                      <a:rPr lang="en-US" sz="1600" b="1" i="1" smtClean="0">
+                      <a:rPr lang="en-US" sz="1800" b="1" i="1" smtClean="0">
                         <a:latin typeface="Cambria Math" panose="02040503050406030204" pitchFamily="18" charset="0"/>
                       </a:rPr>
                       <m:t>𝑲</m:t>
                     </m:r>
                     <m:r>
-                      <a:rPr lang="en-US" sz="1600" b="1" i="1" smtClean="0">
+                      <a:rPr lang="en-US" sz="1800" b="1" i="1" smtClean="0">
                         <a:latin typeface="Cambria Math" panose="02040503050406030204" pitchFamily="18" charset="0"/>
                         <a:ea typeface="Cambria Math" panose="02040503050406030204" pitchFamily="18" charset="0"/>
                       </a:rPr>
@@ -3419,7 +3422,7 @@
                     <m:sSubSup>
                       <m:sSubSupPr>
                         <m:ctrlPr>
-                          <a:rPr lang="en-US" sz="1600" b="1" i="1" smtClean="0">
+                          <a:rPr lang="en-US" sz="1800" b="1" i="1" smtClean="0">
                             <a:latin typeface="Cambria Math" panose="02040503050406030204" pitchFamily="18" charset="0"/>
                             <a:ea typeface="Cambria Math" panose="02040503050406030204" pitchFamily="18" charset="0"/>
                           </a:rPr>
@@ -3427,7 +3430,7 @@
                       </m:sSubSupPr>
                       <m:e>
                         <m:r>
-                          <a:rPr lang="en-US" sz="1600" b="1" i="1" smtClean="0">
+                          <a:rPr lang="en-US" sz="1800" b="1" i="1" smtClean="0">
                             <a:latin typeface="Cambria Math" panose="02040503050406030204" pitchFamily="18" charset="0"/>
                             <a:ea typeface="Cambria Math" panose="02040503050406030204" pitchFamily="18" charset="0"/>
                           </a:rPr>
@@ -3436,7 +3439,7 @@
                       </m:e>
                       <m:sub>
                         <m:r>
-                          <a:rPr lang="en-US" sz="1600" b="1" i="1" smtClean="0">
+                          <a:rPr lang="en-US" sz="1800" b="1" i="1" smtClean="0">
                             <a:latin typeface="Cambria Math" panose="02040503050406030204" pitchFamily="18" charset="0"/>
                             <a:ea typeface="Cambria Math" panose="02040503050406030204" pitchFamily="18" charset="0"/>
                           </a:rPr>
@@ -3445,21 +3448,21 @@
                       </m:sub>
                       <m:sup>
                         <m:r>
-                          <a:rPr lang="en-US" sz="1600" b="1" i="1" smtClean="0">
+                          <a:rPr lang="en-US" sz="1800" b="1" i="1" smtClean="0">
                             <a:latin typeface="Cambria Math" panose="02040503050406030204" pitchFamily="18" charset="0"/>
                             <a:ea typeface="Cambria Math" panose="02040503050406030204" pitchFamily="18" charset="0"/>
                           </a:rPr>
                           <m:t>𝒎</m:t>
                         </m:r>
                         <m:r>
-                          <a:rPr lang="en-US" sz="1600" b="1" i="1" smtClean="0">
+                          <a:rPr lang="en-US" sz="1800" b="1" i="1" smtClean="0">
                             <a:latin typeface="Cambria Math" panose="02040503050406030204" pitchFamily="18" charset="0"/>
                             <a:ea typeface="Cambria Math" panose="02040503050406030204" pitchFamily="18" charset="0"/>
                           </a:rPr>
                           <m:t> × </m:t>
                         </m:r>
                         <m:r>
-                          <a:rPr lang="en-US" sz="1600" b="1" i="1" smtClean="0">
+                          <a:rPr lang="en-US" sz="1800" b="1" i="1" smtClean="0">
                             <a:latin typeface="Cambria Math" panose="02040503050406030204" pitchFamily="18" charset="0"/>
                             <a:ea typeface="Cambria Math" panose="02040503050406030204" pitchFamily="18" charset="0"/>
                           </a:rPr>
@@ -3470,23 +3473,23 @@
                   </m:oMath>
                 </a14:m>
                 <a:r>
-                  <a:rPr lang="en-US" sz="1600" b="1" dirty="0"/>
+                  <a:rPr lang="en-US" sz="1800" b="1" dirty="0"/>
                   <a:t> </a:t>
                 </a:r>
                 <a:r>
-                  <a:rPr lang="en-US" sz="1600" dirty="0"/>
+                  <a:rPr lang="en-US" sz="1800" dirty="0"/>
                   <a:t>and input vector </a:t>
                 </a:r>
                 <a14:m>
                   <m:oMath xmlns:m="http://schemas.openxmlformats.org/officeDocument/2006/math">
                     <m:r>
-                      <a:rPr lang="en-US" sz="1600" b="1" i="1" smtClean="0">
+                      <a:rPr lang="en-US" sz="1800" b="1" i="1" smtClean="0">
                         <a:latin typeface="Cambria Math" panose="02040503050406030204" pitchFamily="18" charset="0"/>
                       </a:rPr>
                       <m:t>𝒙</m:t>
                     </m:r>
                     <m:r>
-                      <a:rPr lang="en-US" sz="1600" b="1" i="1" smtClean="0">
+                      <a:rPr lang="en-US" sz="1800" b="1" i="1" smtClean="0">
                         <a:latin typeface="Cambria Math" panose="02040503050406030204" pitchFamily="18" charset="0"/>
                       </a:rPr>
                       <m:t> ∈ </m:t>
@@ -3494,7 +3497,7 @@
                     <m:sSubSup>
                       <m:sSubSupPr>
                         <m:ctrlPr>
-                          <a:rPr lang="en-US" sz="1600" b="1" i="1" smtClean="0">
+                          <a:rPr lang="en-US" sz="1800" b="1" i="1" smtClean="0">
                             <a:latin typeface="Cambria Math" panose="02040503050406030204" pitchFamily="18" charset="0"/>
                             <a:ea typeface="Cambria Math" panose="02040503050406030204" pitchFamily="18" charset="0"/>
                           </a:rPr>
@@ -3502,7 +3505,7 @@
                       </m:sSubSupPr>
                       <m:e>
                         <m:r>
-                          <a:rPr lang="en-US" sz="1600" b="1" i="1" smtClean="0">
+                          <a:rPr lang="en-US" sz="1800" b="1" i="1" smtClean="0">
                             <a:latin typeface="Cambria Math" panose="02040503050406030204" pitchFamily="18" charset="0"/>
                             <a:ea typeface="Cambria Math" panose="02040503050406030204" pitchFamily="18" charset="0"/>
                           </a:rPr>
@@ -3511,7 +3514,7 @@
                       </m:e>
                       <m:sub>
                         <m:r>
-                          <a:rPr lang="en-US" sz="1600" b="1" i="1" smtClean="0">
+                          <a:rPr lang="en-US" sz="1800" b="1" i="1" smtClean="0">
                             <a:latin typeface="Cambria Math" panose="02040503050406030204" pitchFamily="18" charset="0"/>
                             <a:ea typeface="Cambria Math" panose="02040503050406030204" pitchFamily="18" charset="0"/>
                           </a:rPr>
@@ -3520,7 +3523,7 @@
                       </m:sub>
                       <m:sup>
                         <m:r>
-                          <a:rPr lang="en-US" sz="1600" b="1" i="1" smtClean="0">
+                          <a:rPr lang="en-US" sz="1800" b="1" i="1" smtClean="0">
                             <a:latin typeface="Cambria Math" panose="02040503050406030204" pitchFamily="18" charset="0"/>
                             <a:ea typeface="Cambria Math" panose="02040503050406030204" pitchFamily="18" charset="0"/>
                           </a:rPr>
@@ -3531,14 +3534,14 @@
                   </m:oMath>
                 </a14:m>
                 <a:r>
-                  <a:rPr lang="en-US" sz="1600" b="1" dirty="0"/>
+                  <a:rPr lang="en-US" sz="1800" b="1" dirty="0"/>
                   <a:t> </a:t>
                 </a:r>
               </a:p>
               <a:p>
                 <a:pPr lvl="1"/>
                 <a:r>
-                  <a:rPr lang="en-US" sz="1600" dirty="0"/>
+                  <a:rPr lang="en-US" sz="1800" dirty="0"/>
                   <a:t>Public Randomization Matrix </a:t>
                 </a:r>
                 <a14:m>
@@ -3546,14 +3549,14 @@
                     <m:sSub>
                       <m:sSubPr>
                         <m:ctrlPr>
-                          <a:rPr lang="en-US" sz="1600" b="1" i="1" smtClean="0">
+                          <a:rPr lang="en-US" sz="1800" b="1" i="1" smtClean="0">
                             <a:latin typeface="Cambria Math" panose="02040503050406030204" pitchFamily="18" charset="0"/>
                           </a:rPr>
                         </m:ctrlPr>
                       </m:sSubPr>
                       <m:e>
                         <m:r>
-                          <a:rPr lang="en-US" sz="1600" b="1" i="1" smtClean="0">
+                          <a:rPr lang="en-US" sz="1800" b="1" i="1" smtClean="0">
                             <a:latin typeface="Cambria Math" panose="02040503050406030204" pitchFamily="18" charset="0"/>
                           </a:rPr>
                           <m:t>𝑹</m:t>
@@ -3561,7 +3564,7 @@
                       </m:e>
                       <m:sub>
                         <m:r>
-                          <a:rPr lang="en-US" sz="1600" b="1" i="1" smtClean="0">
+                          <a:rPr lang="en-US" sz="1800" b="1" i="1" smtClean="0">
                             <a:latin typeface="Cambria Math" panose="02040503050406030204" pitchFamily="18" charset="0"/>
                           </a:rPr>
                           <m:t>𝒎𝒂𝒕</m:t>
@@ -3569,13 +3572,13 @@
                       </m:sub>
                     </m:sSub>
                     <m:r>
-                      <a:rPr lang="en-US" sz="1600" b="1" i="1" smtClean="0">
+                      <a:rPr lang="en-US" sz="1800" b="1" i="1" smtClean="0">
                         <a:latin typeface="Cambria Math" panose="02040503050406030204" pitchFamily="18" charset="0"/>
                       </a:rPr>
                       <m:t> </m:t>
                     </m:r>
                     <m:r>
-                      <a:rPr lang="en-US" sz="1600" b="1" i="1" smtClean="0">
+                      <a:rPr lang="en-US" sz="1800" b="1" i="1" smtClean="0">
                         <a:latin typeface="Cambria Math" panose="02040503050406030204" pitchFamily="18" charset="0"/>
                         <a:ea typeface="Cambria Math" panose="02040503050406030204" pitchFamily="18" charset="0"/>
                       </a:rPr>
@@ -3584,7 +3587,7 @@
                     <m:sSubSup>
                       <m:sSubSupPr>
                         <m:ctrlPr>
-                          <a:rPr lang="en-US" sz="1600" b="1" i="1" smtClean="0">
+                          <a:rPr lang="en-US" sz="1800" b="1" i="1" smtClean="0">
                             <a:latin typeface="Cambria Math" panose="02040503050406030204" pitchFamily="18" charset="0"/>
                             <a:ea typeface="Cambria Math" panose="02040503050406030204" pitchFamily="18" charset="0"/>
                           </a:rPr>
@@ -3592,7 +3595,7 @@
                       </m:sSubSupPr>
                       <m:e>
                         <m:r>
-                          <a:rPr lang="en-US" sz="1600" b="1" i="1" smtClean="0">
+                          <a:rPr lang="en-US" sz="1800" b="1" i="1" smtClean="0">
                             <a:latin typeface="Cambria Math" panose="02040503050406030204" pitchFamily="18" charset="0"/>
                             <a:ea typeface="Cambria Math" panose="02040503050406030204" pitchFamily="18" charset="0"/>
                           </a:rPr>
@@ -3601,7 +3604,7 @@
                       </m:e>
                       <m:sub>
                         <m:r>
-                          <a:rPr lang="en-US" sz="1600" b="1" i="1" smtClean="0">
+                          <a:rPr lang="en-US" sz="1800" b="1" i="1" smtClean="0">
                             <a:latin typeface="Cambria Math" panose="02040503050406030204" pitchFamily="18" charset="0"/>
                             <a:ea typeface="Cambria Math" panose="02040503050406030204" pitchFamily="18" charset="0"/>
                           </a:rPr>
@@ -3610,21 +3613,21 @@
                       </m:sub>
                       <m:sup>
                         <m:r>
-                          <a:rPr lang="en-US" sz="1600" b="1" i="1" smtClean="0">
+                          <a:rPr lang="en-US" sz="1800" b="1" i="1" smtClean="0">
                             <a:latin typeface="Cambria Math" panose="02040503050406030204" pitchFamily="18" charset="0"/>
                             <a:ea typeface="Cambria Math" panose="02040503050406030204" pitchFamily="18" charset="0"/>
                           </a:rPr>
                           <m:t>𝒕</m:t>
                         </m:r>
                         <m:r>
-                          <a:rPr lang="en-US" sz="1600" b="1" i="1" smtClean="0">
+                          <a:rPr lang="en-US" sz="1800" b="1" i="1" smtClean="0">
                             <a:latin typeface="Cambria Math" panose="02040503050406030204" pitchFamily="18" charset="0"/>
                             <a:ea typeface="Cambria Math" panose="02040503050406030204" pitchFamily="18" charset="0"/>
                           </a:rPr>
                           <m:t> × </m:t>
                         </m:r>
                         <m:r>
-                          <a:rPr lang="en-US" sz="1600" b="1" i="1" smtClean="0">
+                          <a:rPr lang="en-US" sz="1800" b="1" i="1" smtClean="0">
                             <a:latin typeface="Cambria Math" panose="02040503050406030204" pitchFamily="18" charset="0"/>
                             <a:ea typeface="Cambria Math" panose="02040503050406030204" pitchFamily="18" charset="0"/>
                           </a:rPr>
@@ -3634,15 +3637,15 @@
                     </m:sSubSup>
                   </m:oMath>
                 </a14:m>
-                <a:endParaRPr lang="en-US" sz="1600" b="1" dirty="0"/>
+                <a:endParaRPr lang="en-US" sz="1800" b="1" dirty="0"/>
               </a:p>
               <a:p>
                 <a:r>
-                  <a:rPr lang="en-US" sz="2000" b="1" dirty="0"/>
+                  <a:rPr lang="en-US" sz="2400" b="1" dirty="0"/>
                   <a:t>Output:</a:t>
                 </a:r>
                 <a:r>
-                  <a:rPr lang="en-US" sz="1600" b="1" dirty="0"/>
+                  <a:rPr lang="en-US" sz="1800" b="1" dirty="0"/>
                   <a:t> </a:t>
                 </a:r>
                 <a14:m>
@@ -3650,7 +3653,7 @@
                     <m:d>
                       <m:dPr>
                         <m:ctrlPr>
-                          <a:rPr lang="en-US" sz="1600" b="1" i="1" smtClean="0">
+                          <a:rPr lang="en-US" sz="1800" b="1" i="1" smtClean="0">
                             <a:latin typeface="Cambria Math" panose="02040503050406030204" pitchFamily="18" charset="0"/>
                           </a:rPr>
                         </m:ctrlPr>
@@ -3659,7 +3662,7 @@
                         <m:d>
                           <m:dPr>
                             <m:ctrlPr>
-                              <a:rPr lang="en-US" sz="1600" b="1" i="1" smtClean="0">
+                              <a:rPr lang="en-US" sz="1800" b="1" i="1" smtClean="0">
                                 <a:latin typeface="Cambria Math" panose="02040503050406030204" pitchFamily="18" charset="0"/>
                               </a:rPr>
                             </m:ctrlPr>
@@ -3668,32 +3671,32 @@
                             <m:d>
                               <m:dPr>
                                 <m:ctrlPr>
-                                  <a:rPr lang="en-US" sz="1600" b="1" i="1" smtClean="0">
+                                  <a:rPr lang="en-US" sz="1800" b="1" i="1" smtClean="0">
                                     <a:latin typeface="Cambria Math" panose="02040503050406030204" pitchFamily="18" charset="0"/>
                                   </a:rPr>
                                 </m:ctrlPr>
                               </m:dPr>
                               <m:e>
                                 <m:r>
-                                  <a:rPr lang="en-US" sz="1600" b="1" i="1" smtClean="0">
+                                  <a:rPr lang="en-US" sz="1800" b="1" i="1" smtClean="0">
                                     <a:latin typeface="Cambria Math" panose="02040503050406030204" pitchFamily="18" charset="0"/>
                                   </a:rPr>
                                   <m:t>𝑲</m:t>
                                 </m:r>
                                 <m:r>
-                                  <a:rPr lang="en-US" sz="1600" b="1" i="1" smtClean="0">
+                                  <a:rPr lang="en-US" sz="1800" b="1" i="1" smtClean="0">
                                     <a:latin typeface="Cambria Math" panose="02040503050406030204" pitchFamily="18" charset="0"/>
                                   </a:rPr>
                                   <m:t>⋅</m:t>
                                 </m:r>
                                 <m:r>
-                                  <a:rPr lang="en-US" sz="1600" b="1" i="1" smtClean="0">
+                                  <a:rPr lang="en-US" sz="1800" b="1" i="1" smtClean="0">
                                     <a:latin typeface="Cambria Math" panose="02040503050406030204" pitchFamily="18" charset="0"/>
                                   </a:rPr>
                                   <m:t> </m:t>
                                 </m:r>
                                 <m:r>
-                                  <a:rPr lang="en-US" sz="1600" b="1" i="1" smtClean="0">
+                                  <a:rPr lang="en-US" sz="1800" b="1" i="1" smtClean="0">
                                     <a:latin typeface="Cambria Math" panose="02040503050406030204" pitchFamily="18" charset="0"/>
                                   </a:rPr>
                                   <m:t>𝒙</m:t>
@@ -3701,25 +3704,25 @@
                               </m:e>
                             </m:d>
                             <m:r>
-                              <a:rPr lang="en-US" sz="1600" b="1" i="1" smtClean="0">
+                              <a:rPr lang="en-US" sz="1800" b="1" i="1" smtClean="0">
                                 <a:latin typeface="Cambria Math" panose="02040503050406030204" pitchFamily="18" charset="0"/>
                               </a:rPr>
                               <m:t> </m:t>
                             </m:r>
                             <m:r>
-                              <a:rPr lang="en-US" sz="1600" b="1" i="1" smtClean="0">
+                              <a:rPr lang="en-US" sz="1800" b="1" i="1" smtClean="0">
                                 <a:latin typeface="Cambria Math" panose="02040503050406030204" pitchFamily="18" charset="0"/>
                               </a:rPr>
                               <m:t>𝒎𝒐𝒅</m:t>
                             </m:r>
                             <m:r>
-                              <a:rPr lang="en-US" sz="1600" b="1" i="1" smtClean="0">
+                              <a:rPr lang="en-US" sz="1800" b="1" i="1" smtClean="0">
                                 <a:latin typeface="Cambria Math" panose="02040503050406030204" pitchFamily="18" charset="0"/>
                               </a:rPr>
                               <m:t> </m:t>
                             </m:r>
                             <m:r>
-                              <a:rPr lang="en-US" sz="1600" b="1" i="1" smtClean="0">
+                              <a:rPr lang="en-US" sz="1800" b="1" i="1" smtClean="0">
                                 <a:latin typeface="Cambria Math" panose="02040503050406030204" pitchFamily="18" charset="0"/>
                               </a:rPr>
                               <m:t>𝟐</m:t>
@@ -3727,13 +3730,13 @@
                           </m:e>
                         </m:d>
                         <m:r>
-                          <a:rPr lang="en-US" sz="1600" b="1" i="1" smtClean="0">
+                          <a:rPr lang="en-US" sz="1800" b="1" i="1" smtClean="0">
                             <a:latin typeface="Cambria Math" panose="02040503050406030204" pitchFamily="18" charset="0"/>
                           </a:rPr>
                           <m:t>⋅</m:t>
                         </m:r>
                         <m:r>
-                          <a:rPr lang="en-US" sz="1600" b="1" i="1" smtClean="0">
+                          <a:rPr lang="en-US" sz="1800" b="1" i="1" smtClean="0">
                             <a:latin typeface="Cambria Math" panose="02040503050406030204" pitchFamily="18" charset="0"/>
                             <a:ea typeface="Cambria Math" panose="02040503050406030204" pitchFamily="18" charset="0"/>
                           </a:rPr>
@@ -3742,7 +3745,7 @@
                         <m:sSub>
                           <m:sSubPr>
                             <m:ctrlPr>
-                              <a:rPr lang="en-US" sz="1600" b="1" i="1" smtClean="0">
+                              <a:rPr lang="en-US" sz="1800" b="1" i="1" smtClean="0">
                                 <a:latin typeface="Cambria Math" panose="02040503050406030204" pitchFamily="18" charset="0"/>
                                 <a:ea typeface="Cambria Math" panose="02040503050406030204" pitchFamily="18" charset="0"/>
                               </a:rPr>
@@ -3750,7 +3753,7 @@
                           </m:sSubPr>
                           <m:e>
                             <m:r>
-                              <a:rPr lang="en-US" sz="1600" b="1" i="1" smtClean="0">
+                              <a:rPr lang="en-US" sz="1800" b="1" i="1" smtClean="0">
                                 <a:latin typeface="Cambria Math" panose="02040503050406030204" pitchFamily="18" charset="0"/>
                                 <a:ea typeface="Cambria Math" panose="02040503050406030204" pitchFamily="18" charset="0"/>
                               </a:rPr>
@@ -3759,7 +3762,7 @@
                           </m:e>
                           <m:sub>
                             <m:r>
-                              <a:rPr lang="en-US" sz="1600" b="1" i="1" smtClean="0">
+                              <a:rPr lang="en-US" sz="1800" b="1" i="1" smtClean="0">
                                 <a:latin typeface="Cambria Math" panose="02040503050406030204" pitchFamily="18" charset="0"/>
                                 <a:ea typeface="Cambria Math" panose="02040503050406030204" pitchFamily="18" charset="0"/>
                               </a:rPr>
@@ -3770,7 +3773,7 @@
                       </m:e>
                     </m:d>
                     <m:r>
-                      <a:rPr lang="en-US" sz="1600" b="1" i="1" smtClean="0">
+                      <a:rPr lang="en-US" sz="1800" b="1" i="1" smtClean="0">
                         <a:latin typeface="Cambria Math" panose="02040503050406030204" pitchFamily="18" charset="0"/>
                         <a:ea typeface="Cambria Math" panose="02040503050406030204" pitchFamily="18" charset="0"/>
                       </a:rPr>
@@ -3779,7 +3782,7 @@
                     <m:sSubSup>
                       <m:sSubSupPr>
                         <m:ctrlPr>
-                          <a:rPr lang="en-US" sz="1600" b="1" i="1" smtClean="0">
+                          <a:rPr lang="en-US" sz="1800" b="1" i="1" smtClean="0">
                             <a:latin typeface="Cambria Math" panose="02040503050406030204" pitchFamily="18" charset="0"/>
                             <a:ea typeface="Cambria Math" panose="02040503050406030204" pitchFamily="18" charset="0"/>
                           </a:rPr>
@@ -3787,7 +3790,7 @@
                       </m:sSubSupPr>
                       <m:e>
                         <m:r>
-                          <a:rPr lang="en-US" sz="1600" b="1" i="1" smtClean="0">
+                          <a:rPr lang="en-US" sz="1800" b="1" i="1" smtClean="0">
                             <a:latin typeface="Cambria Math" panose="02040503050406030204" pitchFamily="18" charset="0"/>
                             <a:ea typeface="Cambria Math" panose="02040503050406030204" pitchFamily="18" charset="0"/>
                           </a:rPr>
@@ -3796,7 +3799,7 @@
                       </m:e>
                       <m:sub>
                         <m:r>
-                          <a:rPr lang="en-US" sz="1600" b="1" i="1" smtClean="0">
+                          <a:rPr lang="en-US" sz="1800" b="1" i="1" smtClean="0">
                             <a:latin typeface="Cambria Math" panose="02040503050406030204" pitchFamily="18" charset="0"/>
                             <a:ea typeface="Cambria Math" panose="02040503050406030204" pitchFamily="18" charset="0"/>
                           </a:rPr>
@@ -3805,7 +3808,7 @@
                       </m:sub>
                       <m:sup>
                         <m:r>
-                          <a:rPr lang="en-US" sz="1600" b="1" i="1" smtClean="0">
+                          <a:rPr lang="en-US" sz="1800" b="1" i="1" smtClean="0">
                             <a:latin typeface="Cambria Math" panose="02040503050406030204" pitchFamily="18" charset="0"/>
                             <a:ea typeface="Cambria Math" panose="02040503050406030204" pitchFamily="18" charset="0"/>
                           </a:rPr>
@@ -3815,39 +3818,39 @@
                     </m:sSubSup>
                   </m:oMath>
                 </a14:m>
-                <a:endParaRPr lang="en-US" sz="1600" b="1" dirty="0"/>
+                <a:endParaRPr lang="en-US" sz="1800" b="1" dirty="0"/>
               </a:p>
               <a:p>
                 <a:r>
-                  <a:rPr lang="en-US" sz="2000" b="1" dirty="0"/>
+                  <a:rPr lang="en-US" sz="2400" b="1" dirty="0"/>
                   <a:t>Phase 1: </a:t>
                 </a:r>
                 <a:r>
-                  <a:rPr lang="en-US" sz="2000" dirty="0"/>
+                  <a:rPr lang="en-US" sz="2400" dirty="0"/>
                   <a:t>Parties compute the product </a:t>
                 </a:r>
                 <a14:m>
                   <m:oMath xmlns:m="http://schemas.openxmlformats.org/officeDocument/2006/math">
                     <m:r>
-                      <a:rPr lang="en-US" sz="2000" b="1" i="1" smtClean="0">
+                      <a:rPr lang="en-US" sz="2400" b="1" i="1" smtClean="0">
                         <a:latin typeface="Cambria Math" panose="02040503050406030204" pitchFamily="18" charset="0"/>
                       </a:rPr>
                       <m:t>𝑲</m:t>
                     </m:r>
                     <m:r>
-                      <a:rPr lang="en-US" sz="2000" b="1" i="1" smtClean="0">
+                      <a:rPr lang="en-US" sz="2400" b="1" i="1" smtClean="0">
                         <a:latin typeface="Cambria Math" panose="02040503050406030204" pitchFamily="18" charset="0"/>
                       </a:rPr>
                       <m:t>⋅</m:t>
                     </m:r>
                     <m:r>
-                      <a:rPr lang="en-US" sz="2000" b="1" i="1" smtClean="0">
+                      <a:rPr lang="en-US" sz="2400" b="1" i="1" smtClean="0">
                         <a:latin typeface="Cambria Math" panose="02040503050406030204" pitchFamily="18" charset="0"/>
                       </a:rPr>
                       <m:t> </m:t>
                     </m:r>
                     <m:r>
-                      <a:rPr lang="en-US" sz="2000" b="1" i="1" smtClean="0">
+                      <a:rPr lang="en-US" sz="2400" b="1" i="1" smtClean="0">
                         <a:latin typeface="Cambria Math" panose="02040503050406030204" pitchFamily="18" charset="0"/>
                         <a:ea typeface="Cambria Math" panose="02040503050406030204" pitchFamily="18" charset="0"/>
                       </a:rPr>
@@ -3856,14 +3859,14 @@
                   </m:oMath>
                 </a14:m>
                 <a:r>
-                  <a:rPr lang="en-US" sz="2000" b="1" dirty="0"/>
+                  <a:rPr lang="en-US" sz="2400" b="1" dirty="0"/>
                   <a:t> </a:t>
                 </a:r>
               </a:p>
               <a:p>
                 <a:pPr lvl="1"/>
                 <a:r>
-                  <a:rPr lang="en-US" sz="1600" dirty="0"/>
+                  <a:rPr lang="en-US" sz="1800" dirty="0"/>
                   <a:t>Parties mask their inputs and key in order to compute the term </a:t>
                 </a:r>
                 <a14:m>
@@ -3871,14 +3874,14 @@
                     <m:sSub>
                       <m:sSubPr>
                         <m:ctrlPr>
-                          <a:rPr lang="en-US" sz="1600" i="1" smtClean="0">
+                          <a:rPr lang="en-US" sz="1800" i="1" smtClean="0">
                             <a:latin typeface="Cambria Math" panose="02040503050406030204" pitchFamily="18" charset="0"/>
                           </a:rPr>
                         </m:ctrlPr>
                       </m:sSubPr>
                       <m:e>
                         <m:r>
-                          <a:rPr lang="en-US" sz="1600" b="0" i="1" smtClean="0">
+                          <a:rPr lang="en-US" sz="1800" b="0" i="1" smtClean="0">
                             <a:latin typeface="Cambria Math" panose="02040503050406030204" pitchFamily="18" charset="0"/>
                           </a:rPr>
                           <m:t>𝐾</m:t>
@@ -3886,7 +3889,7 @@
                       </m:e>
                       <m:sub>
                         <m:r>
-                          <a:rPr lang="en-US" sz="1600" b="0" i="1" smtClean="0">
+                          <a:rPr lang="en-US" sz="1800" b="0" i="1" smtClean="0">
                             <a:latin typeface="Cambria Math" panose="02040503050406030204" pitchFamily="18" charset="0"/>
                           </a:rPr>
                           <m:t>1</m:t>
@@ -3896,20 +3899,20 @@
                     <m:sSub>
                       <m:sSubPr>
                         <m:ctrlPr>
-                          <a:rPr lang="en-US" sz="1600" i="1" smtClean="0">
+                          <a:rPr lang="en-US" sz="1800" i="1" smtClean="0">
                             <a:latin typeface="Cambria Math" panose="02040503050406030204" pitchFamily="18" charset="0"/>
                           </a:rPr>
                         </m:ctrlPr>
                       </m:sSubPr>
                       <m:e>
                         <m:r>
-                          <a:rPr lang="en-US" sz="1600" b="0" i="1" smtClean="0">
+                          <a:rPr lang="en-US" sz="1800" b="0" i="1" smtClean="0">
                             <a:latin typeface="Cambria Math" panose="02040503050406030204" pitchFamily="18" charset="0"/>
                           </a:rPr>
                           <m:t>⋅</m:t>
                         </m:r>
                         <m:r>
-                          <a:rPr lang="en-US" sz="1600" b="0" i="1" smtClean="0">
+                          <a:rPr lang="en-US" sz="1800" b="0" i="1" smtClean="0">
                             <a:latin typeface="Cambria Math" panose="02040503050406030204" pitchFamily="18" charset="0"/>
                           </a:rPr>
                           <m:t>𝑥</m:t>
@@ -3917,7 +3920,7 @@
                       </m:e>
                       <m:sub>
                         <m:r>
-                          <a:rPr lang="en-US" sz="1600" b="0" i="1" smtClean="0">
+                          <a:rPr lang="en-US" sz="1800" b="0" i="1" smtClean="0">
                             <a:latin typeface="Cambria Math" panose="02040503050406030204" pitchFamily="18" charset="0"/>
                           </a:rPr>
                           <m:t>2</m:t>
@@ -3925,7 +3928,7 @@
                       </m:sub>
                     </m:sSub>
                     <m:r>
-                      <a:rPr lang="en-US" sz="1600" b="0" i="1" smtClean="0">
+                      <a:rPr lang="en-US" sz="1800" b="0" i="1" smtClean="0">
                         <a:latin typeface="Cambria Math" panose="02040503050406030204" pitchFamily="18" charset="0"/>
                       </a:rPr>
                       <m:t>+ </m:t>
@@ -3933,14 +3936,14 @@
                     <m:sSub>
                       <m:sSubPr>
                         <m:ctrlPr>
-                          <a:rPr lang="en-US" sz="1600" b="0" i="1" smtClean="0">
+                          <a:rPr lang="en-US" sz="1800" b="0" i="1" smtClean="0">
                             <a:latin typeface="Cambria Math" panose="02040503050406030204" pitchFamily="18" charset="0"/>
                           </a:rPr>
                         </m:ctrlPr>
                       </m:sSubPr>
                       <m:e>
                         <m:r>
-                          <a:rPr lang="en-US" sz="1600" b="0" i="1" smtClean="0">
+                          <a:rPr lang="en-US" sz="1800" b="0" i="1" smtClean="0">
                             <a:latin typeface="Cambria Math" panose="02040503050406030204" pitchFamily="18" charset="0"/>
                           </a:rPr>
                           <m:t>𝐾</m:t>
@@ -3948,7 +3951,7 @@
                       </m:e>
                       <m:sub>
                         <m:r>
-                          <a:rPr lang="en-US" sz="1600" b="0" i="1" smtClean="0">
+                          <a:rPr lang="en-US" sz="1800" b="0" i="1" smtClean="0">
                             <a:latin typeface="Cambria Math" panose="02040503050406030204" pitchFamily="18" charset="0"/>
                           </a:rPr>
                           <m:t>2</m:t>
@@ -3956,7 +3959,7 @@
                       </m:sub>
                     </m:sSub>
                     <m:r>
-                      <a:rPr lang="en-US" sz="1600" b="0" i="1" smtClean="0">
+                      <a:rPr lang="en-US" sz="1800" b="0" i="1" smtClean="0">
                         <a:latin typeface="Cambria Math" panose="02040503050406030204" pitchFamily="18" charset="0"/>
                       </a:rPr>
                       <m:t>⋅</m:t>
@@ -3964,14 +3967,14 @@
                     <m:sSub>
                       <m:sSubPr>
                         <m:ctrlPr>
-                          <a:rPr lang="en-US" sz="1600" b="0" i="1" smtClean="0">
+                          <a:rPr lang="en-US" sz="1800" b="0" i="1" smtClean="0">
                             <a:latin typeface="Cambria Math" panose="02040503050406030204" pitchFamily="18" charset="0"/>
                           </a:rPr>
                         </m:ctrlPr>
                       </m:sSubPr>
                       <m:e>
                         <m:r>
-                          <a:rPr lang="en-US" sz="1600" b="0" i="1" smtClean="0">
+                          <a:rPr lang="en-US" sz="1800" b="0" i="1" smtClean="0">
                             <a:latin typeface="Cambria Math" panose="02040503050406030204" pitchFamily="18" charset="0"/>
                           </a:rPr>
                           <m:t>𝑥</m:t>
@@ -3979,7 +3982,7 @@
                       </m:e>
                       <m:sub>
                         <m:r>
-                          <a:rPr lang="en-US" sz="1600" b="0" i="1" smtClean="0">
+                          <a:rPr lang="en-US" sz="1800" b="0" i="1" smtClean="0">
                             <a:latin typeface="Cambria Math" panose="02040503050406030204" pitchFamily="18" charset="0"/>
                           </a:rPr>
                           <m:t>1</m:t>
@@ -3988,12 +3991,12 @@
                     </m:sSub>
                   </m:oMath>
                 </a14:m>
-                <a:endParaRPr lang="en-US" sz="1600" b="0" dirty="0"/>
+                <a:endParaRPr lang="en-US" sz="1800" b="0" dirty="0"/>
               </a:p>
               <a:p>
                 <a:pPr lvl="1"/>
                 <a:r>
-                  <a:rPr lang="en-US" sz="1600" dirty="0"/>
+                  <a:rPr lang="en-US" sz="1800" dirty="0"/>
                   <a:t>Parties locally compute their shares of input and key simultaneously, </a:t>
                 </a:r>
                 <a14:m>
@@ -4001,14 +4004,14 @@
                     <m:sSub>
                       <m:sSubPr>
                         <m:ctrlPr>
-                          <a:rPr lang="en-US" sz="1600" i="1" smtClean="0">
+                          <a:rPr lang="en-US" sz="1800" i="1" smtClean="0">
                             <a:latin typeface="Cambria Math" panose="02040503050406030204" pitchFamily="18" charset="0"/>
                           </a:rPr>
                         </m:ctrlPr>
                       </m:sSubPr>
                       <m:e>
                         <m:r>
-                          <a:rPr lang="en-US" sz="1600" b="0" i="1" smtClean="0">
+                          <a:rPr lang="en-US" sz="1800" b="0" i="1" smtClean="0">
                             <a:latin typeface="Cambria Math" panose="02040503050406030204" pitchFamily="18" charset="0"/>
                           </a:rPr>
                           <m:t>𝐾</m:t>
@@ -4016,7 +4019,7 @@
                       </m:e>
                       <m:sub>
                         <m:r>
-                          <a:rPr lang="en-US" sz="1600" b="0" i="1" smtClean="0">
+                          <a:rPr lang="en-US" sz="1800" b="0" i="1" smtClean="0">
                             <a:latin typeface="Cambria Math" panose="02040503050406030204" pitchFamily="18" charset="0"/>
                           </a:rPr>
                           <m:t>𝑖</m:t>
@@ -4026,20 +4029,20 @@
                     <m:sSub>
                       <m:sSubPr>
                         <m:ctrlPr>
-                          <a:rPr lang="en-US" sz="1600" i="1" smtClean="0">
+                          <a:rPr lang="en-US" sz="1800" i="1" smtClean="0">
                             <a:latin typeface="Cambria Math" panose="02040503050406030204" pitchFamily="18" charset="0"/>
                           </a:rPr>
                         </m:ctrlPr>
                       </m:sSubPr>
                       <m:e>
                         <m:r>
-                          <a:rPr lang="en-US" sz="1600" b="0" i="1" smtClean="0">
+                          <a:rPr lang="en-US" sz="1800" b="0" i="1" smtClean="0">
                             <a:latin typeface="Cambria Math" panose="02040503050406030204" pitchFamily="18" charset="0"/>
                           </a:rPr>
                           <m:t>⋅</m:t>
                         </m:r>
                         <m:r>
-                          <a:rPr lang="en-US" sz="1600" b="0" i="1" smtClean="0">
+                          <a:rPr lang="en-US" sz="1800" b="0" i="1" smtClean="0">
                             <a:latin typeface="Cambria Math" panose="02040503050406030204" pitchFamily="18" charset="0"/>
                           </a:rPr>
                           <m:t>𝑥</m:t>
@@ -4047,7 +4050,7 @@
                       </m:e>
                       <m:sub>
                         <m:r>
-                          <a:rPr lang="en-US" sz="1600" b="0" i="1" smtClean="0">
+                          <a:rPr lang="en-US" sz="1800" b="0" i="1" smtClean="0">
                             <a:latin typeface="Cambria Math" panose="02040503050406030204" pitchFamily="18" charset="0"/>
                           </a:rPr>
                           <m:t>𝑖</m:t>
@@ -4056,18 +4059,18 @@
                     </m:sSub>
                   </m:oMath>
                 </a14:m>
-                <a:endParaRPr lang="en-US" sz="1600" dirty="0"/>
+                <a:endParaRPr lang="en-US" sz="1800" dirty="0"/>
               </a:p>
               <a:p>
                 <a:r>
-                  <a:rPr lang="en-US" sz="2000" b="1" dirty="0"/>
+                  <a:rPr lang="en-US" sz="2400" b="1" dirty="0"/>
                   <a:t>Phase 2: Share Conversion</a:t>
                 </a:r>
               </a:p>
               <a:p>
                 <a:pPr lvl="1"/>
                 <a:r>
-                  <a:rPr lang="en-US" sz="1600" dirty="0"/>
+                  <a:rPr lang="en-US" sz="1800" dirty="0"/>
                   <a:t>Convert the shares computed by both parties to </a:t>
                 </a:r>
                 <a14:m>
@@ -4075,14 +4078,14 @@
                     <m:sSub>
                       <m:sSubPr>
                         <m:ctrlPr>
-                          <a:rPr lang="en-US" sz="1600" b="1" i="1" smtClean="0">
+                          <a:rPr lang="en-US" sz="1800" b="1" i="1" smtClean="0">
                             <a:latin typeface="Cambria Math" panose="02040503050406030204" pitchFamily="18" charset="0"/>
                           </a:rPr>
                         </m:ctrlPr>
                       </m:sSubPr>
                       <m:e>
                         <m:r>
-                          <a:rPr lang="en-US" sz="1600" b="1" i="1" smtClean="0">
+                          <a:rPr lang="en-US" sz="1800" b="1" i="1" smtClean="0">
                             <a:latin typeface="Cambria Math" panose="02040503050406030204" pitchFamily="18" charset="0"/>
                             <a:ea typeface="Cambria Math" panose="02040503050406030204" pitchFamily="18" charset="0"/>
                           </a:rPr>
@@ -4091,7 +4094,7 @@
                       </m:e>
                       <m:sub>
                         <m:r>
-                          <a:rPr lang="en-US" sz="1600" b="1" i="1" smtClean="0">
+                          <a:rPr lang="en-US" sz="1800" b="1" i="1" smtClean="0">
                             <a:latin typeface="Cambria Math" panose="02040503050406030204" pitchFamily="18" charset="0"/>
                           </a:rPr>
                           <m:t>𝟑</m:t>
@@ -4100,18 +4103,18 @@
                     </m:sSub>
                   </m:oMath>
                 </a14:m>
-                <a:endParaRPr lang="en-US" sz="1600" b="1" dirty="0"/>
+                <a:endParaRPr lang="en-US" sz="1800" b="1" dirty="0"/>
               </a:p>
               <a:p>
                 <a:r>
-                  <a:rPr lang="en-US" sz="2000" b="1" dirty="0"/>
+                  <a:rPr lang="en-US" sz="2400" b="1" dirty="0"/>
                   <a:t>Phase 3: Randomization Matrix</a:t>
                 </a:r>
               </a:p>
               <a:p>
                 <a:pPr lvl="1"/>
                 <a:r>
-                  <a:rPr lang="en-US" sz="1600" dirty="0"/>
+                  <a:rPr lang="en-US" sz="1800" dirty="0"/>
                   <a:t>Multiply the output of both parties in Phase 2 with public randomization matrix </a:t>
                 </a:r>
                 <a14:m>
@@ -4119,14 +4122,14 @@
                     <m:sSub>
                       <m:sSubPr>
                         <m:ctrlPr>
-                          <a:rPr lang="en-US" sz="1600" b="1" i="1" smtClean="0">
+                          <a:rPr lang="en-US" sz="1800" b="1" i="1" smtClean="0">
                             <a:latin typeface="Cambria Math" panose="02040503050406030204" pitchFamily="18" charset="0"/>
                           </a:rPr>
                         </m:ctrlPr>
                       </m:sSubPr>
                       <m:e>
                         <m:r>
-                          <a:rPr lang="en-US" sz="1600" b="1" i="1" smtClean="0">
+                          <a:rPr lang="en-US" sz="1800" b="1" i="1" smtClean="0">
                             <a:latin typeface="Cambria Math" panose="02040503050406030204" pitchFamily="18" charset="0"/>
                           </a:rPr>
                           <m:t>𝑹</m:t>
@@ -4134,7 +4137,7 @@
                       </m:e>
                       <m:sub>
                         <m:r>
-                          <a:rPr lang="en-US" sz="1600" b="1" i="1" smtClean="0">
+                          <a:rPr lang="en-US" sz="1800" b="1" i="1" smtClean="0">
                             <a:latin typeface="Cambria Math" panose="02040503050406030204" pitchFamily="18" charset="0"/>
                           </a:rPr>
                           <m:t>𝒎𝒂𝒕</m:t>
@@ -4144,7 +4147,7 @@
                   </m:oMath>
                 </a14:m>
                 <a:r>
-                  <a:rPr lang="en-US" sz="1600" b="1" dirty="0"/>
+                  <a:rPr lang="en-US" sz="1800" b="1" dirty="0"/>
                   <a:t> </a:t>
                 </a:r>
               </a:p>
@@ -4176,7 +4179,7 @@
               <a:blipFill>
                 <a:blip r:embed="rId2"/>
                 <a:stretch>
-                  <a:fillRect l="-603" t="-1453"/>
+                  <a:fillRect l="-844" t="-1744"/>
                 </a:stretch>
               </a:blipFill>
             </p:spPr>
@@ -6943,6 +6946,86 @@
     <p:extLst>
       <p:ext uri="{BB962C8B-B14F-4D97-AF65-F5344CB8AC3E}">
         <p14:creationId xmlns:p14="http://schemas.microsoft.com/office/powerpoint/2010/main" val="2146455078"/>
+      </p:ext>
+    </p:extLst>
+  </p:cSld>
+  <p:clrMapOvr>
+    <a:masterClrMapping/>
+  </p:clrMapOvr>
+</p:sld>
+</file>
+
+<file path=ppt/slides/slide5.xml><?xml version="1.0" encoding="utf-8"?>
+<p:sld xmlns:a="http://schemas.openxmlformats.org/drawingml/2006/main" xmlns:r="http://schemas.openxmlformats.org/officeDocument/2006/relationships" xmlns:p="http://schemas.openxmlformats.org/presentationml/2006/main">
+  <p:cSld>
+    <p:spTree>
+      <p:nvGrpSpPr>
+        <p:cNvPr id="1" name=""/>
+        <p:cNvGrpSpPr/>
+        <p:nvPr/>
+      </p:nvGrpSpPr>
+      <p:grpSpPr>
+        <a:xfrm>
+          <a:off x="0" y="0"/>
+          <a:ext cx="0" cy="0"/>
+          <a:chOff x="0" y="0"/>
+          <a:chExt cx="0" cy="0"/>
+        </a:xfrm>
+      </p:grpSpPr>
+      <p:sp>
+        <p:nvSpPr>
+          <p:cNvPr id="2" name="Title 1">
+            <a:extLst>
+              <a:ext uri="{FF2B5EF4-FFF2-40B4-BE49-F238E27FC236}">
+                <a16:creationId xmlns:a16="http://schemas.microsoft.com/office/drawing/2014/main" id="{18DBD707-FF77-414A-9130-FF59C80E18C7}"/>
+              </a:ext>
+            </a:extLst>
+          </p:cNvPr>
+          <p:cNvSpPr>
+            <a:spLocks noGrp="1"/>
+          </p:cNvSpPr>
+          <p:nvPr>
+            <p:ph type="title"/>
+          </p:nvPr>
+        </p:nvSpPr>
+        <p:spPr/>
+        <p:txBody>
+          <a:bodyPr/>
+          <a:lstStyle/>
+          <a:p>
+            <a:endParaRPr lang="en-US"/>
+          </a:p>
+        </p:txBody>
+      </p:sp>
+      <p:sp>
+        <p:nvSpPr>
+          <p:cNvPr id="6" name="Content Placeholder 5">
+            <a:extLst>
+              <a:ext uri="{FF2B5EF4-FFF2-40B4-BE49-F238E27FC236}">
+                <a16:creationId xmlns:a16="http://schemas.microsoft.com/office/drawing/2014/main" id="{78C7274D-00FA-A641-A78F-13AF65B7E1B4}"/>
+              </a:ext>
+            </a:extLst>
+          </p:cNvPr>
+          <p:cNvSpPr>
+            <a:spLocks noGrp="1"/>
+          </p:cNvSpPr>
+          <p:nvPr>
+            <p:ph idx="1"/>
+          </p:nvPr>
+        </p:nvSpPr>
+        <p:spPr/>
+        <p:txBody>
+          <a:bodyPr/>
+          <a:lstStyle/>
+          <a:p>
+            <a:endParaRPr lang="en-US" dirty="0"/>
+          </a:p>
+        </p:txBody>
+      </p:sp>
+    </p:spTree>
+    <p:extLst>
+      <p:ext uri="{BB962C8B-B14F-4D97-AF65-F5344CB8AC3E}">
+        <p14:creationId xmlns:p14="http://schemas.microsoft.com/office/powerpoint/2010/main" val="4124445099"/>
       </p:ext>
     </p:extLst>
   </p:cSld>

--- a/Documents/writeup/paper/images/imageslide.pptx
+++ b/Documents/writeup/paper/images/imageslide.pptx
@@ -4,12 +4,15 @@
   <p:sldMasterIdLst>
     <p:sldMasterId id="2147483648" r:id="rId1"/>
   </p:sldMasterIdLst>
+  <p:notesMasterIdLst>
+    <p:notesMasterId r:id="rId7"/>
+  </p:notesMasterIdLst>
   <p:sldIdLst>
     <p:sldId id="1068" r:id="rId2"/>
     <p:sldId id="1069" r:id="rId3"/>
     <p:sldId id="1070" r:id="rId4"/>
     <p:sldId id="1071" r:id="rId5"/>
-    <p:sldId id="1072" r:id="rId6"/>
+    <p:sldId id="1073" r:id="rId6"/>
   </p:sldIdLst>
   <p:sldSz cx="12192000" cy="6858000"/>
   <p:notesSz cx="6858000" cy="9144000"/>
@@ -116,6 +119,439 @@
 </p:presentation>
 </file>
 
+<file path=ppt/notesMasters/notesMaster1.xml><?xml version="1.0" encoding="utf-8"?>
+<p:notesMaster xmlns:a="http://schemas.openxmlformats.org/drawingml/2006/main" xmlns:r="http://schemas.openxmlformats.org/officeDocument/2006/relationships" xmlns:p="http://schemas.openxmlformats.org/presentationml/2006/main">
+  <p:cSld>
+    <p:bg>
+      <p:bgRef idx="1001">
+        <a:schemeClr val="bg1"/>
+      </p:bgRef>
+    </p:bg>
+    <p:spTree>
+      <p:nvGrpSpPr>
+        <p:cNvPr id="1" name=""/>
+        <p:cNvGrpSpPr/>
+        <p:nvPr/>
+      </p:nvGrpSpPr>
+      <p:grpSpPr>
+        <a:xfrm>
+          <a:off x="0" y="0"/>
+          <a:ext cx="0" cy="0"/>
+          <a:chOff x="0" y="0"/>
+          <a:chExt cx="0" cy="0"/>
+        </a:xfrm>
+      </p:grpSpPr>
+      <p:sp>
+        <p:nvSpPr>
+          <p:cNvPr id="2" name="Header Placeholder 1"/>
+          <p:cNvSpPr>
+            <a:spLocks noGrp="1"/>
+          </p:cNvSpPr>
+          <p:nvPr>
+            <p:ph type="hdr" sz="quarter"/>
+          </p:nvPr>
+        </p:nvSpPr>
+        <p:spPr>
+          <a:xfrm>
+            <a:off x="0" y="0"/>
+            <a:ext cx="2971800" cy="458788"/>
+          </a:xfrm>
+          <a:prstGeom prst="rect">
+            <a:avLst/>
+          </a:prstGeom>
+        </p:spPr>
+        <p:txBody>
+          <a:bodyPr vert="horz" lIns="91440" tIns="45720" rIns="91440" bIns="45720" rtlCol="0"/>
+          <a:lstStyle>
+            <a:lvl1pPr algn="l">
+              <a:defRPr sz="1200"/>
+            </a:lvl1pPr>
+          </a:lstStyle>
+          <a:p>
+            <a:endParaRPr lang="en-US"/>
+          </a:p>
+        </p:txBody>
+      </p:sp>
+      <p:sp>
+        <p:nvSpPr>
+          <p:cNvPr id="3" name="Date Placeholder 2"/>
+          <p:cNvSpPr>
+            <a:spLocks noGrp="1"/>
+          </p:cNvSpPr>
+          <p:nvPr>
+            <p:ph type="dt" idx="1"/>
+          </p:nvPr>
+        </p:nvSpPr>
+        <p:spPr>
+          <a:xfrm>
+            <a:off x="3884613" y="0"/>
+            <a:ext cx="2971800" cy="458788"/>
+          </a:xfrm>
+          <a:prstGeom prst="rect">
+            <a:avLst/>
+          </a:prstGeom>
+        </p:spPr>
+        <p:txBody>
+          <a:bodyPr vert="horz" lIns="91440" tIns="45720" rIns="91440" bIns="45720" rtlCol="0"/>
+          <a:lstStyle>
+            <a:lvl1pPr algn="r">
+              <a:defRPr sz="1200"/>
+            </a:lvl1pPr>
+          </a:lstStyle>
+          <a:p>
+            <a:fld id="{AA3DA5C9-E424-8A4A-B0A6-B6DD99307809}" type="datetimeFigureOut">
+              <a:rPr lang="en-US" smtClean="0"/>
+              <a:t>1/10/21</a:t>
+            </a:fld>
+            <a:endParaRPr lang="en-US"/>
+          </a:p>
+        </p:txBody>
+      </p:sp>
+      <p:sp>
+        <p:nvSpPr>
+          <p:cNvPr id="4" name="Slide Image Placeholder 3"/>
+          <p:cNvSpPr>
+            <a:spLocks noGrp="1" noRot="1" noChangeAspect="1"/>
+          </p:cNvSpPr>
+          <p:nvPr>
+            <p:ph type="sldImg" idx="2"/>
+          </p:nvPr>
+        </p:nvSpPr>
+        <p:spPr>
+          <a:xfrm>
+            <a:off x="685800" y="1143000"/>
+            <a:ext cx="5486400" cy="3086100"/>
+          </a:xfrm>
+          <a:prstGeom prst="rect">
+            <a:avLst/>
+          </a:prstGeom>
+          <a:noFill/>
+          <a:ln w="12700">
+            <a:solidFill>
+              <a:prstClr val="black"/>
+            </a:solidFill>
+          </a:ln>
+        </p:spPr>
+        <p:txBody>
+          <a:bodyPr vert="horz" lIns="91440" tIns="45720" rIns="91440" bIns="45720" rtlCol="0" anchor="ctr"/>
+          <a:lstStyle/>
+          <a:p>
+            <a:endParaRPr lang="en-US"/>
+          </a:p>
+        </p:txBody>
+      </p:sp>
+      <p:sp>
+        <p:nvSpPr>
+          <p:cNvPr id="5" name="Notes Placeholder 4"/>
+          <p:cNvSpPr>
+            <a:spLocks noGrp="1"/>
+          </p:cNvSpPr>
+          <p:nvPr>
+            <p:ph type="body" sz="quarter" idx="3"/>
+          </p:nvPr>
+        </p:nvSpPr>
+        <p:spPr>
+          <a:xfrm>
+            <a:off x="685800" y="4400550"/>
+            <a:ext cx="5486400" cy="3600450"/>
+          </a:xfrm>
+          <a:prstGeom prst="rect">
+            <a:avLst/>
+          </a:prstGeom>
+        </p:spPr>
+        <p:txBody>
+          <a:bodyPr vert="horz" lIns="91440" tIns="45720" rIns="91440" bIns="45720" rtlCol="0"/>
+          <a:lstStyle/>
+          <a:p>
+            <a:pPr lvl="0"/>
+            <a:r>
+              <a:rPr lang="en-US"/>
+              <a:t>Click to edit Master text styles</a:t>
+            </a:r>
+          </a:p>
+          <a:p>
+            <a:pPr lvl="1"/>
+            <a:r>
+              <a:rPr lang="en-US"/>
+              <a:t>Second level</a:t>
+            </a:r>
+          </a:p>
+          <a:p>
+            <a:pPr lvl="2"/>
+            <a:r>
+              <a:rPr lang="en-US"/>
+              <a:t>Third level</a:t>
+            </a:r>
+          </a:p>
+          <a:p>
+            <a:pPr lvl="3"/>
+            <a:r>
+              <a:rPr lang="en-US"/>
+              <a:t>Fourth level</a:t>
+            </a:r>
+          </a:p>
+          <a:p>
+            <a:pPr lvl="4"/>
+            <a:r>
+              <a:rPr lang="en-US"/>
+              <a:t>Fifth level</a:t>
+            </a:r>
+          </a:p>
+        </p:txBody>
+      </p:sp>
+      <p:sp>
+        <p:nvSpPr>
+          <p:cNvPr id="6" name="Footer Placeholder 5"/>
+          <p:cNvSpPr>
+            <a:spLocks noGrp="1"/>
+          </p:cNvSpPr>
+          <p:nvPr>
+            <p:ph type="ftr" sz="quarter" idx="4"/>
+          </p:nvPr>
+        </p:nvSpPr>
+        <p:spPr>
+          <a:xfrm>
+            <a:off x="0" y="8685213"/>
+            <a:ext cx="2971800" cy="458787"/>
+          </a:xfrm>
+          <a:prstGeom prst="rect">
+            <a:avLst/>
+          </a:prstGeom>
+        </p:spPr>
+        <p:txBody>
+          <a:bodyPr vert="horz" lIns="91440" tIns="45720" rIns="91440" bIns="45720" rtlCol="0" anchor="b"/>
+          <a:lstStyle>
+            <a:lvl1pPr algn="l">
+              <a:defRPr sz="1200"/>
+            </a:lvl1pPr>
+          </a:lstStyle>
+          <a:p>
+            <a:endParaRPr lang="en-US"/>
+          </a:p>
+        </p:txBody>
+      </p:sp>
+      <p:sp>
+        <p:nvSpPr>
+          <p:cNvPr id="7" name="Slide Number Placeholder 6"/>
+          <p:cNvSpPr>
+            <a:spLocks noGrp="1"/>
+          </p:cNvSpPr>
+          <p:nvPr>
+            <p:ph type="sldNum" sz="quarter" idx="5"/>
+          </p:nvPr>
+        </p:nvSpPr>
+        <p:spPr>
+          <a:xfrm>
+            <a:off x="3884613" y="8685213"/>
+            <a:ext cx="2971800" cy="458787"/>
+          </a:xfrm>
+          <a:prstGeom prst="rect">
+            <a:avLst/>
+          </a:prstGeom>
+        </p:spPr>
+        <p:txBody>
+          <a:bodyPr vert="horz" lIns="91440" tIns="45720" rIns="91440" bIns="45720" rtlCol="0" anchor="b"/>
+          <a:lstStyle>
+            <a:lvl1pPr algn="r">
+              <a:defRPr sz="1200"/>
+            </a:lvl1pPr>
+          </a:lstStyle>
+          <a:p>
+            <a:fld id="{F62EA334-5F8D-D649-9C85-41C11B3EF25B}" type="slidenum">
+              <a:rPr lang="en-US" smtClean="0"/>
+              <a:t>‹#›</a:t>
+            </a:fld>
+            <a:endParaRPr lang="en-US"/>
+          </a:p>
+        </p:txBody>
+      </p:sp>
+    </p:spTree>
+    <p:extLst>
+      <p:ext uri="{BB962C8B-B14F-4D97-AF65-F5344CB8AC3E}">
+        <p14:creationId xmlns:p14="http://schemas.microsoft.com/office/powerpoint/2010/main" val="1292631929"/>
+      </p:ext>
+    </p:extLst>
+  </p:cSld>
+  <p:clrMap bg1="lt1" tx1="dk1" bg2="lt2" tx2="dk2" accent1="accent1" accent2="accent2" accent3="accent3" accent4="accent4" accent5="accent5" accent6="accent6" hlink="hlink" folHlink="folHlink"/>
+  <p:notesStyle>
+    <a:lvl1pPr marL="0" algn="l" defTabSz="914400" rtl="0" eaLnBrk="1" latinLnBrk="0" hangingPunct="1">
+      <a:defRPr sz="1200" kern="1200">
+        <a:solidFill>
+          <a:schemeClr val="tx1"/>
+        </a:solidFill>
+        <a:latin typeface="+mn-lt"/>
+        <a:ea typeface="+mn-ea"/>
+        <a:cs typeface="+mn-cs"/>
+      </a:defRPr>
+    </a:lvl1pPr>
+    <a:lvl2pPr marL="457200" algn="l" defTabSz="914400" rtl="0" eaLnBrk="1" latinLnBrk="0" hangingPunct="1">
+      <a:defRPr sz="1200" kern="1200">
+        <a:solidFill>
+          <a:schemeClr val="tx1"/>
+        </a:solidFill>
+        <a:latin typeface="+mn-lt"/>
+        <a:ea typeface="+mn-ea"/>
+        <a:cs typeface="+mn-cs"/>
+      </a:defRPr>
+    </a:lvl2pPr>
+    <a:lvl3pPr marL="914400" algn="l" defTabSz="914400" rtl="0" eaLnBrk="1" latinLnBrk="0" hangingPunct="1">
+      <a:defRPr sz="1200" kern="1200">
+        <a:solidFill>
+          <a:schemeClr val="tx1"/>
+        </a:solidFill>
+        <a:latin typeface="+mn-lt"/>
+        <a:ea typeface="+mn-ea"/>
+        <a:cs typeface="+mn-cs"/>
+      </a:defRPr>
+    </a:lvl3pPr>
+    <a:lvl4pPr marL="1371600" algn="l" defTabSz="914400" rtl="0" eaLnBrk="1" latinLnBrk="0" hangingPunct="1">
+      <a:defRPr sz="1200" kern="1200">
+        <a:solidFill>
+          <a:schemeClr val="tx1"/>
+        </a:solidFill>
+        <a:latin typeface="+mn-lt"/>
+        <a:ea typeface="+mn-ea"/>
+        <a:cs typeface="+mn-cs"/>
+      </a:defRPr>
+    </a:lvl4pPr>
+    <a:lvl5pPr marL="1828800" algn="l" defTabSz="914400" rtl="0" eaLnBrk="1" latinLnBrk="0" hangingPunct="1">
+      <a:defRPr sz="1200" kern="1200">
+        <a:solidFill>
+          <a:schemeClr val="tx1"/>
+        </a:solidFill>
+        <a:latin typeface="+mn-lt"/>
+        <a:ea typeface="+mn-ea"/>
+        <a:cs typeface="+mn-cs"/>
+      </a:defRPr>
+    </a:lvl5pPr>
+    <a:lvl6pPr marL="2286000" algn="l" defTabSz="914400" rtl="0" eaLnBrk="1" latinLnBrk="0" hangingPunct="1">
+      <a:defRPr sz="1200" kern="1200">
+        <a:solidFill>
+          <a:schemeClr val="tx1"/>
+        </a:solidFill>
+        <a:latin typeface="+mn-lt"/>
+        <a:ea typeface="+mn-ea"/>
+        <a:cs typeface="+mn-cs"/>
+      </a:defRPr>
+    </a:lvl6pPr>
+    <a:lvl7pPr marL="2743200" algn="l" defTabSz="914400" rtl="0" eaLnBrk="1" latinLnBrk="0" hangingPunct="1">
+      <a:defRPr sz="1200" kern="1200">
+        <a:solidFill>
+          <a:schemeClr val="tx1"/>
+        </a:solidFill>
+        <a:latin typeface="+mn-lt"/>
+        <a:ea typeface="+mn-ea"/>
+        <a:cs typeface="+mn-cs"/>
+      </a:defRPr>
+    </a:lvl7pPr>
+    <a:lvl8pPr marL="3200400" algn="l" defTabSz="914400" rtl="0" eaLnBrk="1" latinLnBrk="0" hangingPunct="1">
+      <a:defRPr sz="1200" kern="1200">
+        <a:solidFill>
+          <a:schemeClr val="tx1"/>
+        </a:solidFill>
+        <a:latin typeface="+mn-lt"/>
+        <a:ea typeface="+mn-ea"/>
+        <a:cs typeface="+mn-cs"/>
+      </a:defRPr>
+    </a:lvl8pPr>
+    <a:lvl9pPr marL="3657600" algn="l" defTabSz="914400" rtl="0" eaLnBrk="1" latinLnBrk="0" hangingPunct="1">
+      <a:defRPr sz="1200" kern="1200">
+        <a:solidFill>
+          <a:schemeClr val="tx1"/>
+        </a:solidFill>
+        <a:latin typeface="+mn-lt"/>
+        <a:ea typeface="+mn-ea"/>
+        <a:cs typeface="+mn-cs"/>
+      </a:defRPr>
+    </a:lvl9pPr>
+  </p:notesStyle>
+</p:notesMaster>
+</file>
+
+<file path=ppt/notesSlides/notesSlide1.xml><?xml version="1.0" encoding="utf-8"?>
+<p:notes xmlns:a="http://schemas.openxmlformats.org/drawingml/2006/main" xmlns:r="http://schemas.openxmlformats.org/officeDocument/2006/relationships" xmlns:p="http://schemas.openxmlformats.org/presentationml/2006/main">
+  <p:cSld>
+    <p:spTree>
+      <p:nvGrpSpPr>
+        <p:cNvPr id="1" name=""/>
+        <p:cNvGrpSpPr/>
+        <p:nvPr/>
+      </p:nvGrpSpPr>
+      <p:grpSpPr>
+        <a:xfrm>
+          <a:off x="0" y="0"/>
+          <a:ext cx="0" cy="0"/>
+          <a:chOff x="0" y="0"/>
+          <a:chExt cx="0" cy="0"/>
+        </a:xfrm>
+      </p:grpSpPr>
+      <p:sp>
+        <p:nvSpPr>
+          <p:cNvPr id="2" name="Slide Image Placeholder 1"/>
+          <p:cNvSpPr>
+            <a:spLocks noGrp="1" noRot="1" noChangeAspect="1"/>
+          </p:cNvSpPr>
+          <p:nvPr>
+            <p:ph type="sldImg"/>
+          </p:nvPr>
+        </p:nvSpPr>
+        <p:spPr/>
+      </p:sp>
+      <p:sp>
+        <p:nvSpPr>
+          <p:cNvPr id="3" name="Notes Placeholder 2"/>
+          <p:cNvSpPr>
+            <a:spLocks noGrp="1"/>
+          </p:cNvSpPr>
+          <p:nvPr>
+            <p:ph type="body" idx="1"/>
+          </p:nvPr>
+        </p:nvSpPr>
+        <p:spPr/>
+        <p:txBody>
+          <a:bodyPr/>
+          <a:lstStyle/>
+          <a:p>
+            <a:endParaRPr lang="en-US" dirty="0"/>
+          </a:p>
+        </p:txBody>
+      </p:sp>
+      <p:sp>
+        <p:nvSpPr>
+          <p:cNvPr id="4" name="Slide Number Placeholder 3"/>
+          <p:cNvSpPr>
+            <a:spLocks noGrp="1"/>
+          </p:cNvSpPr>
+          <p:nvPr>
+            <p:ph type="sldNum" sz="quarter" idx="5"/>
+          </p:nvPr>
+        </p:nvSpPr>
+        <p:spPr/>
+        <p:txBody>
+          <a:bodyPr/>
+          <a:lstStyle/>
+          <a:p>
+            <a:fld id="{FEAA4B1A-3C14-E44D-ADE9-5A7593C040ED}" type="slidenum">
+              <a:rPr lang="en-US" smtClean="0"/>
+              <a:t>5</a:t>
+            </a:fld>
+            <a:endParaRPr lang="en-US"/>
+          </a:p>
+        </p:txBody>
+      </p:sp>
+    </p:spTree>
+    <p:extLst>
+      <p:ext uri="{BB962C8B-B14F-4D97-AF65-F5344CB8AC3E}">
+        <p14:creationId xmlns:p14="http://schemas.microsoft.com/office/powerpoint/2010/main" val="97095986"/>
+      </p:ext>
+    </p:extLst>
+  </p:cSld>
+  <p:clrMapOvr>
+    <a:masterClrMapping/>
+  </p:clrMapOvr>
+</p:notes>
+</file>
+
 <file path=ppt/slideLayouts/slideLayout1.xml><?xml version="1.0" encoding="utf-8"?>
 <p:sldLayout xmlns:a="http://schemas.openxmlformats.org/drawingml/2006/main" xmlns:r="http://schemas.openxmlformats.org/officeDocument/2006/relationships" xmlns:p="http://schemas.openxmlformats.org/presentationml/2006/main" type="title" preserve="1">
   <p:cSld name="Title Slide">
@@ -263,7 +699,7 @@
           <a:p>
             <a:fld id="{1629838D-6EB1-DF43-9A9D-BEB2CF4D714C}" type="datetimeFigureOut">
               <a:rPr lang="en-US" smtClean="0"/>
-              <a:t>1/8/21</a:t>
+              <a:t>1/10/21</a:t>
             </a:fld>
             <a:endParaRPr lang="en-US"/>
           </a:p>
@@ -461,7 +897,7 @@
           <a:p>
             <a:fld id="{1629838D-6EB1-DF43-9A9D-BEB2CF4D714C}" type="datetimeFigureOut">
               <a:rPr lang="en-US" smtClean="0"/>
-              <a:t>1/8/21</a:t>
+              <a:t>1/10/21</a:t>
             </a:fld>
             <a:endParaRPr lang="en-US"/>
           </a:p>
@@ -669,7 +1105,7 @@
           <a:p>
             <a:fld id="{1629838D-6EB1-DF43-9A9D-BEB2CF4D714C}" type="datetimeFigureOut">
               <a:rPr lang="en-US" smtClean="0"/>
-              <a:t>1/8/21</a:t>
+              <a:t>1/10/21</a:t>
             </a:fld>
             <a:endParaRPr lang="en-US"/>
           </a:p>
@@ -867,7 +1303,7 @@
           <a:p>
             <a:fld id="{1629838D-6EB1-DF43-9A9D-BEB2CF4D714C}" type="datetimeFigureOut">
               <a:rPr lang="en-US" smtClean="0"/>
-              <a:t>1/8/21</a:t>
+              <a:t>1/10/21</a:t>
             </a:fld>
             <a:endParaRPr lang="en-US"/>
           </a:p>
@@ -1142,7 +1578,7 @@
           <a:p>
             <a:fld id="{1629838D-6EB1-DF43-9A9D-BEB2CF4D714C}" type="datetimeFigureOut">
               <a:rPr lang="en-US" smtClean="0"/>
-              <a:t>1/8/21</a:t>
+              <a:t>1/10/21</a:t>
             </a:fld>
             <a:endParaRPr lang="en-US"/>
           </a:p>
@@ -1407,7 +1843,7 @@
           <a:p>
             <a:fld id="{1629838D-6EB1-DF43-9A9D-BEB2CF4D714C}" type="datetimeFigureOut">
               <a:rPr lang="en-US" smtClean="0"/>
-              <a:t>1/8/21</a:t>
+              <a:t>1/10/21</a:t>
             </a:fld>
             <a:endParaRPr lang="en-US"/>
           </a:p>
@@ -1819,7 +2255,7 @@
           <a:p>
             <a:fld id="{1629838D-6EB1-DF43-9A9D-BEB2CF4D714C}" type="datetimeFigureOut">
               <a:rPr lang="en-US" smtClean="0"/>
-              <a:t>1/8/21</a:t>
+              <a:t>1/10/21</a:t>
             </a:fld>
             <a:endParaRPr lang="en-US"/>
           </a:p>
@@ -1960,7 +2396,7 @@
           <a:p>
             <a:fld id="{1629838D-6EB1-DF43-9A9D-BEB2CF4D714C}" type="datetimeFigureOut">
               <a:rPr lang="en-US" smtClean="0"/>
-              <a:t>1/8/21</a:t>
+              <a:t>1/10/21</a:t>
             </a:fld>
             <a:endParaRPr lang="en-US"/>
           </a:p>
@@ -2073,7 +2509,7 @@
           <a:p>
             <a:fld id="{1629838D-6EB1-DF43-9A9D-BEB2CF4D714C}" type="datetimeFigureOut">
               <a:rPr lang="en-US" smtClean="0"/>
-              <a:t>1/8/21</a:t>
+              <a:t>1/10/21</a:t>
             </a:fld>
             <a:endParaRPr lang="en-US"/>
           </a:p>
@@ -2384,7 +2820,7 @@
           <a:p>
             <a:fld id="{1629838D-6EB1-DF43-9A9D-BEB2CF4D714C}" type="datetimeFigureOut">
               <a:rPr lang="en-US" smtClean="0"/>
-              <a:t>1/8/21</a:t>
+              <a:t>1/10/21</a:t>
             </a:fld>
             <a:endParaRPr lang="en-US"/>
           </a:p>
@@ -2672,7 +3108,7 @@
           <a:p>
             <a:fld id="{1629838D-6EB1-DF43-9A9D-BEB2CF4D714C}" type="datetimeFigureOut">
               <a:rPr lang="en-US" smtClean="0"/>
-              <a:t>1/8/21</a:t>
+              <a:t>1/10/21</a:t>
             </a:fld>
             <a:endParaRPr lang="en-US"/>
           </a:p>
@@ -2913,7 +3349,7 @@
           <a:p>
             <a:fld id="{1629838D-6EB1-DF43-9A9D-BEB2CF4D714C}" type="datetimeFigureOut">
               <a:rPr lang="en-US" smtClean="0"/>
-              <a:t>1/8/21</a:t>
+              <a:t>1/10/21</a:t>
             </a:fld>
             <a:endParaRPr lang="en-US"/>
           </a:p>
@@ -3360,8 +3796,8 @@
           </a:p>
         </p:txBody>
       </p:sp>
-      <mc:AlternateContent xmlns:mc="http://schemas.openxmlformats.org/markup-compatibility/2006">
-        <mc:Choice xmlns:a14="http://schemas.microsoft.com/office/drawing/2010/main" Requires="a14">
+      <mc:AlternateContent xmlns:mc="http://schemas.openxmlformats.org/markup-compatibility/2006" xmlns:a14="http://schemas.microsoft.com/office/drawing/2010/main">
+        <mc:Choice Requires="a14">
           <p:sp>
             <p:nvSpPr>
               <p:cNvPr id="3" name="Content Placeholder 2">
@@ -3687,13 +4123,7 @@
                                   <a:rPr lang="en-US" sz="1800" b="1" i="1" smtClean="0">
                                     <a:latin typeface="Cambria Math" panose="02040503050406030204" pitchFamily="18" charset="0"/>
                                   </a:rPr>
-                                  <m:t>⋅</m:t>
-                                </m:r>
-                                <m:r>
-                                  <a:rPr lang="en-US" sz="1800" b="1" i="1" smtClean="0">
-                                    <a:latin typeface="Cambria Math" panose="02040503050406030204" pitchFamily="18" charset="0"/>
-                                  </a:rPr>
-                                  <m:t> </m:t>
+                                  <m:t>⋅ </m:t>
                                 </m:r>
                                 <m:r>
                                   <a:rPr lang="en-US" sz="1800" b="1" i="1" smtClean="0">
@@ -3841,13 +4271,7 @@
                       <a:rPr lang="en-US" sz="2400" b="1" i="1" smtClean="0">
                         <a:latin typeface="Cambria Math" panose="02040503050406030204" pitchFamily="18" charset="0"/>
                       </a:rPr>
-                      <m:t>⋅</m:t>
-                    </m:r>
-                    <m:r>
-                      <a:rPr lang="en-US" sz="2400" b="1" i="1" smtClean="0">
-                        <a:latin typeface="Cambria Math" panose="02040503050406030204" pitchFamily="18" charset="0"/>
-                      </a:rPr>
-                      <m:t> </m:t>
+                      <m:t>⋅ </m:t>
                     </m:r>
                     <m:r>
                       <a:rPr lang="en-US" sz="2400" b="1" i="1" smtClean="0">
@@ -4158,7 +4582,7 @@
             </p:txBody>
           </p:sp>
         </mc:Choice>
-        <mc:Fallback>
+        <mc:Fallback xmlns="">
           <p:sp>
             <p:nvSpPr>
               <p:cNvPr id="3" name="Content Placeholder 2">
@@ -4256,8 +4680,8 @@
           </a:p>
         </p:txBody>
       </p:sp>
-      <mc:AlternateContent xmlns:mc="http://schemas.openxmlformats.org/markup-compatibility/2006">
-        <mc:Choice xmlns:a14="http://schemas.microsoft.com/office/drawing/2010/main" Requires="a14">
+      <mc:AlternateContent xmlns:mc="http://schemas.openxmlformats.org/markup-compatibility/2006" xmlns:a14="http://schemas.microsoft.com/office/drawing/2010/main">
+        <mc:Choice Requires="a14">
           <p:sp>
             <p:nvSpPr>
               <p:cNvPr id="3" name="Content Placeholder 2">
@@ -5399,13 +5823,7 @@
                       <a:rPr lang="en-US" sz="1600" b="0" i="1" smtClean="0">
                         <a:latin typeface="Cambria Math" panose="02040503050406030204" pitchFamily="18" charset="0"/>
                       </a:rPr>
-                      <m:t>⋅</m:t>
-                    </m:r>
-                    <m:r>
-                      <a:rPr lang="en-US" sz="1600" b="0" i="1" smtClean="0">
-                        <a:latin typeface="Cambria Math" panose="02040503050406030204" pitchFamily="18" charset="0"/>
-                      </a:rPr>
-                      <m:t> </m:t>
+                      <m:t>⋅ </m:t>
                     </m:r>
                     <m:sSub>
                       <m:sSubPr>
@@ -5558,7 +5976,7 @@
             </p:txBody>
           </p:sp>
         </mc:Choice>
-        <mc:Fallback>
+        <mc:Fallback xmlns="">
           <p:sp>
             <p:nvSpPr>
               <p:cNvPr id="3" name="Content Placeholder 2">
@@ -5661,8 +6079,8 @@
           </a:p>
         </p:txBody>
       </p:sp>
-      <mc:AlternateContent xmlns:mc="http://schemas.openxmlformats.org/markup-compatibility/2006">
-        <mc:Choice xmlns:a14="http://schemas.microsoft.com/office/drawing/2010/main" Requires="a14">
+      <mc:AlternateContent xmlns:mc="http://schemas.openxmlformats.org/markup-compatibility/2006" xmlns:a14="http://schemas.microsoft.com/office/drawing/2010/main">
+        <mc:Choice Requires="a14">
           <p:sp>
             <p:nvSpPr>
               <p:cNvPr id="3" name="Content Placeholder 2">
@@ -6757,7 +7175,7 @@
             </p:txBody>
           </p:sp>
         </mc:Choice>
-        <mc:Fallback>
+        <mc:Fallback xmlns="">
           <p:sp>
             <p:nvSpPr>
               <p:cNvPr id="3" name="Content Placeholder 2">
@@ -6856,8 +7274,8 @@
           </a:p>
         </p:txBody>
       </p:sp>
-      <mc:AlternateContent xmlns:mc="http://schemas.openxmlformats.org/markup-compatibility/2006">
-        <mc:Choice xmlns:a14="http://schemas.microsoft.com/office/drawing/2010/main" Requires="a14">
+      <mc:AlternateContent xmlns:mc="http://schemas.openxmlformats.org/markup-compatibility/2006" xmlns:a14="http://schemas.microsoft.com/office/drawing/2010/main">
+        <mc:Choice Requires="a14">
           <p:sp>
             <p:nvSpPr>
               <p:cNvPr id="3" name="Content Placeholder 2">
@@ -6902,7 +7320,7 @@
             </p:txBody>
           </p:sp>
         </mc:Choice>
-        <mc:Fallback>
+        <mc:Fallback xmlns="">
           <p:sp>
             <p:nvSpPr>
               <p:cNvPr id="3" name="Content Placeholder 2">
@@ -6977,7 +7395,7 @@
           <p:cNvPr id="2" name="Title 1">
             <a:extLst>
               <a:ext uri="{FF2B5EF4-FFF2-40B4-BE49-F238E27FC236}">
-                <a16:creationId xmlns:a16="http://schemas.microsoft.com/office/drawing/2014/main" id="{18DBD707-FF77-414A-9130-FF59C80E18C7}"/>
+                <a16:creationId xmlns:a16="http://schemas.microsoft.com/office/drawing/2014/main" id="{A69793C8-C734-8E40-B35F-53B46738771E}"/>
               </a:ext>
             </a:extLst>
           </p:cNvPr>
@@ -6988,44 +7406,1246 @@
             <p:ph type="title"/>
           </p:nvPr>
         </p:nvSpPr>
-        <p:spPr/>
+        <p:spPr>
+          <a:xfrm>
+            <a:off x="838200" y="365126"/>
+            <a:ext cx="10515600" cy="593880"/>
+          </a:xfrm>
+        </p:spPr>
         <p:txBody>
-          <a:bodyPr/>
+          <a:bodyPr>
+            <a:normAutofit fontScale="90000"/>
+          </a:bodyPr>
           <a:lstStyle/>
           <a:p>
-            <a:endParaRPr lang="en-US"/>
+            <a:r>
+              <a:rPr lang="en-US" dirty="0"/>
+              <a:t>Lookup table</a:t>
+            </a:r>
           </a:p>
         </p:txBody>
       </p:sp>
-      <p:sp>
-        <p:nvSpPr>
-          <p:cNvPr id="6" name="Content Placeholder 5">
-            <a:extLst>
-              <a:ext uri="{FF2B5EF4-FFF2-40B4-BE49-F238E27FC236}">
-                <a16:creationId xmlns:a16="http://schemas.microsoft.com/office/drawing/2014/main" id="{78C7274D-00FA-A641-A78F-13AF65B7E1B4}"/>
-              </a:ext>
-            </a:extLst>
-          </p:cNvPr>
-          <p:cNvSpPr>
-            <a:spLocks noGrp="1"/>
-          </p:cNvSpPr>
-          <p:nvPr>
-            <p:ph idx="1"/>
-          </p:nvPr>
-        </p:nvSpPr>
-        <p:spPr/>
-        <p:txBody>
-          <a:bodyPr/>
-          <a:lstStyle/>
-          <a:p>
-            <a:endParaRPr lang="en-US" dirty="0"/>
-          </a:p>
-        </p:txBody>
-      </p:sp>
+      <mc:AlternateContent xmlns:mc="http://schemas.openxmlformats.org/markup-compatibility/2006" xmlns:a14="http://schemas.microsoft.com/office/drawing/2010/main">
+        <mc:Choice Requires="a14">
+          <p:sp>
+            <p:nvSpPr>
+              <p:cNvPr id="3" name="Content Placeholder 2">
+                <a:extLst>
+                  <a:ext uri="{FF2B5EF4-FFF2-40B4-BE49-F238E27FC236}">
+                    <a16:creationId xmlns:a16="http://schemas.microsoft.com/office/drawing/2014/main" id="{C1922EBE-583C-744C-A533-640184E37BDC}"/>
+                  </a:ext>
+                </a:extLst>
+              </p:cNvPr>
+              <p:cNvSpPr>
+                <a:spLocks noGrp="1"/>
+              </p:cNvSpPr>
+              <p:nvPr>
+                <p:ph idx="1"/>
+              </p:nvPr>
+            </p:nvSpPr>
+            <p:spPr>
+              <a:xfrm>
+                <a:off x="838200" y="1405054"/>
+                <a:ext cx="10515600" cy="4771909"/>
+              </a:xfrm>
+            </p:spPr>
+            <p:txBody>
+              <a:bodyPr/>
+              <a:lstStyle/>
+              <a:p>
+                <a:pPr marL="0" indent="0">
+                  <a:buNone/>
+                </a:pPr>
+                <a14:m>
+                  <m:oMathPara xmlns:m="http://schemas.openxmlformats.org/officeDocument/2006/math">
+                    <m:oMathParaPr>
+                      <m:jc m:val="centerGroup"/>
+                    </m:oMathParaPr>
+                    <m:oMath xmlns:m="http://schemas.openxmlformats.org/officeDocument/2006/math">
+                      <m:sSub>
+                        <m:sSubPr>
+                          <m:ctrlPr>
+                            <a:rPr lang="en-US" i="1" smtClean="0">
+                              <a:latin typeface="Cambria Math" panose="02040503050406030204" pitchFamily="18" charset="0"/>
+                            </a:rPr>
+                          </m:ctrlPr>
+                        </m:sSubPr>
+                        <m:e>
+                          <m:d>
+                            <m:dPr>
+                              <m:begChr m:val="["/>
+                              <m:endChr m:val="]"/>
+                              <m:ctrlPr>
+                                <a:rPr lang="en-US" i="1" smtClean="0">
+                                  <a:latin typeface="Cambria Math" panose="02040503050406030204" pitchFamily="18" charset="0"/>
+                                </a:rPr>
+                              </m:ctrlPr>
+                            </m:dPr>
+                            <m:e>
+                              <m:m>
+                                <m:mPr>
+                                  <m:mcs>
+                                    <m:mc>
+                                      <m:mcPr>
+                                        <m:count m:val="3"/>
+                                        <m:mcJc m:val="center"/>
+                                      </m:mcPr>
+                                    </m:mc>
+                                  </m:mcs>
+                                  <m:ctrlPr>
+                                    <a:rPr lang="en-US" i="1" smtClean="0">
+                                      <a:latin typeface="Cambria Math" panose="02040503050406030204" pitchFamily="18" charset="0"/>
+                                    </a:rPr>
+                                  </m:ctrlPr>
+                                </m:mPr>
+                                <m:mr>
+                                  <m:e>
+                                    <m:sSub>
+                                      <m:sSubPr>
+                                        <m:ctrlPr>
+                                          <a:rPr lang="en-US" i="1" smtClean="0">
+                                            <a:latin typeface="Cambria Math" panose="02040503050406030204" pitchFamily="18" charset="0"/>
+                                          </a:rPr>
+                                        </m:ctrlPr>
+                                      </m:sSubPr>
+                                      <m:e>
+                                        <m:r>
+                                          <a:rPr lang="en-US" b="0" i="1" smtClean="0">
+                                            <a:latin typeface="Cambria Math" panose="02040503050406030204" pitchFamily="18" charset="0"/>
+                                          </a:rPr>
+                                          <m:t>𝑟</m:t>
+                                        </m:r>
+                                      </m:e>
+                                      <m:sub>
+                                        <m:r>
+                                          <a:rPr lang="en-US" b="0" i="1" smtClean="0">
+                                            <a:latin typeface="Cambria Math" panose="02040503050406030204" pitchFamily="18" charset="0"/>
+                                          </a:rPr>
+                                          <m:t>00</m:t>
+                                        </m:r>
+                                      </m:sub>
+                                    </m:sSub>
+                                  </m:e>
+                                  <m:e>
+                                    <m:r>
+                                      <a:rPr lang="en-US" i="1" smtClean="0">
+                                        <a:latin typeface="Cambria Math" panose="02040503050406030204" pitchFamily="18" charset="0"/>
+                                      </a:rPr>
+                                      <m:t>⋯</m:t>
+                                    </m:r>
+                                  </m:e>
+                                  <m:e>
+                                    <m:sSub>
+                                      <m:sSubPr>
+                                        <m:ctrlPr>
+                                          <a:rPr lang="en-US" i="1" smtClean="0">
+                                            <a:latin typeface="Cambria Math" panose="02040503050406030204" pitchFamily="18" charset="0"/>
+                                          </a:rPr>
+                                        </m:ctrlPr>
+                                      </m:sSubPr>
+                                      <m:e>
+                                        <m:r>
+                                          <a:rPr lang="en-US" b="0" i="1" smtClean="0">
+                                            <a:latin typeface="Cambria Math" panose="02040503050406030204" pitchFamily="18" charset="0"/>
+                                          </a:rPr>
+                                          <m:t>𝑟</m:t>
+                                        </m:r>
+                                      </m:e>
+                                      <m:sub>
+                                        <m:r>
+                                          <a:rPr lang="en-US" b="0" i="1" smtClean="0">
+                                            <a:latin typeface="Cambria Math" panose="02040503050406030204" pitchFamily="18" charset="0"/>
+                                          </a:rPr>
+                                          <m:t>0(</m:t>
+                                        </m:r>
+                                        <m:r>
+                                          <a:rPr lang="en-US" b="0" i="1" smtClean="0">
+                                            <a:latin typeface="Cambria Math" panose="02040503050406030204" pitchFamily="18" charset="0"/>
+                                          </a:rPr>
+                                          <m:t>𝑘</m:t>
+                                        </m:r>
+                                        <m:r>
+                                          <a:rPr lang="en-US" b="0" i="1" smtClean="0">
+                                            <a:latin typeface="Cambria Math" panose="02040503050406030204" pitchFamily="18" charset="0"/>
+                                          </a:rPr>
+                                          <m:t>−1)</m:t>
+                                        </m:r>
+                                      </m:sub>
+                                    </m:sSub>
+                                  </m:e>
+                                </m:mr>
+                                <m:mr>
+                                  <m:e>
+                                    <m:r>
+                                      <a:rPr lang="en-US" i="1" smtClean="0">
+                                        <a:latin typeface="Cambria Math" panose="02040503050406030204" pitchFamily="18" charset="0"/>
+                                      </a:rPr>
+                                      <m:t>⋮</m:t>
+                                    </m:r>
+                                  </m:e>
+                                  <m:e>
+                                    <m:r>
+                                      <a:rPr lang="en-US" i="1" smtClean="0">
+                                        <a:latin typeface="Cambria Math" panose="02040503050406030204" pitchFamily="18" charset="0"/>
+                                      </a:rPr>
+                                      <m:t>⋱</m:t>
+                                    </m:r>
+                                  </m:e>
+                                  <m:e>
+                                    <m:r>
+                                      <a:rPr lang="en-US" i="1" smtClean="0">
+                                        <a:latin typeface="Cambria Math" panose="02040503050406030204" pitchFamily="18" charset="0"/>
+                                      </a:rPr>
+                                      <m:t>⋮</m:t>
+                                    </m:r>
+                                  </m:e>
+                                </m:mr>
+                                <m:mr>
+                                  <m:e>
+                                    <m:sSub>
+                                      <m:sSubPr>
+                                        <m:ctrlPr>
+                                          <a:rPr lang="en-US" i="1" smtClean="0">
+                                            <a:latin typeface="Cambria Math" panose="02040503050406030204" pitchFamily="18" charset="0"/>
+                                          </a:rPr>
+                                        </m:ctrlPr>
+                                      </m:sSubPr>
+                                      <m:e>
+                                        <m:r>
+                                          <a:rPr lang="en-US" b="0" i="1" smtClean="0">
+                                            <a:latin typeface="Cambria Math" panose="02040503050406030204" pitchFamily="18" charset="0"/>
+                                          </a:rPr>
+                                          <m:t>𝑟</m:t>
+                                        </m:r>
+                                      </m:e>
+                                      <m:sub>
+                                        <m:d>
+                                          <m:dPr>
+                                            <m:ctrlPr>
+                                              <a:rPr lang="en-US" b="0" i="1" smtClean="0">
+                                                <a:latin typeface="Cambria Math" panose="02040503050406030204" pitchFamily="18" charset="0"/>
+                                              </a:rPr>
+                                            </m:ctrlPr>
+                                          </m:dPr>
+                                          <m:e>
+                                            <m:r>
+                                              <a:rPr lang="en-US" b="0" i="1" smtClean="0">
+                                                <a:latin typeface="Cambria Math" panose="02040503050406030204" pitchFamily="18" charset="0"/>
+                                              </a:rPr>
+                                              <m:t>𝑡</m:t>
+                                            </m:r>
+                                            <m:r>
+                                              <a:rPr lang="en-US" b="0" i="1" smtClean="0">
+                                                <a:latin typeface="Cambria Math" panose="02040503050406030204" pitchFamily="18" charset="0"/>
+                                              </a:rPr>
+                                              <m:t>−1</m:t>
+                                            </m:r>
+                                          </m:e>
+                                        </m:d>
+                                        <m:r>
+                                          <a:rPr lang="en-US" b="0" i="1" smtClean="0">
+                                            <a:latin typeface="Cambria Math" panose="02040503050406030204" pitchFamily="18" charset="0"/>
+                                          </a:rPr>
+                                          <m:t>0</m:t>
+                                        </m:r>
+                                      </m:sub>
+                                    </m:sSub>
+                                  </m:e>
+                                  <m:e>
+                                    <m:r>
+                                      <a:rPr lang="en-US" i="1" smtClean="0">
+                                        <a:latin typeface="Cambria Math" panose="02040503050406030204" pitchFamily="18" charset="0"/>
+                                      </a:rPr>
+                                      <m:t>⋯</m:t>
+                                    </m:r>
+                                  </m:e>
+                                  <m:e>
+                                    <m:sSub>
+                                      <m:sSubPr>
+                                        <m:ctrlPr>
+                                          <a:rPr lang="en-US" i="1" smtClean="0">
+                                            <a:latin typeface="Cambria Math" panose="02040503050406030204" pitchFamily="18" charset="0"/>
+                                          </a:rPr>
+                                        </m:ctrlPr>
+                                      </m:sSubPr>
+                                      <m:e>
+                                        <m:r>
+                                          <a:rPr lang="en-US" b="0" i="1" smtClean="0">
+                                            <a:latin typeface="Cambria Math" panose="02040503050406030204" pitchFamily="18" charset="0"/>
+                                          </a:rPr>
+                                          <m:t>𝑟</m:t>
+                                        </m:r>
+                                      </m:e>
+                                      <m:sub>
+                                        <m:r>
+                                          <a:rPr lang="en-US" b="0" i="1" smtClean="0">
+                                            <a:latin typeface="Cambria Math" panose="02040503050406030204" pitchFamily="18" charset="0"/>
+                                          </a:rPr>
+                                          <m:t>(</m:t>
+                                        </m:r>
+                                        <m:r>
+                                          <a:rPr lang="en-US" b="0" i="1" smtClean="0">
+                                            <a:latin typeface="Cambria Math" panose="02040503050406030204" pitchFamily="18" charset="0"/>
+                                          </a:rPr>
+                                          <m:t>𝑡</m:t>
+                                        </m:r>
+                                        <m:r>
+                                          <a:rPr lang="en-US" b="0" i="1" smtClean="0">
+                                            <a:latin typeface="Cambria Math" panose="02040503050406030204" pitchFamily="18" charset="0"/>
+                                          </a:rPr>
+                                          <m:t>−1)(</m:t>
+                                        </m:r>
+                                        <m:r>
+                                          <a:rPr lang="en-US" b="0" i="1" smtClean="0">
+                                            <a:latin typeface="Cambria Math" panose="02040503050406030204" pitchFamily="18" charset="0"/>
+                                          </a:rPr>
+                                          <m:t>𝑘</m:t>
+                                        </m:r>
+                                        <m:r>
+                                          <a:rPr lang="en-US" b="0" i="1" smtClean="0">
+                                            <a:latin typeface="Cambria Math" panose="02040503050406030204" pitchFamily="18" charset="0"/>
+                                          </a:rPr>
+                                          <m:t>−1)</m:t>
+                                        </m:r>
+                                      </m:sub>
+                                    </m:sSub>
+                                  </m:e>
+                                </m:mr>
+                              </m:m>
+                            </m:e>
+                          </m:d>
+                        </m:e>
+                        <m:sub>
+                          <m:r>
+                            <a:rPr lang="en-US" b="0" i="1" smtClean="0">
+                              <a:latin typeface="Cambria Math" panose="02040503050406030204" pitchFamily="18" charset="0"/>
+                            </a:rPr>
+                            <m:t>𝑡</m:t>
+                          </m:r>
+                          <m:r>
+                            <a:rPr lang="en-US" b="0" i="1" smtClean="0">
+                              <a:latin typeface="Cambria Math" panose="02040503050406030204" pitchFamily="18" charset="0"/>
+                            </a:rPr>
+                            <m:t> ×</m:t>
+                          </m:r>
+                          <m:r>
+                            <a:rPr lang="en-US" b="0" i="1" smtClean="0">
+                              <a:latin typeface="Cambria Math" panose="02040503050406030204" pitchFamily="18" charset="0"/>
+                            </a:rPr>
+                            <m:t>𝑘</m:t>
+                          </m:r>
+                        </m:sub>
+                      </m:sSub>
+                      <m:sSub>
+                        <m:sSubPr>
+                          <m:ctrlPr>
+                            <a:rPr lang="en-US" i="1" smtClean="0">
+                              <a:latin typeface="Cambria Math" panose="02040503050406030204" pitchFamily="18" charset="0"/>
+                            </a:rPr>
+                          </m:ctrlPr>
+                        </m:sSubPr>
+                        <m:e>
+                          <m:d>
+                            <m:dPr>
+                              <m:begChr m:val="["/>
+                              <m:endChr m:val="]"/>
+                              <m:ctrlPr>
+                                <a:rPr lang="en-US" i="1" smtClean="0">
+                                  <a:latin typeface="Cambria Math" panose="02040503050406030204" pitchFamily="18" charset="0"/>
+                                </a:rPr>
+                              </m:ctrlPr>
+                            </m:dPr>
+                            <m:e>
+                              <m:m>
+                                <m:mPr>
+                                  <m:mcs>
+                                    <m:mc>
+                                      <m:mcPr>
+                                        <m:count m:val="1"/>
+                                        <m:mcJc m:val="center"/>
+                                      </m:mcPr>
+                                    </m:mc>
+                                  </m:mcs>
+                                  <m:ctrlPr>
+                                    <a:rPr lang="en-US" i="1" smtClean="0">
+                                      <a:latin typeface="Cambria Math" panose="02040503050406030204" pitchFamily="18" charset="0"/>
+                                    </a:rPr>
+                                  </m:ctrlPr>
+                                </m:mPr>
+                                <m:mr>
+                                  <m:e>
+                                    <m:sSub>
+                                      <m:sSubPr>
+                                        <m:ctrlPr>
+                                          <a:rPr lang="en-US" i="1" smtClean="0">
+                                            <a:latin typeface="Cambria Math" panose="02040503050406030204" pitchFamily="18" charset="0"/>
+                                          </a:rPr>
+                                        </m:ctrlPr>
+                                      </m:sSubPr>
+                                      <m:e>
+                                        <m:r>
+                                          <a:rPr lang="en-US" b="0" i="1" smtClean="0">
+                                            <a:latin typeface="Cambria Math" panose="02040503050406030204" pitchFamily="18" charset="0"/>
+                                          </a:rPr>
+                                          <m:t>𝑝</m:t>
+                                        </m:r>
+                                      </m:e>
+                                      <m:sub>
+                                        <m:r>
+                                          <a:rPr lang="en-US" b="0" i="1" smtClean="0">
+                                            <a:latin typeface="Cambria Math" panose="02040503050406030204" pitchFamily="18" charset="0"/>
+                                          </a:rPr>
+                                          <m:t>0</m:t>
+                                        </m:r>
+                                      </m:sub>
+                                    </m:sSub>
+                                  </m:e>
+                                </m:mr>
+                                <m:mr>
+                                  <m:e>
+                                    <m:r>
+                                      <a:rPr lang="en-US" i="1" smtClean="0">
+                                        <a:latin typeface="Cambria Math" panose="02040503050406030204" pitchFamily="18" charset="0"/>
+                                      </a:rPr>
+                                      <m:t>⋮</m:t>
+                                    </m:r>
+                                  </m:e>
+                                </m:mr>
+                                <m:mr>
+                                  <m:e>
+                                    <m:sSub>
+                                      <m:sSubPr>
+                                        <m:ctrlPr>
+                                          <a:rPr lang="en-US" i="1" smtClean="0">
+                                            <a:latin typeface="Cambria Math" panose="02040503050406030204" pitchFamily="18" charset="0"/>
+                                          </a:rPr>
+                                        </m:ctrlPr>
+                                      </m:sSubPr>
+                                      <m:e>
+                                        <m:r>
+                                          <a:rPr lang="en-US" b="0" i="1" smtClean="0">
+                                            <a:latin typeface="Cambria Math" panose="02040503050406030204" pitchFamily="18" charset="0"/>
+                                          </a:rPr>
+                                          <m:t>𝑝</m:t>
+                                        </m:r>
+                                      </m:e>
+                                      <m:sub>
+                                        <m:r>
+                                          <a:rPr lang="en-US" b="0" i="1" smtClean="0">
+                                            <a:latin typeface="Cambria Math" panose="02040503050406030204" pitchFamily="18" charset="0"/>
+                                          </a:rPr>
+                                          <m:t>15</m:t>
+                                        </m:r>
+                                      </m:sub>
+                                    </m:sSub>
+                                  </m:e>
+                                </m:mr>
+                              </m:m>
+                            </m:e>
+                          </m:d>
+                        </m:e>
+                        <m:sub>
+                          <m:r>
+                            <a:rPr lang="en-US" b="0" i="1" smtClean="0">
+                              <a:latin typeface="Cambria Math" panose="02040503050406030204" pitchFamily="18" charset="0"/>
+                            </a:rPr>
+                            <m:t>𝑘</m:t>
+                          </m:r>
+                        </m:sub>
+                      </m:sSub>
+                      <m:r>
+                        <a:rPr lang="en-US" b="0" i="1" smtClean="0">
+                          <a:latin typeface="Cambria Math" panose="02040503050406030204" pitchFamily="18" charset="0"/>
+                        </a:rPr>
+                        <m:t>= </m:t>
+                      </m:r>
+                      <m:sSub>
+                        <m:sSubPr>
+                          <m:ctrlPr>
+                            <a:rPr lang="en-US" b="0" i="1" smtClean="0">
+                              <a:latin typeface="Cambria Math" panose="02040503050406030204" pitchFamily="18" charset="0"/>
+                            </a:rPr>
+                          </m:ctrlPr>
+                        </m:sSubPr>
+                        <m:e>
+                          <m:d>
+                            <m:dPr>
+                              <m:begChr m:val="["/>
+                              <m:endChr m:val="]"/>
+                              <m:ctrlPr>
+                                <a:rPr lang="en-US" b="0" i="1" smtClean="0">
+                                  <a:latin typeface="Cambria Math" panose="02040503050406030204" pitchFamily="18" charset="0"/>
+                                </a:rPr>
+                              </m:ctrlPr>
+                            </m:dPr>
+                            <m:e>
+                              <m:m>
+                                <m:mPr>
+                                  <m:mcs>
+                                    <m:mc>
+                                      <m:mcPr>
+                                        <m:count m:val="3"/>
+                                        <m:mcJc m:val="center"/>
+                                      </m:mcPr>
+                                    </m:mc>
+                                  </m:mcs>
+                                  <m:ctrlPr>
+                                    <a:rPr lang="en-US" b="0" i="1" smtClean="0">
+                                      <a:latin typeface="Cambria Math" panose="02040503050406030204" pitchFamily="18" charset="0"/>
+                                    </a:rPr>
+                                  </m:ctrlPr>
+                                </m:mPr>
+                                <m:mr>
+                                  <m:e>
+                                    <m:sSub>
+                                      <m:sSubPr>
+                                        <m:ctrlPr>
+                                          <a:rPr lang="en-US" b="0" i="1" smtClean="0">
+                                            <a:latin typeface="Cambria Math" panose="02040503050406030204" pitchFamily="18" charset="0"/>
+                                          </a:rPr>
+                                        </m:ctrlPr>
+                                      </m:sSubPr>
+                                      <m:e>
+                                        <m:r>
+                                          <a:rPr lang="en-US" b="0" i="1" smtClean="0">
+                                            <a:latin typeface="Cambria Math" panose="02040503050406030204" pitchFamily="18" charset="0"/>
+                                          </a:rPr>
+                                          <m:t>𝑧</m:t>
+                                        </m:r>
+                                      </m:e>
+                                      <m:sub>
+                                        <m:r>
+                                          <a:rPr lang="en-US" b="0" i="1" smtClean="0">
+                                            <a:latin typeface="Cambria Math" panose="02040503050406030204" pitchFamily="18" charset="0"/>
+                                          </a:rPr>
+                                          <m:t>0</m:t>
+                                        </m:r>
+                                      </m:sub>
+                                    </m:sSub>
+                                  </m:e>
+                                  <m:e>
+                                    <m:r>
+                                      <a:rPr lang="en-US" b="0" i="1" smtClean="0">
+                                        <a:latin typeface="Cambria Math" panose="02040503050406030204" pitchFamily="18" charset="0"/>
+                                      </a:rPr>
+                                      <m:t>…</m:t>
+                                    </m:r>
+                                  </m:e>
+                                  <m:e>
+                                    <m:sSub>
+                                      <m:sSubPr>
+                                        <m:ctrlPr>
+                                          <a:rPr lang="en-US" b="0" i="1" smtClean="0">
+                                            <a:latin typeface="Cambria Math" panose="02040503050406030204" pitchFamily="18" charset="0"/>
+                                          </a:rPr>
+                                        </m:ctrlPr>
+                                      </m:sSubPr>
+                                      <m:e>
+                                        <m:r>
+                                          <a:rPr lang="en-US" b="0" i="1" smtClean="0">
+                                            <a:latin typeface="Cambria Math" panose="02040503050406030204" pitchFamily="18" charset="0"/>
+                                          </a:rPr>
+                                          <m:t>𝑧</m:t>
+                                        </m:r>
+                                      </m:e>
+                                      <m:sub>
+                                        <m:r>
+                                          <a:rPr lang="en-US" b="0" i="1" smtClean="0">
+                                            <a:latin typeface="Cambria Math" panose="02040503050406030204" pitchFamily="18" charset="0"/>
+                                          </a:rPr>
+                                          <m:t>(</m:t>
+                                        </m:r>
+                                        <m:r>
+                                          <a:rPr lang="en-US" b="0" i="1" smtClean="0">
+                                            <a:latin typeface="Cambria Math" panose="02040503050406030204" pitchFamily="18" charset="0"/>
+                                          </a:rPr>
+                                          <m:t>𝑚</m:t>
+                                        </m:r>
+                                        <m:r>
+                                          <a:rPr lang="en-US" b="0" i="1" smtClean="0">
+                                            <a:latin typeface="Cambria Math" panose="02040503050406030204" pitchFamily="18" charset="0"/>
+                                          </a:rPr>
+                                          <m:t>−1)</m:t>
+                                        </m:r>
+                                      </m:sub>
+                                    </m:sSub>
+                                  </m:e>
+                                </m:mr>
+                              </m:m>
+                            </m:e>
+                          </m:d>
+                        </m:e>
+                        <m:sub>
+                          <m:r>
+                            <a:rPr lang="en-US" b="0" i="1" smtClean="0">
+                              <a:latin typeface="Cambria Math" panose="02040503050406030204" pitchFamily="18" charset="0"/>
+                            </a:rPr>
+                            <m:t>𝑚</m:t>
+                          </m:r>
+                        </m:sub>
+                      </m:sSub>
+                    </m:oMath>
+                  </m:oMathPara>
+                </a14:m>
+                <a:endParaRPr lang="en-US" dirty="0"/>
+              </a:p>
+            </p:txBody>
+          </p:sp>
+        </mc:Choice>
+        <mc:Fallback xmlns="">
+          <p:sp>
+            <p:nvSpPr>
+              <p:cNvPr id="3" name="Content Placeholder 2">
+                <a:extLst>
+                  <a:ext uri="{FF2B5EF4-FFF2-40B4-BE49-F238E27FC236}">
+                    <a16:creationId xmlns:a16="http://schemas.microsoft.com/office/drawing/2014/main" id="{C1922EBE-583C-744C-A533-640184E37BDC}"/>
+                  </a:ext>
+                </a:extLst>
+              </p:cNvPr>
+              <p:cNvSpPr>
+                <a:spLocks noGrp="1" noRot="1" noChangeAspect="1" noMove="1" noResize="1" noEditPoints="1" noAdjustHandles="1" noChangeArrowheads="1" noChangeShapeType="1" noTextEdit="1"/>
+              </p:cNvSpPr>
+              <p:nvPr>
+                <p:ph idx="1"/>
+              </p:nvPr>
+            </p:nvSpPr>
+            <p:spPr>
+              <a:xfrm>
+                <a:off x="838200" y="1405054"/>
+                <a:ext cx="10515600" cy="4771909"/>
+              </a:xfrm>
+              <a:blipFill>
+                <a:blip r:embed="rId3"/>
+                <a:stretch>
+                  <a:fillRect t="-796"/>
+                </a:stretch>
+              </a:blipFill>
+            </p:spPr>
+            <p:txBody>
+              <a:bodyPr/>
+              <a:lstStyle/>
+              <a:p>
+                <a:r>
+                  <a:rPr lang="en-US">
+                    <a:noFill/>
+                  </a:rPr>
+                  <a:t> </a:t>
+                </a:r>
+              </a:p>
+            </p:txBody>
+          </p:sp>
+        </mc:Fallback>
+      </mc:AlternateContent>
+      <mc:AlternateContent xmlns:mc="http://schemas.openxmlformats.org/markup-compatibility/2006" xmlns:a14="http://schemas.microsoft.com/office/drawing/2010/main">
+        <mc:Choice Requires="a14">
+          <p:sp>
+            <p:nvSpPr>
+              <p:cNvPr id="6" name="TextBox 5">
+                <a:extLst>
+                  <a:ext uri="{FF2B5EF4-FFF2-40B4-BE49-F238E27FC236}">
+                    <a16:creationId xmlns:a16="http://schemas.microsoft.com/office/drawing/2014/main" id="{22DB4E3F-FC44-924A-BB4D-20D12D363CDA}"/>
+                  </a:ext>
+                </a:extLst>
+              </p:cNvPr>
+              <p:cNvSpPr txBox="1"/>
+              <p:nvPr/>
+            </p:nvSpPr>
+            <p:spPr>
+              <a:xfrm>
+                <a:off x="423746" y="3345366"/>
+                <a:ext cx="10515600" cy="1222642"/>
+              </a:xfrm>
+              <a:prstGeom prst="rect">
+                <a:avLst/>
+              </a:prstGeom>
+              <a:noFill/>
+            </p:spPr>
+            <p:txBody>
+              <a:bodyPr wrap="square" rtlCol="0">
+                <a:spAutoFit/>
+              </a:bodyPr>
+              <a:lstStyle/>
+              <a:p>
+                <a:r>
+                  <a:rPr lang="en-US" dirty="0"/>
+                  <a:t>where,</a:t>
+                </a:r>
+              </a:p>
+              <a:p>
+                <a:r>
+                  <a:rPr lang="en-US" dirty="0"/>
+                  <a:t>	</a:t>
+                </a:r>
+                <a14:m>
+                  <m:oMath xmlns:m="http://schemas.openxmlformats.org/officeDocument/2006/math">
+                    <m:sSub>
+                      <m:sSubPr>
+                        <m:ctrlPr>
+                          <a:rPr lang="en-US" i="1" smtClean="0">
+                            <a:latin typeface="Cambria Math" panose="02040503050406030204" pitchFamily="18" charset="0"/>
+                          </a:rPr>
+                        </m:ctrlPr>
+                      </m:sSubPr>
+                      <m:e>
+                        <m:r>
+                          <a:rPr lang="en-US" b="0" i="1" smtClean="0">
+                            <a:latin typeface="Cambria Math" panose="02040503050406030204" pitchFamily="18" charset="0"/>
+                          </a:rPr>
+                          <m:t>𝑟</m:t>
+                        </m:r>
+                      </m:e>
+                      <m:sub>
+                        <m:r>
+                          <a:rPr lang="en-US" b="0" i="1" smtClean="0">
+                            <a:latin typeface="Cambria Math" panose="02040503050406030204" pitchFamily="18" charset="0"/>
+                          </a:rPr>
+                          <m:t>𝑖𝑗</m:t>
+                        </m:r>
+                      </m:sub>
+                    </m:sSub>
+                    <m:r>
+                      <a:rPr lang="en-US" b="0" i="1" smtClean="0">
+                        <a:latin typeface="Cambria Math" panose="02040503050406030204" pitchFamily="18" charset="0"/>
+                      </a:rPr>
+                      <m:t>=</m:t>
+                    </m:r>
+                    <m:r>
+                      <a:rPr lang="en-US" b="0" i="1" smtClean="0">
+                        <a:latin typeface="Cambria Math" panose="02040503050406030204" pitchFamily="18" charset="0"/>
+                      </a:rPr>
+                      <m:t>𝑝𝑟𝑒𝑐𝑜𝑚𝑝𝑢𝑡𝑒𝑑</m:t>
+                    </m:r>
+                    <m:r>
+                      <a:rPr lang="en-US" b="0" i="1" smtClean="0">
+                        <a:latin typeface="Cambria Math" panose="02040503050406030204" pitchFamily="18" charset="0"/>
+                      </a:rPr>
+                      <m:t> </m:t>
+                    </m:r>
+                    <m:r>
+                      <a:rPr lang="en-US" b="0" i="1" smtClean="0">
+                        <a:latin typeface="Cambria Math" panose="02040503050406030204" pitchFamily="18" charset="0"/>
+                      </a:rPr>
+                      <m:t>𝑝𝑟𝑜𝑑𝑢𝑐𝑡</m:t>
+                    </m:r>
+                    <m:r>
+                      <a:rPr lang="en-US" b="0" i="1" smtClean="0">
+                        <a:latin typeface="Cambria Math" panose="02040503050406030204" pitchFamily="18" charset="0"/>
+                      </a:rPr>
+                      <m:t> </m:t>
+                    </m:r>
+                    <m:r>
+                      <a:rPr lang="en-US" b="0" i="1" smtClean="0">
+                        <a:latin typeface="Cambria Math" panose="02040503050406030204" pitchFamily="18" charset="0"/>
+                      </a:rPr>
+                      <m:t>𝑣𝑎𝑙𝑢𝑒</m:t>
+                    </m:r>
+                    <m:r>
+                      <a:rPr lang="en-US" b="0" i="1" smtClean="0">
+                        <a:latin typeface="Cambria Math" panose="02040503050406030204" pitchFamily="18" charset="0"/>
+                      </a:rPr>
+                      <m:t> </m:t>
+                    </m:r>
+                    <m:r>
+                      <a:rPr lang="en-US" b="0" i="1" smtClean="0">
+                        <a:latin typeface="Cambria Math" panose="02040503050406030204" pitchFamily="18" charset="0"/>
+                      </a:rPr>
+                      <m:t>𝑜𝑓</m:t>
+                    </m:r>
+                    <m:r>
+                      <a:rPr lang="en-US" b="0" i="1" smtClean="0">
+                        <a:latin typeface="Cambria Math" panose="02040503050406030204" pitchFamily="18" charset="0"/>
+                      </a:rPr>
+                      <m:t> </m:t>
+                    </m:r>
+                    <m:r>
+                      <a:rPr lang="en-US" b="0" i="1" smtClean="0">
+                        <a:latin typeface="Cambria Math" panose="02040503050406030204" pitchFamily="18" charset="0"/>
+                      </a:rPr>
+                      <m:t>𝑖𝑛𝑝𝑢𝑡𝑠</m:t>
+                    </m:r>
+                    <m:r>
+                      <a:rPr lang="en-US" b="0" i="1" smtClean="0">
+                        <a:latin typeface="Cambria Math" panose="02040503050406030204" pitchFamily="18" charset="0"/>
+                      </a:rPr>
+                      <m:t> </m:t>
+                    </m:r>
+                    <m:r>
+                      <a:rPr lang="en-US" b="0" i="1" smtClean="0">
+                        <a:latin typeface="Cambria Math" panose="02040503050406030204" pitchFamily="18" charset="0"/>
+                      </a:rPr>
+                      <m:t>𝑤𝑖𝑡h</m:t>
+                    </m:r>
+                    <m:r>
+                      <a:rPr lang="en-US" b="0" i="1" smtClean="0">
+                        <a:latin typeface="Cambria Math" panose="02040503050406030204" pitchFamily="18" charset="0"/>
+                      </a:rPr>
+                      <m:t> </m:t>
+                    </m:r>
+                    <m:r>
+                      <a:rPr lang="en-US" b="0" i="1" smtClean="0">
+                        <a:latin typeface="Cambria Math" panose="02040503050406030204" pitchFamily="18" charset="0"/>
+                      </a:rPr>
+                      <m:t>𝑎𝑙𝑙</m:t>
+                    </m:r>
+                    <m:r>
+                      <a:rPr lang="en-US" b="0" i="1" smtClean="0">
+                        <a:latin typeface="Cambria Math" panose="02040503050406030204" pitchFamily="18" charset="0"/>
+                      </a:rPr>
+                      <m:t> </m:t>
+                    </m:r>
+                    <m:r>
+                      <a:rPr lang="en-US" b="0" i="1" smtClean="0">
+                        <a:latin typeface="Cambria Math" panose="02040503050406030204" pitchFamily="18" charset="0"/>
+                      </a:rPr>
+                      <m:t>𝑝𝑜𝑠𝑠𝑖𝑏𝑙𝑒</m:t>
+                    </m:r>
+                    <m:r>
+                      <a:rPr lang="en-US" b="0" i="1" smtClean="0">
+                        <a:latin typeface="Cambria Math" panose="02040503050406030204" pitchFamily="18" charset="0"/>
+                      </a:rPr>
+                      <m:t> </m:t>
+                    </m:r>
+                    <m:r>
+                      <a:rPr lang="en-US" b="0" i="1" smtClean="0">
+                        <a:latin typeface="Cambria Math" panose="02040503050406030204" pitchFamily="18" charset="0"/>
+                      </a:rPr>
+                      <m:t>𝑣𝑎𝑙𝑢𝑒𝑠</m:t>
+                    </m:r>
+                    <m:r>
+                      <a:rPr lang="en-US" b="0" i="1" smtClean="0">
+                        <a:latin typeface="Cambria Math" panose="02040503050406030204" pitchFamily="18" charset="0"/>
+                      </a:rPr>
+                      <m:t> </m:t>
+                    </m:r>
+                    <m:r>
+                      <a:rPr lang="en-US" b="0" i="1" smtClean="0">
+                        <a:latin typeface="Cambria Math" panose="02040503050406030204" pitchFamily="18" charset="0"/>
+                      </a:rPr>
+                      <m:t>𝑜𝑓</m:t>
+                    </m:r>
+                    <m:r>
+                      <a:rPr lang="en-US" b="0" i="1" smtClean="0">
+                        <a:latin typeface="Cambria Math" panose="02040503050406030204" pitchFamily="18" charset="0"/>
+                      </a:rPr>
+                      <m:t> </m:t>
+                    </m:r>
+                    <m:r>
+                      <a:rPr lang="en-US" b="0" i="1" smtClean="0">
+                        <a:latin typeface="Cambria Math" panose="02040503050406030204" pitchFamily="18" charset="0"/>
+                      </a:rPr>
+                      <m:t>𝑠𝑎𝑚𝑒</m:t>
+                    </m:r>
+                    <m:r>
+                      <a:rPr lang="en-US" b="0" i="1" smtClean="0">
+                        <a:latin typeface="Cambria Math" panose="02040503050406030204" pitchFamily="18" charset="0"/>
+                      </a:rPr>
+                      <m:t> </m:t>
+                    </m:r>
+                    <m:r>
+                      <a:rPr lang="en-US" b="0" i="1" smtClean="0">
+                        <a:latin typeface="Cambria Math" panose="02040503050406030204" pitchFamily="18" charset="0"/>
+                      </a:rPr>
+                      <m:t>𝑠𝑖𝑧𝑒</m:t>
+                    </m:r>
+                    <m:r>
+                      <a:rPr lang="en-US" b="0" i="1" smtClean="0">
+                        <a:latin typeface="Cambria Math" panose="02040503050406030204" pitchFamily="18" charset="0"/>
+                      </a:rPr>
+                      <m:t>.</m:t>
+                    </m:r>
+                  </m:oMath>
+                </a14:m>
+                <a:endParaRPr lang="en-US" b="0" i="1">
+                  <a:latin typeface="Cambria Math" panose="02040503050406030204" pitchFamily="18" charset="0"/>
+                </a:endParaRPr>
+              </a:p>
+              <a:p>
+                <a:pPr/>
+                <a14:m>
+                  <m:oMathPara xmlns:m="http://schemas.openxmlformats.org/officeDocument/2006/math">
+                    <m:oMathParaPr>
+                      <m:jc m:val="centerGroup"/>
+                    </m:oMathParaPr>
+                    <m:oMath xmlns:m="http://schemas.openxmlformats.org/officeDocument/2006/math">
+                      <m:r>
+                        <a:rPr lang="en-US" b="0" i="1" smtClean="0">
+                          <a:latin typeface="Cambria Math" panose="02040503050406030204" pitchFamily="18" charset="0"/>
+                        </a:rPr>
+                        <m:t>  </m:t>
+                      </m:r>
+                      <m:r>
+                        <a:rPr lang="en-US" b="0" i="1" smtClean="0">
+                          <a:latin typeface="Cambria Math" panose="02040503050406030204" pitchFamily="18" charset="0"/>
+                        </a:rPr>
+                        <m:t>𝑖</m:t>
+                      </m:r>
+                      <m:r>
+                        <a:rPr lang="en-US" b="0" i="1" smtClean="0">
+                          <a:latin typeface="Cambria Math" panose="02040503050406030204" pitchFamily="18" charset="0"/>
+                        </a:rPr>
+                        <m:t>∈[0,</m:t>
+                      </m:r>
+                      <m:d>
+                        <m:dPr>
+                          <m:ctrlPr>
+                            <a:rPr lang="en-US" b="0" i="1" smtClean="0">
+                              <a:latin typeface="Cambria Math" panose="02040503050406030204" pitchFamily="18" charset="0"/>
+                            </a:rPr>
+                          </m:ctrlPr>
+                        </m:dPr>
+                        <m:e>
+                          <m:r>
+                            <a:rPr lang="en-US" b="0" i="1" smtClean="0">
+                              <a:latin typeface="Cambria Math" panose="02040503050406030204" pitchFamily="18" charset="0"/>
+                            </a:rPr>
+                            <m:t>𝑡</m:t>
+                          </m:r>
+                          <m:r>
+                            <a:rPr lang="en-US" b="0" i="1" smtClean="0">
+                              <a:latin typeface="Cambria Math" panose="02040503050406030204" pitchFamily="18" charset="0"/>
+                            </a:rPr>
+                            <m:t>−1</m:t>
+                          </m:r>
+                        </m:e>
+                      </m:d>
+                      <m:r>
+                        <a:rPr lang="en-US" b="0" i="1" smtClean="0">
+                          <a:latin typeface="Cambria Math" panose="02040503050406030204" pitchFamily="18" charset="0"/>
+                        </a:rPr>
+                        <m:t> </m:t>
+                      </m:r>
+                      <m:r>
+                        <a:rPr lang="en-US" b="0" i="1" smtClean="0">
+                          <a:latin typeface="Cambria Math" panose="02040503050406030204" pitchFamily="18" charset="0"/>
+                        </a:rPr>
+                        <m:t>𝑎𝑛𝑑</m:t>
+                      </m:r>
+                      <m:r>
+                        <a:rPr lang="en-US" b="0" i="1" smtClean="0">
+                          <a:latin typeface="Cambria Math" panose="02040503050406030204" pitchFamily="18" charset="0"/>
+                        </a:rPr>
+                        <m:t> </m:t>
+                      </m:r>
+                      <m:r>
+                        <a:rPr lang="en-US" b="0" i="1" smtClean="0">
+                          <a:latin typeface="Cambria Math" panose="02040503050406030204" pitchFamily="18" charset="0"/>
+                        </a:rPr>
+                        <m:t>𝑗</m:t>
+                      </m:r>
+                      <m:r>
+                        <a:rPr lang="en-US" b="0" i="1" smtClean="0">
+                          <a:latin typeface="Cambria Math" panose="02040503050406030204" pitchFamily="18" charset="0"/>
+                        </a:rPr>
+                        <m:t>∈[0, </m:t>
+                      </m:r>
+                      <m:d>
+                        <m:dPr>
+                          <m:ctrlPr>
+                            <a:rPr lang="en-US" b="0" i="1" smtClean="0">
+                              <a:latin typeface="Cambria Math" panose="02040503050406030204" pitchFamily="18" charset="0"/>
+                            </a:rPr>
+                          </m:ctrlPr>
+                        </m:dPr>
+                        <m:e>
+                          <m:r>
+                            <a:rPr lang="en-US" b="0" i="1" smtClean="0">
+                              <a:latin typeface="Cambria Math" panose="02040503050406030204" pitchFamily="18" charset="0"/>
+                            </a:rPr>
+                            <m:t>𝑘</m:t>
+                          </m:r>
+                          <m:r>
+                            <a:rPr lang="en-US" b="0" i="1" smtClean="0">
+                              <a:latin typeface="Cambria Math" panose="02040503050406030204" pitchFamily="18" charset="0"/>
+                            </a:rPr>
+                            <m:t>−1</m:t>
+                          </m:r>
+                        </m:e>
+                      </m:d>
+                      <m:r>
+                        <a:rPr lang="en-US" b="0" i="1" smtClean="0">
+                          <a:latin typeface="Cambria Math" panose="02040503050406030204" pitchFamily="18" charset="0"/>
+                        </a:rPr>
+                        <m:t>]</m:t>
+                      </m:r>
+                    </m:oMath>
+                  </m:oMathPara>
+                </a14:m>
+                <a:endParaRPr lang="en-US" dirty="0"/>
+              </a:p>
+              <a:p>
+                <a:r>
+                  <a:rPr lang="en-US" dirty="0"/>
+                  <a:t>	</a:t>
+                </a:r>
+                <a14:m>
+                  <m:oMath xmlns:m="http://schemas.openxmlformats.org/officeDocument/2006/math">
+                    <m:sSub>
+                      <m:sSubPr>
+                        <m:ctrlPr>
+                          <a:rPr lang="en-US" i="1" smtClean="0">
+                            <a:latin typeface="Cambria Math" panose="02040503050406030204" pitchFamily="18" charset="0"/>
+                          </a:rPr>
+                        </m:ctrlPr>
+                      </m:sSubPr>
+                      <m:e>
+                        <m:r>
+                          <a:rPr lang="en-US" b="0" i="1" smtClean="0">
+                            <a:latin typeface="Cambria Math" panose="02040503050406030204" pitchFamily="18" charset="0"/>
+                          </a:rPr>
+                          <m:t>𝑝</m:t>
+                        </m:r>
+                      </m:e>
+                      <m:sub>
+                        <m:r>
+                          <a:rPr lang="en-US" b="0" i="1" smtClean="0">
+                            <a:latin typeface="Cambria Math" panose="02040503050406030204" pitchFamily="18" charset="0"/>
+                          </a:rPr>
+                          <m:t>𝑖</m:t>
+                        </m:r>
+                      </m:sub>
+                    </m:sSub>
+                    <m:r>
+                      <a:rPr lang="en-US" b="0" i="1" smtClean="0">
+                        <a:latin typeface="Cambria Math" panose="02040503050406030204" pitchFamily="18" charset="0"/>
+                      </a:rPr>
+                      <m:t>=</m:t>
+                    </m:r>
+                    <m:r>
+                      <a:rPr lang="en-US" b="0" i="1" smtClean="0">
+                        <a:latin typeface="Cambria Math" panose="02040503050406030204" pitchFamily="18" charset="0"/>
+                      </a:rPr>
+                      <m:t>𝑝𝑎𝑐𝑘𝑒𝑑</m:t>
+                    </m:r>
+                    <m:r>
+                      <a:rPr lang="en-US" b="0" i="1" smtClean="0">
+                        <a:latin typeface="Cambria Math" panose="02040503050406030204" pitchFamily="18" charset="0"/>
+                      </a:rPr>
+                      <m:t> </m:t>
+                    </m:r>
+                    <m:r>
+                      <a:rPr lang="en-US" b="0" i="1" smtClean="0">
+                        <a:latin typeface="Cambria Math" panose="02040503050406030204" pitchFamily="18" charset="0"/>
+                      </a:rPr>
+                      <m:t>𝑜𝑢𝑡𝑝𝑢𝑡</m:t>
+                    </m:r>
+                    <m:r>
+                      <a:rPr lang="en-US" b="0" i="1" smtClean="0">
+                        <a:latin typeface="Cambria Math" panose="02040503050406030204" pitchFamily="18" charset="0"/>
+                      </a:rPr>
+                      <m:t> </m:t>
+                    </m:r>
+                    <m:r>
+                      <a:rPr lang="en-US" b="0" i="1" smtClean="0">
+                        <a:latin typeface="Cambria Math" panose="02040503050406030204" pitchFamily="18" charset="0"/>
+                      </a:rPr>
+                      <m:t>𝑜𝑓</m:t>
+                    </m:r>
+                    <m:r>
+                      <a:rPr lang="en-US" b="0" i="1" smtClean="0">
+                        <a:latin typeface="Cambria Math" panose="02040503050406030204" pitchFamily="18" charset="0"/>
+                      </a:rPr>
+                      <m:t> </m:t>
+                    </m:r>
+                    <m:r>
+                      <a:rPr lang="en-US" b="0" i="1" smtClean="0">
+                        <a:latin typeface="Cambria Math" panose="02040503050406030204" pitchFamily="18" charset="0"/>
+                      </a:rPr>
+                      <m:t>𝑝h𝑎𝑠𝑒</m:t>
+                    </m:r>
+                    <m:r>
+                      <a:rPr lang="en-US" b="0" i="1" smtClean="0">
+                        <a:latin typeface="Cambria Math" panose="02040503050406030204" pitchFamily="18" charset="0"/>
+                      </a:rPr>
+                      <m:t> 2 </m:t>
+                    </m:r>
+                    <m:r>
+                      <a:rPr lang="en-US" b="0" i="1" smtClean="0">
+                        <a:latin typeface="Cambria Math" panose="02040503050406030204" pitchFamily="18" charset="0"/>
+                      </a:rPr>
+                      <m:t>𝑖𝑛</m:t>
+                    </m:r>
+                    <m:r>
+                      <a:rPr lang="en-US" b="0" i="1" smtClean="0">
+                        <a:latin typeface="Cambria Math" panose="02040503050406030204" pitchFamily="18" charset="0"/>
+                      </a:rPr>
+                      <m:t> </m:t>
+                    </m:r>
+                    <m:r>
+                      <a:rPr lang="en-US" b="0" i="1" smtClean="0">
+                        <a:latin typeface="Cambria Math" panose="02040503050406030204" pitchFamily="18" charset="0"/>
+                      </a:rPr>
+                      <m:t>𝑜𝑃𝑅𝐹</m:t>
+                    </m:r>
+                    <m:r>
+                      <a:rPr lang="en-US" b="0" i="1" smtClean="0">
+                        <a:latin typeface="Cambria Math" panose="02040503050406030204" pitchFamily="18" charset="0"/>
+                      </a:rPr>
+                      <m:t>, </m:t>
+                    </m:r>
+                    <m:r>
+                      <a:rPr lang="en-US" b="0" i="1" smtClean="0">
+                        <a:latin typeface="Cambria Math" panose="02040503050406030204" pitchFamily="18" charset="0"/>
+                      </a:rPr>
+                      <m:t>𝐷𝐼𝐷𝑂</m:t>
+                    </m:r>
+                    <m:r>
+                      <a:rPr lang="en-US" b="0" i="1" smtClean="0">
+                        <a:latin typeface="Cambria Math" panose="02040503050406030204" pitchFamily="18" charset="0"/>
+                      </a:rPr>
+                      <m:t> </m:t>
+                    </m:r>
+                    <m:r>
+                      <a:rPr lang="en-US" b="0" i="1" smtClean="0">
+                        <a:latin typeface="Cambria Math" panose="02040503050406030204" pitchFamily="18" charset="0"/>
+                      </a:rPr>
+                      <m:t>𝑝𝑟𝑜𝑡𝑜𝑐𝑜𝑙</m:t>
+                    </m:r>
+                    <m:r>
+                      <a:rPr lang="en-US" b="0" i="1" smtClean="0">
+                        <a:latin typeface="Cambria Math" panose="02040503050406030204" pitchFamily="18" charset="0"/>
+                      </a:rPr>
+                      <m:t> </m:t>
+                    </m:r>
+                    <m:r>
+                      <a:rPr lang="en-US" b="0" i="1" smtClean="0">
+                        <a:latin typeface="Cambria Math" panose="02040503050406030204" pitchFamily="18" charset="0"/>
+                      </a:rPr>
+                      <m:t>𝑐𝑜𝑛𝑡𝑎𝑖𝑛𝑖𝑛𝑔</m:t>
+                    </m:r>
+                    <m:r>
+                      <a:rPr lang="en-US" b="0" i="1" smtClean="0">
+                        <a:latin typeface="Cambria Math" panose="02040503050406030204" pitchFamily="18" charset="0"/>
+                      </a:rPr>
+                      <m:t> </m:t>
+                    </m:r>
+                    <m:d>
+                      <m:dPr>
+                        <m:ctrlPr>
+                          <a:rPr lang="en-US" b="0" i="1" smtClean="0">
+                            <a:latin typeface="Cambria Math" panose="02040503050406030204" pitchFamily="18" charset="0"/>
+                          </a:rPr>
+                        </m:ctrlPr>
+                      </m:dPr>
+                      <m:e>
+                        <m:r>
+                          <a:rPr lang="en-US" b="0" i="1" smtClean="0">
+                            <a:latin typeface="Cambria Math" panose="02040503050406030204" pitchFamily="18" charset="0"/>
+                          </a:rPr>
+                          <m:t>𝐾</m:t>
+                        </m:r>
+                        <m:r>
+                          <a:rPr lang="en-US" b="0" i="1" smtClean="0">
+                            <a:latin typeface="Cambria Math" panose="02040503050406030204" pitchFamily="18" charset="0"/>
+                          </a:rPr>
+                          <m:t> × </m:t>
+                        </m:r>
+                        <m:r>
+                          <a:rPr lang="en-US" b="0" i="1" smtClean="0">
+                            <a:latin typeface="Cambria Math" panose="02040503050406030204" pitchFamily="18" charset="0"/>
+                          </a:rPr>
+                          <m:t>𝑥</m:t>
+                        </m:r>
+                      </m:e>
+                    </m:d>
+                    <m:r>
+                      <a:rPr lang="en-US" b="0" i="1" smtClean="0">
+                        <a:latin typeface="Cambria Math" panose="02040503050406030204" pitchFamily="18" charset="0"/>
+                      </a:rPr>
+                      <m:t>∈ </m:t>
+                    </m:r>
+                    <m:sSubSup>
+                      <m:sSubSupPr>
+                        <m:ctrlPr>
+                          <a:rPr lang="en-US" b="0" i="1" smtClean="0">
+                            <a:latin typeface="Cambria Math" panose="02040503050406030204" pitchFamily="18" charset="0"/>
+                          </a:rPr>
+                        </m:ctrlPr>
+                      </m:sSubSupPr>
+                      <m:e>
+                        <m:r>
+                          <a:rPr lang="en-US" b="0" i="1" smtClean="0">
+                            <a:latin typeface="Cambria Math" panose="02040503050406030204" pitchFamily="18" charset="0"/>
+                            <a:ea typeface="Cambria Math" panose="02040503050406030204" pitchFamily="18" charset="0"/>
+                          </a:rPr>
+                          <m:t>ℤ</m:t>
+                        </m:r>
+                      </m:e>
+                      <m:sub>
+                        <m:r>
+                          <a:rPr lang="en-US" b="0" i="1" smtClean="0">
+                            <a:latin typeface="Cambria Math" panose="02040503050406030204" pitchFamily="18" charset="0"/>
+                          </a:rPr>
+                          <m:t>3</m:t>
+                        </m:r>
+                      </m:sub>
+                      <m:sup>
+                        <m:r>
+                          <a:rPr lang="en-US" b="0" i="1" smtClean="0">
+                            <a:latin typeface="Cambria Math" panose="02040503050406030204" pitchFamily="18" charset="0"/>
+                          </a:rPr>
+                          <m:t>𝑚</m:t>
+                        </m:r>
+                      </m:sup>
+                    </m:sSubSup>
+                  </m:oMath>
+                </a14:m>
+                <a:r>
+                  <a:rPr lang="en-US" dirty="0"/>
+                  <a:t> </a:t>
+                </a:r>
+              </a:p>
+            </p:txBody>
+          </p:sp>
+        </mc:Choice>
+        <mc:Fallback xmlns="">
+          <p:sp>
+            <p:nvSpPr>
+              <p:cNvPr id="6" name="TextBox 5">
+                <a:extLst>
+                  <a:ext uri="{FF2B5EF4-FFF2-40B4-BE49-F238E27FC236}">
+                    <a16:creationId xmlns:a16="http://schemas.microsoft.com/office/drawing/2014/main" id="{22DB4E3F-FC44-924A-BB4D-20D12D363CDA}"/>
+                  </a:ext>
+                </a:extLst>
+              </p:cNvPr>
+              <p:cNvSpPr txBox="1">
+                <a:spLocks noRot="1" noChangeAspect="1" noMove="1" noResize="1" noEditPoints="1" noAdjustHandles="1" noChangeArrowheads="1" noChangeShapeType="1" noTextEdit="1"/>
+              </p:cNvSpPr>
+              <p:nvPr/>
+            </p:nvSpPr>
+            <p:spPr>
+              <a:xfrm>
+                <a:off x="423746" y="3345366"/>
+                <a:ext cx="10515600" cy="1222642"/>
+              </a:xfrm>
+              <a:prstGeom prst="rect">
+                <a:avLst/>
+              </a:prstGeom>
+              <a:blipFill>
+                <a:blip r:embed="rId4"/>
+                <a:stretch>
+                  <a:fillRect l="-483" t="-2062" b="-4124"/>
+                </a:stretch>
+              </a:blipFill>
+            </p:spPr>
+            <p:txBody>
+              <a:bodyPr/>
+              <a:lstStyle/>
+              <a:p>
+                <a:r>
+                  <a:rPr lang="en-US">
+                    <a:noFill/>
+                  </a:rPr>
+                  <a:t> </a:t>
+                </a:r>
+              </a:p>
+            </p:txBody>
+          </p:sp>
+        </mc:Fallback>
+      </mc:AlternateContent>
     </p:spTree>
     <p:extLst>
       <p:ext uri="{BB962C8B-B14F-4D97-AF65-F5344CB8AC3E}">
-        <p14:creationId xmlns:p14="http://schemas.microsoft.com/office/powerpoint/2010/main" val="4124445099"/>
+        <p14:creationId xmlns:p14="http://schemas.microsoft.com/office/powerpoint/2010/main" val="3955762905"/>
       </p:ext>
     </p:extLst>
   </p:cSld>
@@ -7328,4 +8948,299 @@
     </a:ext>
   </a:extLst>
 </a:theme>
+</file>
+
+<file path=ppt/theme/theme2.xml><?xml version="1.0" encoding="utf-8"?>
+<a:theme xmlns:a="http://schemas.openxmlformats.org/drawingml/2006/main" name="Office Theme">
+  <a:themeElements>
+    <a:clrScheme name="Office">
+      <a:dk1>
+        <a:sysClr val="windowText" lastClr="000000"/>
+      </a:dk1>
+      <a:lt1>
+        <a:sysClr val="window" lastClr="FFFFFF"/>
+      </a:lt1>
+      <a:dk2>
+        <a:srgbClr val="44546A"/>
+      </a:dk2>
+      <a:lt2>
+        <a:srgbClr val="E7E6E6"/>
+      </a:lt2>
+      <a:accent1>
+        <a:srgbClr val="4472C4"/>
+      </a:accent1>
+      <a:accent2>
+        <a:srgbClr val="ED7D31"/>
+      </a:accent2>
+      <a:accent3>
+        <a:srgbClr val="A5A5A5"/>
+      </a:accent3>
+      <a:accent4>
+        <a:srgbClr val="FFC000"/>
+      </a:accent4>
+      <a:accent5>
+        <a:srgbClr val="5B9BD5"/>
+      </a:accent5>
+      <a:accent6>
+        <a:srgbClr val="70AD47"/>
+      </a:accent6>
+      <a:hlink>
+        <a:srgbClr val="0563C1"/>
+      </a:hlink>
+      <a:folHlink>
+        <a:srgbClr val="954F72"/>
+      </a:folHlink>
+    </a:clrScheme>
+    <a:fontScheme name="Office">
+      <a:majorFont>
+        <a:latin typeface="Calibri Light" panose="020F0302020204030204"/>
+        <a:ea typeface=""/>
+        <a:cs typeface=""/>
+        <a:font script="Jpan" typeface="游ゴシック Light"/>
+        <a:font script="Hang" typeface="맑은 고딕"/>
+        <a:font script="Hans" typeface="等线 Light"/>
+        <a:font script="Hant" typeface="新細明體"/>
+        <a:font script="Arab" typeface="Times New Roman"/>
+        <a:font script="Hebr" typeface="Times New Roman"/>
+        <a:font script="Thai" typeface="Angsana New"/>
+        <a:font script="Ethi" typeface="Nyala"/>
+        <a:font script="Beng" typeface="Vrinda"/>
+        <a:font script="Gujr" typeface="Shruti"/>
+        <a:font script="Khmr" typeface="MoolBoran"/>
+        <a:font script="Knda" typeface="Tunga"/>
+        <a:font script="Guru" typeface="Raavi"/>
+        <a:font script="Cans" typeface="Euphemia"/>
+        <a:font script="Cher" typeface="Plantagenet Cherokee"/>
+        <a:font script="Yiii" typeface="Microsoft Yi Baiti"/>
+        <a:font script="Tibt" typeface="Microsoft Himalaya"/>
+        <a:font script="Thaa" typeface="MV Boli"/>
+        <a:font script="Deva" typeface="Mangal"/>
+        <a:font script="Telu" typeface="Gautami"/>
+        <a:font script="Taml" typeface="Latha"/>
+        <a:font script="Syrc" typeface="Estrangelo Edessa"/>
+        <a:font script="Orya" typeface="Kalinga"/>
+        <a:font script="Mlym" typeface="Kartika"/>
+        <a:font script="Laoo" typeface="DokChampa"/>
+        <a:font script="Sinh" typeface="Iskoola Pota"/>
+        <a:font script="Mong" typeface="Mongolian Baiti"/>
+        <a:font script="Viet" typeface="Times New Roman"/>
+        <a:font script="Uigh" typeface="Microsoft Uighur"/>
+        <a:font script="Geor" typeface="Sylfaen"/>
+        <a:font script="Armn" typeface="Arial"/>
+        <a:font script="Bugi" typeface="Leelawadee UI"/>
+        <a:font script="Bopo" typeface="Microsoft JhengHei"/>
+        <a:font script="Java" typeface="Javanese Text"/>
+        <a:font script="Lisu" typeface="Segoe UI"/>
+        <a:font script="Mymr" typeface="Myanmar Text"/>
+        <a:font script="Nkoo" typeface="Ebrima"/>
+        <a:font script="Olck" typeface="Nirmala UI"/>
+        <a:font script="Osma" typeface="Ebrima"/>
+        <a:font script="Phag" typeface="Phagspa"/>
+        <a:font script="Syrn" typeface="Estrangelo Edessa"/>
+        <a:font script="Syrj" typeface="Estrangelo Edessa"/>
+        <a:font script="Syre" typeface="Estrangelo Edessa"/>
+        <a:font script="Sora" typeface="Nirmala UI"/>
+        <a:font script="Tale" typeface="Microsoft Tai Le"/>
+        <a:font script="Talu" typeface="Microsoft New Tai Lue"/>
+        <a:font script="Tfng" typeface="Ebrima"/>
+      </a:majorFont>
+      <a:minorFont>
+        <a:latin typeface="Calibri" panose="020F0502020204030204"/>
+        <a:ea typeface=""/>
+        <a:cs typeface=""/>
+        <a:font script="Jpan" typeface="游ゴシック"/>
+        <a:font script="Hang" typeface="맑은 고딕"/>
+        <a:font script="Hans" typeface="等线"/>
+        <a:font script="Hant" typeface="新細明體"/>
+        <a:font script="Arab" typeface="Arial"/>
+        <a:font script="Hebr" typeface="Arial"/>
+        <a:font script="Thai" typeface="Cordia New"/>
+        <a:font script="Ethi" typeface="Nyala"/>
+        <a:font script="Beng" typeface="Vrinda"/>
+        <a:font script="Gujr" typeface="Shruti"/>
+        <a:font script="Khmr" typeface="DaunPenh"/>
+        <a:font script="Knda" typeface="Tunga"/>
+        <a:font script="Guru" typeface="Raavi"/>
+        <a:font script="Cans" typeface="Euphemia"/>
+        <a:font script="Cher" typeface="Plantagenet Cherokee"/>
+        <a:font script="Yiii" typeface="Microsoft Yi Baiti"/>
+        <a:font script="Tibt" typeface="Microsoft Himalaya"/>
+        <a:font script="Thaa" typeface="MV Boli"/>
+        <a:font script="Deva" typeface="Mangal"/>
+        <a:font script="Telu" typeface="Gautami"/>
+        <a:font script="Taml" typeface="Latha"/>
+        <a:font script="Syrc" typeface="Estrangelo Edessa"/>
+        <a:font script="Orya" typeface="Kalinga"/>
+        <a:font script="Mlym" typeface="Kartika"/>
+        <a:font script="Laoo" typeface="DokChampa"/>
+        <a:font script="Sinh" typeface="Iskoola Pota"/>
+        <a:font script="Mong" typeface="Mongolian Baiti"/>
+        <a:font script="Viet" typeface="Arial"/>
+        <a:font script="Uigh" typeface="Microsoft Uighur"/>
+        <a:font script="Geor" typeface="Sylfaen"/>
+        <a:font script="Armn" typeface="Arial"/>
+        <a:font script="Bugi" typeface="Leelawadee UI"/>
+        <a:font script="Bopo" typeface="Microsoft JhengHei"/>
+        <a:font script="Java" typeface="Javanese Text"/>
+        <a:font script="Lisu" typeface="Segoe UI"/>
+        <a:font script="Mymr" typeface="Myanmar Text"/>
+        <a:font script="Nkoo" typeface="Ebrima"/>
+        <a:font script="Olck" typeface="Nirmala UI"/>
+        <a:font script="Osma" typeface="Ebrima"/>
+        <a:font script="Phag" typeface="Phagspa"/>
+        <a:font script="Syrn" typeface="Estrangelo Edessa"/>
+        <a:font script="Syrj" typeface="Estrangelo Edessa"/>
+        <a:font script="Syre" typeface="Estrangelo Edessa"/>
+        <a:font script="Sora" typeface="Nirmala UI"/>
+        <a:font script="Tale" typeface="Microsoft Tai Le"/>
+        <a:font script="Talu" typeface="Microsoft New Tai Lue"/>
+        <a:font script="Tfng" typeface="Ebrima"/>
+      </a:minorFont>
+    </a:fontScheme>
+    <a:fmtScheme name="Office">
+      <a:fillStyleLst>
+        <a:solidFill>
+          <a:schemeClr val="phClr"/>
+        </a:solidFill>
+        <a:gradFill rotWithShape="1">
+          <a:gsLst>
+            <a:gs pos="0">
+              <a:schemeClr val="phClr">
+                <a:lumMod val="110000"/>
+                <a:satMod val="105000"/>
+                <a:tint val="67000"/>
+              </a:schemeClr>
+            </a:gs>
+            <a:gs pos="50000">
+              <a:schemeClr val="phClr">
+                <a:lumMod val="105000"/>
+                <a:satMod val="103000"/>
+                <a:tint val="73000"/>
+              </a:schemeClr>
+            </a:gs>
+            <a:gs pos="100000">
+              <a:schemeClr val="phClr">
+                <a:lumMod val="105000"/>
+                <a:satMod val="109000"/>
+                <a:tint val="81000"/>
+              </a:schemeClr>
+            </a:gs>
+          </a:gsLst>
+          <a:lin ang="5400000" scaled="0"/>
+        </a:gradFill>
+        <a:gradFill rotWithShape="1">
+          <a:gsLst>
+            <a:gs pos="0">
+              <a:schemeClr val="phClr">
+                <a:satMod val="103000"/>
+                <a:lumMod val="102000"/>
+                <a:tint val="94000"/>
+              </a:schemeClr>
+            </a:gs>
+            <a:gs pos="50000">
+              <a:schemeClr val="phClr">
+                <a:satMod val="110000"/>
+                <a:lumMod val="100000"/>
+                <a:shade val="100000"/>
+              </a:schemeClr>
+            </a:gs>
+            <a:gs pos="100000">
+              <a:schemeClr val="phClr">
+                <a:lumMod val="99000"/>
+                <a:satMod val="120000"/>
+                <a:shade val="78000"/>
+              </a:schemeClr>
+            </a:gs>
+          </a:gsLst>
+          <a:lin ang="5400000" scaled="0"/>
+        </a:gradFill>
+      </a:fillStyleLst>
+      <a:lnStyleLst>
+        <a:ln w="6350" cap="flat" cmpd="sng" algn="ctr">
+          <a:solidFill>
+            <a:schemeClr val="phClr"/>
+          </a:solidFill>
+          <a:prstDash val="solid"/>
+          <a:miter lim="800000"/>
+        </a:ln>
+        <a:ln w="12700" cap="flat" cmpd="sng" algn="ctr">
+          <a:solidFill>
+            <a:schemeClr val="phClr"/>
+          </a:solidFill>
+          <a:prstDash val="solid"/>
+          <a:miter lim="800000"/>
+        </a:ln>
+        <a:ln w="19050" cap="flat" cmpd="sng" algn="ctr">
+          <a:solidFill>
+            <a:schemeClr val="phClr"/>
+          </a:solidFill>
+          <a:prstDash val="solid"/>
+          <a:miter lim="800000"/>
+        </a:ln>
+      </a:lnStyleLst>
+      <a:effectStyleLst>
+        <a:effectStyle>
+          <a:effectLst/>
+        </a:effectStyle>
+        <a:effectStyle>
+          <a:effectLst/>
+        </a:effectStyle>
+        <a:effectStyle>
+          <a:effectLst>
+            <a:outerShdw blurRad="57150" dist="19050" dir="5400000" algn="ctr" rotWithShape="0">
+              <a:srgbClr val="000000">
+                <a:alpha val="63000"/>
+              </a:srgbClr>
+            </a:outerShdw>
+          </a:effectLst>
+        </a:effectStyle>
+      </a:effectStyleLst>
+      <a:bgFillStyleLst>
+        <a:solidFill>
+          <a:schemeClr val="phClr"/>
+        </a:solidFill>
+        <a:solidFill>
+          <a:schemeClr val="phClr">
+            <a:tint val="95000"/>
+            <a:satMod val="170000"/>
+          </a:schemeClr>
+        </a:solidFill>
+        <a:gradFill rotWithShape="1">
+          <a:gsLst>
+            <a:gs pos="0">
+              <a:schemeClr val="phClr">
+                <a:tint val="93000"/>
+                <a:satMod val="150000"/>
+                <a:shade val="98000"/>
+                <a:lumMod val="102000"/>
+              </a:schemeClr>
+            </a:gs>
+            <a:gs pos="50000">
+              <a:schemeClr val="phClr">
+                <a:tint val="98000"/>
+                <a:satMod val="130000"/>
+                <a:shade val="90000"/>
+                <a:lumMod val="103000"/>
+              </a:schemeClr>
+            </a:gs>
+            <a:gs pos="100000">
+              <a:schemeClr val="phClr">
+                <a:shade val="63000"/>
+                <a:satMod val="120000"/>
+              </a:schemeClr>
+            </a:gs>
+          </a:gsLst>
+          <a:lin ang="5400000" scaled="0"/>
+        </a:gradFill>
+      </a:bgFillStyleLst>
+    </a:fmtScheme>
+  </a:themeElements>
+  <a:objectDefaults/>
+  <a:extraClrSchemeLst/>
+  <a:extLst>
+    <a:ext uri="{05A4C25C-085E-4340-85A3-A5531E510DB2}">
+      <thm15:themeFamily xmlns:thm15="http://schemas.microsoft.com/office/thememl/2012/main" name="Office Theme" id="{62F939B6-93AF-4DB8-9C6B-D6C7DFDC589F}" vid="{4A3C46E8-61CC-4603-A589-7422A47A8E4A}"/>
+    </a:ext>
+  </a:extLst>
+</a:theme>
 </file>